--- a/meteoscop.pptx
+++ b/meteoscop.pptx
@@ -117,6 +117,11 @@
       </a:defRPr>
     </a:lvl9pPr>
   </p:defaultTextStyle>
+  <p:extLst>
+    <p:ext uri="{EFAFB233-063F-42B5-8137-9DF3F51BA10A}">
+      <p15:sldGuideLst xmlns:p15="http://schemas.microsoft.com/office/powerpoint/2012/main"/>
+    </p:ext>
+  </p:extLst>
 </p:presentation>
 </file>
 
@@ -202,7 +207,7 @@
           <a:p>
             <a:fld id="{142F5C72-C786-4D88-8893-42291094D1B1}" type="datetimeFigureOut">
               <a:rPr lang="fr-FR" smtClean="0"/>
-              <a:t>16/06/2025</a:t>
+              <a:t>17/06/2025</a:t>
             </a:fld>
             <a:endParaRPr lang="fr-FR"/>
           </a:p>
@@ -469,6 +474,338 @@
 </p:notesMaster>
 </file>
 
+<file path=ppt/notesSlides/notesSlide1.xml><?xml version="1.0" encoding="utf-8"?>
+<p:notes xmlns:a="http://schemas.openxmlformats.org/drawingml/2006/main" xmlns:r="http://schemas.openxmlformats.org/officeDocument/2006/relationships" xmlns:p="http://schemas.openxmlformats.org/presentationml/2006/main">
+  <p:cSld>
+    <p:spTree>
+      <p:nvGrpSpPr>
+        <p:cNvPr id="1" name=""/>
+        <p:cNvGrpSpPr/>
+        <p:nvPr/>
+      </p:nvGrpSpPr>
+      <p:grpSpPr>
+        <a:xfrm>
+          <a:off x="0" y="0"/>
+          <a:ext cx="0" cy="0"/>
+          <a:chOff x="0" y="0"/>
+          <a:chExt cx="0" cy="0"/>
+        </a:xfrm>
+      </p:grpSpPr>
+      <p:sp>
+        <p:nvSpPr>
+          <p:cNvPr id="2" name="Espace réservé de l'image des diapositives 1"/>
+          <p:cNvSpPr>
+            <a:spLocks noGrp="1" noRot="1" noChangeAspect="1"/>
+          </p:cNvSpPr>
+          <p:nvPr>
+            <p:ph type="sldImg"/>
+          </p:nvPr>
+        </p:nvSpPr>
+        <p:spPr/>
+      </p:sp>
+      <p:sp>
+        <p:nvSpPr>
+          <p:cNvPr id="3" name="Espace réservé des notes 2"/>
+          <p:cNvSpPr>
+            <a:spLocks noGrp="1"/>
+          </p:cNvSpPr>
+          <p:nvPr>
+            <p:ph type="body" idx="1"/>
+          </p:nvPr>
+        </p:nvSpPr>
+        <p:spPr/>
+        <p:txBody>
+          <a:bodyPr/>
+          <a:lstStyle/>
+          <a:p>
+            <a:r>
+              <a:rPr lang="fr-FR" b="1" dirty="0"/>
+              <a:t>HTML5 : </a:t>
+            </a:r>
+            <a:r>
+              <a:rPr lang="fr-FR" dirty="0"/>
+              <a:t>Structure sémantique de l'interface.</a:t>
+            </a:r>
+          </a:p>
+          <a:p>
+            <a:r>
+              <a:rPr lang="fr-FR" b="1" dirty="0"/>
+              <a:t>CSS3 : </a:t>
+            </a:r>
+            <a:r>
+              <a:rPr lang="fr-FR" dirty="0"/>
+              <a:t>Stylisation, mise en page </a:t>
+            </a:r>
+            <a:r>
+              <a:rPr lang="fr-FR" b="1" dirty="0"/>
+              <a:t>(</a:t>
+            </a:r>
+            <a:r>
+              <a:rPr lang="fr-FR" b="1" dirty="0" err="1"/>
+              <a:t>Flexbox</a:t>
+            </a:r>
+            <a:r>
+              <a:rPr lang="fr-FR" b="1" dirty="0"/>
+              <a:t>/</a:t>
+            </a:r>
+            <a:r>
+              <a:rPr lang="fr-FR" b="1" dirty="0" err="1"/>
+              <a:t>Grid</a:t>
+            </a:r>
+            <a:r>
+              <a:rPr lang="fr-FR" b="1" dirty="0"/>
+              <a:t>)</a:t>
+            </a:r>
+            <a:r>
+              <a:rPr lang="fr-FR" dirty="0"/>
+              <a:t>, et effet de </a:t>
+            </a:r>
+            <a:r>
+              <a:rPr lang="fr-FR" b="1" dirty="0"/>
+              <a:t>"</a:t>
+            </a:r>
+            <a:r>
+              <a:rPr lang="fr-FR" b="1" dirty="0" err="1"/>
+              <a:t>glassmorphism</a:t>
+            </a:r>
+            <a:r>
+              <a:rPr lang="fr-FR" b="1" dirty="0"/>
+              <a:t>"</a:t>
+            </a:r>
+            <a:r>
+              <a:rPr lang="fr-FR" dirty="0"/>
+              <a:t>.</a:t>
+            </a:r>
+          </a:p>
+          <a:p>
+            <a:r>
+              <a:rPr lang="fr-FR" b="1" dirty="0"/>
+              <a:t>JavaScript (ES6+) : </a:t>
+            </a:r>
+            <a:r>
+              <a:rPr lang="fr-FR" dirty="0"/>
+              <a:t>Logique applicative, interaction avec le </a:t>
+            </a:r>
+            <a:r>
+              <a:rPr lang="fr-FR" b="1" dirty="0"/>
+              <a:t>DOM</a:t>
+            </a:r>
+            <a:r>
+              <a:rPr lang="fr-FR" dirty="0"/>
+              <a:t>, requêtes </a:t>
+            </a:r>
+            <a:r>
+              <a:rPr lang="fr-FR" b="1" dirty="0"/>
+              <a:t>API</a:t>
+            </a:r>
+            <a:r>
+              <a:rPr lang="fr-FR" dirty="0"/>
+              <a:t>.</a:t>
+            </a:r>
+          </a:p>
+          <a:p>
+            <a:r>
+              <a:rPr lang="fr-FR" b="1" dirty="0"/>
+              <a:t>API </a:t>
+            </a:r>
+            <a:r>
+              <a:rPr lang="fr-FR" b="1" dirty="0" err="1"/>
+              <a:t>OpenWeatherMap</a:t>
+            </a:r>
+            <a:r>
+              <a:rPr lang="fr-FR" b="1" dirty="0"/>
+              <a:t> : </a:t>
+            </a:r>
+            <a:r>
+              <a:rPr lang="fr-FR" dirty="0"/>
+              <a:t>Source des données météorologiques en temps réel.</a:t>
+            </a:r>
+          </a:p>
+          <a:p>
+            <a:r>
+              <a:rPr lang="fr-FR" b="1" dirty="0"/>
+              <a:t>Git &amp; GitHub : </a:t>
+            </a:r>
+            <a:r>
+              <a:rPr lang="fr-FR" dirty="0"/>
+              <a:t>Gestion de version et collaboration.</a:t>
+            </a:r>
+          </a:p>
+          <a:p>
+            <a:endParaRPr lang="fr-FR" dirty="0"/>
+          </a:p>
+        </p:txBody>
+      </p:sp>
+      <p:sp>
+        <p:nvSpPr>
+          <p:cNvPr id="4" name="Espace réservé du numéro de diapositive 3"/>
+          <p:cNvSpPr>
+            <a:spLocks noGrp="1"/>
+          </p:cNvSpPr>
+          <p:nvPr>
+            <p:ph type="sldNum" sz="quarter" idx="5"/>
+          </p:nvPr>
+        </p:nvSpPr>
+        <p:spPr/>
+        <p:txBody>
+          <a:bodyPr/>
+          <a:lstStyle/>
+          <a:p>
+            <a:fld id="{C67B2DE1-3E82-48BE-A150-6465C8489B23}" type="slidenum">
+              <a:rPr lang="fr-FR" smtClean="0"/>
+              <a:t>3</a:t>
+            </a:fld>
+            <a:endParaRPr lang="fr-FR"/>
+          </a:p>
+        </p:txBody>
+      </p:sp>
+    </p:spTree>
+    <p:extLst>
+      <p:ext uri="{BB962C8B-B14F-4D97-AF65-F5344CB8AC3E}">
+        <p14:creationId xmlns:p14="http://schemas.microsoft.com/office/powerpoint/2010/main" val="3396214582"/>
+      </p:ext>
+    </p:extLst>
+  </p:cSld>
+  <p:clrMapOvr>
+    <a:masterClrMapping/>
+  </p:clrMapOvr>
+</p:notes>
+</file>
+
+<file path=ppt/notesSlides/notesSlide2.xml><?xml version="1.0" encoding="utf-8"?>
+<p:notes xmlns:a="http://schemas.openxmlformats.org/drawingml/2006/main" xmlns:r="http://schemas.openxmlformats.org/officeDocument/2006/relationships" xmlns:p="http://schemas.openxmlformats.org/presentationml/2006/main">
+  <p:cSld>
+    <p:spTree>
+      <p:nvGrpSpPr>
+        <p:cNvPr id="1" name=""/>
+        <p:cNvGrpSpPr/>
+        <p:nvPr/>
+      </p:nvGrpSpPr>
+      <p:grpSpPr>
+        <a:xfrm>
+          <a:off x="0" y="0"/>
+          <a:ext cx="0" cy="0"/>
+          <a:chOff x="0" y="0"/>
+          <a:chExt cx="0" cy="0"/>
+        </a:xfrm>
+      </p:grpSpPr>
+      <p:sp>
+        <p:nvSpPr>
+          <p:cNvPr id="2" name="Espace réservé de l'image des diapositives 1"/>
+          <p:cNvSpPr>
+            <a:spLocks noGrp="1" noRot="1" noChangeAspect="1"/>
+          </p:cNvSpPr>
+          <p:nvPr>
+            <p:ph type="sldImg"/>
+          </p:nvPr>
+        </p:nvSpPr>
+        <p:spPr/>
+      </p:sp>
+      <p:sp>
+        <p:nvSpPr>
+          <p:cNvPr id="3" name="Espace réservé des notes 2"/>
+          <p:cNvSpPr>
+            <a:spLocks noGrp="1"/>
+          </p:cNvSpPr>
+          <p:nvPr>
+            <p:ph type="body" idx="1"/>
+          </p:nvPr>
+        </p:nvSpPr>
+        <p:spPr/>
+        <p:txBody>
+          <a:bodyPr/>
+          <a:lstStyle/>
+          <a:p>
+            <a:r>
+              <a:rPr lang="fr-FR" b="1" dirty="0"/>
+              <a:t>Gestion des erreurs avancée : </a:t>
+            </a:r>
+            <a:r>
+              <a:rPr lang="fr-FR" dirty="0"/>
+              <a:t>Messages d'erreur plus précis (ville introuvable, API non disponible).</a:t>
+            </a:r>
+          </a:p>
+          <a:p>
+            <a:r>
+              <a:rPr lang="fr-FR" b="1" dirty="0"/>
+              <a:t>Informations détaillées : </a:t>
+            </a:r>
+            <a:r>
+              <a:rPr lang="fr-FR" dirty="0"/>
+              <a:t>Ajout de la visibilité, heures de lever/coucher du soleil.</a:t>
+            </a:r>
+          </a:p>
+          <a:p>
+            <a:r>
+              <a:rPr lang="fr-FR" b="1" dirty="0"/>
+              <a:t>Icônes et fonds dynamiques : </a:t>
+            </a:r>
+            <a:r>
+              <a:rPr lang="fr-FR" dirty="0"/>
+              <a:t>Changer l'icône et l'image de fond en fonction des conditions météo.</a:t>
+            </a:r>
+          </a:p>
+          <a:p>
+            <a:r>
+              <a:rPr lang="fr-FR" b="1" dirty="0"/>
+              <a:t>Design Responsive : </a:t>
+            </a:r>
+            <a:r>
+              <a:rPr lang="fr-FR" dirty="0"/>
+              <a:t>Adaptation de l'interface aux différentes tailles d'écrans.</a:t>
+            </a:r>
+          </a:p>
+          <a:p>
+            <a:r>
+              <a:rPr lang="fr-FR" b="1" dirty="0"/>
+              <a:t>Optimisation (Cache API) : </a:t>
+            </a:r>
+            <a:r>
+              <a:rPr lang="fr-FR" dirty="0"/>
+              <a:t>Mise en cache des données météo pour réduire les appels API.</a:t>
+            </a:r>
+          </a:p>
+          <a:p>
+            <a:endParaRPr lang="fr-FR" dirty="0"/>
+          </a:p>
+        </p:txBody>
+      </p:sp>
+      <p:sp>
+        <p:nvSpPr>
+          <p:cNvPr id="4" name="Espace réservé du numéro de diapositive 3"/>
+          <p:cNvSpPr>
+            <a:spLocks noGrp="1"/>
+          </p:cNvSpPr>
+          <p:nvPr>
+            <p:ph type="sldNum" sz="quarter" idx="5"/>
+          </p:nvPr>
+        </p:nvSpPr>
+        <p:spPr/>
+        <p:txBody>
+          <a:bodyPr/>
+          <a:lstStyle/>
+          <a:p>
+            <a:fld id="{C67B2DE1-3E82-48BE-A150-6465C8489B23}" type="slidenum">
+              <a:rPr lang="fr-FR" smtClean="0"/>
+              <a:t>7</a:t>
+            </a:fld>
+            <a:endParaRPr lang="fr-FR"/>
+          </a:p>
+        </p:txBody>
+      </p:sp>
+    </p:spTree>
+    <p:extLst>
+      <p:ext uri="{BB962C8B-B14F-4D97-AF65-F5344CB8AC3E}">
+        <p14:creationId xmlns:p14="http://schemas.microsoft.com/office/powerpoint/2010/main" val="42223646"/>
+      </p:ext>
+    </p:extLst>
+  </p:cSld>
+  <p:clrMapOvr>
+    <a:masterClrMapping/>
+  </p:clrMapOvr>
+</p:notes>
+</file>
+
 <file path=ppt/slideLayouts/slideLayout1.xml><?xml version="1.0" encoding="utf-8"?>
 <p:sldLayout xmlns:a="http://schemas.openxmlformats.org/drawingml/2006/main" xmlns:r="http://schemas.openxmlformats.org/officeDocument/2006/relationships" xmlns:p="http://schemas.openxmlformats.org/presentationml/2006/main" type="title" preserve="1">
   <p:cSld name="Diapositive de titre">
@@ -616,7 +953,7 @@
           <a:p>
             <a:fld id="{6AA4FF51-F700-4552-BE13-320CE40A7FB6}" type="datetime1">
               <a:rPr lang="fr-FR" smtClean="0"/>
-              <a:t>16/06/2025</a:t>
+              <a:t>17/06/2025</a:t>
             </a:fld>
             <a:endParaRPr lang="fr-FR"/>
           </a:p>
@@ -814,7 +1151,7 @@
           <a:p>
             <a:fld id="{89AE48E9-72DA-4F2E-85E1-0F45106E2397}" type="datetime1">
               <a:rPr lang="fr-FR" smtClean="0"/>
-              <a:t>16/06/2025</a:t>
+              <a:t>17/06/2025</a:t>
             </a:fld>
             <a:endParaRPr lang="fr-FR"/>
           </a:p>
@@ -1022,7 +1359,7 @@
           <a:p>
             <a:fld id="{E6DE3FC9-7511-4089-BD95-CCFB6275AF86}" type="datetime1">
               <a:rPr lang="fr-FR" smtClean="0"/>
-              <a:t>16/06/2025</a:t>
+              <a:t>17/06/2025</a:t>
             </a:fld>
             <a:endParaRPr lang="fr-FR"/>
           </a:p>
@@ -1220,7 +1557,7 @@
           <a:p>
             <a:fld id="{EF304CA3-CD56-4CBF-8C9D-82918D79551F}" type="datetime1">
               <a:rPr lang="fr-FR" smtClean="0"/>
-              <a:t>16/06/2025</a:t>
+              <a:t>17/06/2025</a:t>
             </a:fld>
             <a:endParaRPr lang="fr-FR"/>
           </a:p>
@@ -1495,7 +1832,7 @@
           <a:p>
             <a:fld id="{C1667A52-B9F4-4D8B-937B-23F188D15D8C}" type="datetime1">
               <a:rPr lang="fr-FR" smtClean="0"/>
-              <a:t>16/06/2025</a:t>
+              <a:t>17/06/2025</a:t>
             </a:fld>
             <a:endParaRPr lang="fr-FR"/>
           </a:p>
@@ -1760,7 +2097,7 @@
           <a:p>
             <a:fld id="{8DEA83E0-AB23-4414-BB71-0DFAC5CE4F66}" type="datetime1">
               <a:rPr lang="fr-FR" smtClean="0"/>
-              <a:t>16/06/2025</a:t>
+              <a:t>17/06/2025</a:t>
             </a:fld>
             <a:endParaRPr lang="fr-FR"/>
           </a:p>
@@ -2172,7 +2509,7 @@
           <a:p>
             <a:fld id="{75F0503B-C422-436F-88F6-27FA8E41843C}" type="datetime1">
               <a:rPr lang="fr-FR" smtClean="0"/>
-              <a:t>16/06/2025</a:t>
+              <a:t>17/06/2025</a:t>
             </a:fld>
             <a:endParaRPr lang="fr-FR"/>
           </a:p>
@@ -2313,7 +2650,7 @@
           <a:p>
             <a:fld id="{1E3AAAA7-5A7F-4B5E-8B25-C382809F84AC}" type="datetime1">
               <a:rPr lang="fr-FR" smtClean="0"/>
-              <a:t>16/06/2025</a:t>
+              <a:t>17/06/2025</a:t>
             </a:fld>
             <a:endParaRPr lang="fr-FR"/>
           </a:p>
@@ -2426,7 +2763,7 @@
           <a:p>
             <a:fld id="{8FC29D5B-2AE0-4800-8423-D4075073CAAB}" type="datetime1">
               <a:rPr lang="fr-FR" smtClean="0"/>
-              <a:t>16/06/2025</a:t>
+              <a:t>17/06/2025</a:t>
             </a:fld>
             <a:endParaRPr lang="fr-FR"/>
           </a:p>
@@ -2737,7 +3074,7 @@
           <a:p>
             <a:fld id="{F48317D6-B874-42B3-8059-DF66D09721AF}" type="datetime1">
               <a:rPr lang="fr-FR" smtClean="0"/>
-              <a:t>16/06/2025</a:t>
+              <a:t>17/06/2025</a:t>
             </a:fld>
             <a:endParaRPr lang="fr-FR"/>
           </a:p>
@@ -3025,7 +3362,7 @@
           <a:p>
             <a:fld id="{B7BC50FA-788E-4654-A822-2C6EE9213D0E}" type="datetime1">
               <a:rPr lang="fr-FR" smtClean="0"/>
-              <a:t>16/06/2025</a:t>
+              <a:t>17/06/2025</a:t>
             </a:fld>
             <a:endParaRPr lang="fr-FR"/>
           </a:p>
@@ -3266,7 +3603,7 @@
           <a:p>
             <a:fld id="{0C1D46B1-9EB5-4BCC-8D6F-911E1E712312}" type="datetime1">
               <a:rPr lang="fr-FR" smtClean="0"/>
-              <a:t>16/06/2025</a:t>
+              <a:t>17/06/2025</a:t>
             </a:fld>
             <a:endParaRPr lang="fr-FR"/>
           </a:p>
@@ -3707,7 +4044,7 @@
           <a:p>
             <a:r>
               <a:rPr lang="fr-FR" b="1" dirty="0" err="1"/>
-              <a:t>MétéoScop</a:t>
+              <a:t>MétéoScope</a:t>
             </a:r>
             <a:endParaRPr lang="fr-FR" b="1" dirty="0"/>
           </a:p>
@@ -4518,12 +4855,6 @@
           <a:p>
             <a:r>
               <a:rPr lang="fr-FR" sz="1700" dirty="0"/>
-              <a:t>Projet de préparation pour la formation Concepteur Développeur d’Applications.</a:t>
-            </a:r>
-          </a:p>
-          <a:p>
-            <a:r>
-              <a:rPr lang="fr-FR" sz="1700" dirty="0"/>
               <a:t>Contrainte clé : Localisation de la météo définie via un fichier de configuration (</a:t>
             </a:r>
             <a:r>
@@ -4596,7 +4927,7 @@
           <a:p>
             <a:fld id="{2EEEA2C8-6872-4338-9AC5-14FE25F7374D}" type="datetime1">
               <a:rPr lang="fr-FR" smtClean="0"/>
-              <a:t>16/06/2025</a:t>
+              <a:t>17/06/2025</a:t>
             </a:fld>
             <a:endParaRPr lang="fr-FR"/>
           </a:p>
@@ -4707,121 +5038,47 @@
         </p:nvSpPr>
         <p:spPr/>
         <p:txBody>
-          <a:bodyPr/>
-          <a:lstStyle/>
-          <a:p>
-            <a:r>
-              <a:rPr lang="fr-FR" b="1" dirty="0"/>
-              <a:t>HTML5 : </a:t>
-            </a:r>
-            <a:r>
-              <a:rPr lang="fr-FR" dirty="0"/>
-              <a:t>Structure sémantique de l'interface.</a:t>
-            </a:r>
-          </a:p>
-          <a:p>
-            <a:r>
-              <a:rPr lang="fr-FR" b="1" dirty="0"/>
-              <a:t>CSS3 : </a:t>
-            </a:r>
-            <a:r>
-              <a:rPr lang="fr-FR" dirty="0"/>
-              <a:t>Stylisation, mise en page </a:t>
-            </a:r>
-            <a:r>
-              <a:rPr lang="fr-FR" b="1" dirty="0"/>
-              <a:t>(</a:t>
-            </a:r>
-            <a:r>
-              <a:rPr lang="fr-FR" b="1" dirty="0" err="1"/>
-              <a:t>Flexbox</a:t>
-            </a:r>
-            <a:r>
-              <a:rPr lang="fr-FR" b="1" dirty="0"/>
-              <a:t>/</a:t>
-            </a:r>
-            <a:r>
-              <a:rPr lang="fr-FR" b="1" dirty="0" err="1"/>
-              <a:t>Grid</a:t>
-            </a:r>
-            <a:r>
-              <a:rPr lang="fr-FR" b="1" dirty="0"/>
-              <a:t>)</a:t>
-            </a:r>
-            <a:r>
-              <a:rPr lang="fr-FR" dirty="0"/>
-              <a:t>, et effet de </a:t>
-            </a:r>
-            <a:r>
-              <a:rPr lang="fr-FR" b="1" dirty="0"/>
-              <a:t>"</a:t>
-            </a:r>
-            <a:r>
-              <a:rPr lang="fr-FR" b="1" dirty="0" err="1"/>
-              <a:t>glassmorphism</a:t>
-            </a:r>
-            <a:r>
-              <a:rPr lang="fr-FR" b="1" dirty="0"/>
-              <a:t>"</a:t>
-            </a:r>
-            <a:r>
-              <a:rPr lang="fr-FR" dirty="0"/>
-              <a:t>.</a:t>
-            </a:r>
-          </a:p>
-          <a:p>
-            <a:r>
-              <a:rPr lang="fr-FR" b="1" dirty="0"/>
-              <a:t>JavaScript (ES6+) : </a:t>
-            </a:r>
-            <a:r>
-              <a:rPr lang="fr-FR" dirty="0"/>
-              <a:t>Logique applicative, interaction avec le </a:t>
-            </a:r>
-            <a:r>
-              <a:rPr lang="fr-FR" b="1" dirty="0"/>
-              <a:t>DOM</a:t>
-            </a:r>
-            <a:r>
-              <a:rPr lang="fr-FR" dirty="0"/>
-              <a:t>, requêtes </a:t>
-            </a:r>
-            <a:r>
-              <a:rPr lang="fr-FR" b="1" dirty="0"/>
-              <a:t>API</a:t>
-            </a:r>
-            <a:r>
-              <a:rPr lang="fr-FR" dirty="0"/>
-              <a:t>.</a:t>
-            </a:r>
-          </a:p>
-          <a:p>
-            <a:r>
-              <a:rPr lang="fr-FR" b="1" dirty="0"/>
+          <a:bodyPr>
+            <a:normAutofit/>
+          </a:bodyPr>
+          <a:lstStyle/>
+          <a:p>
+            <a:r>
+              <a:rPr lang="fr-FR" sz="3600" b="1" dirty="0"/>
+              <a:t>HTML </a:t>
+            </a:r>
+          </a:p>
+          <a:p>
+            <a:r>
+              <a:rPr lang="fr-FR" sz="3600" b="1" dirty="0"/>
+              <a:t>CSS</a:t>
+            </a:r>
+            <a:endParaRPr lang="fr-FR" sz="3600" dirty="0"/>
+          </a:p>
+          <a:p>
+            <a:r>
+              <a:rPr lang="fr-FR" sz="3600" b="1" dirty="0"/>
+              <a:t>JavaScript</a:t>
+            </a:r>
+            <a:endParaRPr lang="fr-FR" sz="3600" dirty="0"/>
+          </a:p>
+          <a:p>
+            <a:r>
+              <a:rPr lang="fr-FR" sz="3600" b="1" dirty="0"/>
               <a:t>API </a:t>
             </a:r>
             <a:r>
-              <a:rPr lang="fr-FR" b="1" dirty="0" err="1"/>
+              <a:rPr lang="fr-FR" sz="3600" b="1" dirty="0" err="1"/>
               <a:t>OpenWeatherMap</a:t>
             </a:r>
-            <a:r>
-              <a:rPr lang="fr-FR" b="1" dirty="0"/>
-              <a:t> : </a:t>
-            </a:r>
-            <a:r>
-              <a:rPr lang="fr-FR" dirty="0"/>
-              <a:t>Source des données météorologiques en temps réel.</a:t>
-            </a:r>
-          </a:p>
-          <a:p>
-            <a:r>
-              <a:rPr lang="fr-FR" b="1" dirty="0"/>
-              <a:t>Git &amp; GitHub : </a:t>
-            </a:r>
-            <a:r>
-              <a:rPr lang="fr-FR" dirty="0"/>
-              <a:t>Gestion de version et collaboration.</a:t>
-            </a:r>
+            <a:endParaRPr lang="fr-FR" sz="3600" dirty="0"/>
+          </a:p>
+          <a:p>
+            <a:r>
+              <a:rPr lang="fr-FR" sz="3600" b="1" dirty="0"/>
+              <a:t>Git &amp; GitHub</a:t>
+            </a:r>
+            <a:endParaRPr lang="fr-FR" sz="3600" dirty="0"/>
           </a:p>
         </p:txBody>
       </p:sp>
@@ -4848,7 +5105,7 @@
           <a:p>
             <a:fld id="{E5642936-C5D2-4E07-B75A-8C0574AD4867}" type="datetime1">
               <a:rPr lang="fr-FR" smtClean="0"/>
-              <a:t>16/06/2025</a:t>
+              <a:t>17/06/2025</a:t>
             </a:fld>
             <a:endParaRPr lang="fr-FR"/>
           </a:p>
@@ -5136,7 +5393,15 @@
             </a:r>
             <a:r>
               <a:rPr lang="fr-FR" dirty="0"/>
-              <a:t> pour rafraîchir les données chaque heure.</a:t>
+              <a:t> pour rafraîchir les données </a:t>
+            </a:r>
+            <a:r>
+              <a:rPr lang="fr-FR" u="sng" dirty="0"/>
+              <a:t>chaque heure</a:t>
+            </a:r>
+            <a:r>
+              <a:rPr lang="fr-FR" dirty="0"/>
+              <a:t>.</a:t>
             </a:r>
           </a:p>
           <a:p>
@@ -5200,7 +5465,7 @@
           <a:p>
             <a:fld id="{7D68DED3-DC06-48EA-9EC2-9C8AFDC0EB8D}" type="datetime1">
               <a:rPr lang="fr-FR" smtClean="0"/>
-              <a:t>16/06/2025</a:t>
+              <a:t>17/06/2025</a:t>
             </a:fld>
             <a:endParaRPr lang="fr-FR"/>
           </a:p>
@@ -5504,7 +5769,7 @@
           <a:p>
             <a:fld id="{EF304CA3-CD56-4CBF-8C9D-82918D79551F}" type="datetime1">
               <a:rPr lang="fr-FR" smtClean="0"/>
-              <a:t>16/06/2025</a:t>
+              <a:t>17/06/2025</a:t>
             </a:fld>
             <a:endParaRPr lang="fr-FR"/>
           </a:p>
@@ -5736,7 +6001,7 @@
           <a:p>
             <a:fld id="{EF304CA3-CD56-4CBF-8C9D-82918D79551F}" type="datetime1">
               <a:rPr lang="fr-FR" smtClean="0"/>
-              <a:t>16/06/2025</a:t>
+              <a:t>17/06/2025</a:t>
             </a:fld>
             <a:endParaRPr lang="fr-FR"/>
           </a:p>
@@ -5868,7 +6133,7 @@
             </a:r>
             <a:r>
               <a:rPr lang="fr-FR" dirty="0"/>
-              <a:t>Ajout de la visibilité, point de rosée, heures de lever/coucher du soleil.</a:t>
+              <a:t>Ajout de la visibilité, heures de lever/coucher du soleil.</a:t>
             </a:r>
           </a:p>
           <a:p>

--- a/meteoscop.pptx
+++ b/meteoscop.pptx
@@ -2,7 +2,7 @@
 <file path=ppt/presentation.xml><?xml version="1.0" encoding="utf-8"?>
 <p:presentation xmlns:a="http://schemas.openxmlformats.org/drawingml/2006/main" xmlns:r="http://schemas.openxmlformats.org/officeDocument/2006/relationships" xmlns:p="http://schemas.openxmlformats.org/presentationml/2006/main" showSpecialPlsOnTitleSld="0" saveSubsetFonts="1">
   <p:sldMasterIdLst>
-    <p:sldMasterId id="2147483648" r:id="rId1"/>
+    <p:sldMasterId id="2147483708" r:id="rId1"/>
   </p:sldMasterIdLst>
   <p:notesMasterIdLst>
     <p:notesMasterId r:id="rId13"/>
@@ -24,9 +24,9 @@
   <p:notesSz cx="6858000" cy="9144000"/>
   <p:defaultTextStyle>
     <a:defPPr>
-      <a:defRPr lang="fr-FR"/>
+      <a:defRPr lang="en-US"/>
     </a:defPPr>
-    <a:lvl1pPr marL="0" algn="l" defTabSz="914400" rtl="0" eaLnBrk="1" latinLnBrk="0" hangingPunct="1">
+    <a:lvl1pPr marL="0" algn="l" defTabSz="457200" rtl="0" eaLnBrk="1" latinLnBrk="0" hangingPunct="1">
       <a:defRPr sz="1800" kern="1200">
         <a:solidFill>
           <a:schemeClr val="tx1"/>
@@ -36,7 +36,7 @@
         <a:cs typeface="+mn-cs"/>
       </a:defRPr>
     </a:lvl1pPr>
-    <a:lvl2pPr marL="457200" algn="l" defTabSz="914400" rtl="0" eaLnBrk="1" latinLnBrk="0" hangingPunct="1">
+    <a:lvl2pPr marL="457200" algn="l" defTabSz="457200" rtl="0" eaLnBrk="1" latinLnBrk="0" hangingPunct="1">
       <a:defRPr sz="1800" kern="1200">
         <a:solidFill>
           <a:schemeClr val="tx1"/>
@@ -46,7 +46,7 @@
         <a:cs typeface="+mn-cs"/>
       </a:defRPr>
     </a:lvl2pPr>
-    <a:lvl3pPr marL="914400" algn="l" defTabSz="914400" rtl="0" eaLnBrk="1" latinLnBrk="0" hangingPunct="1">
+    <a:lvl3pPr marL="914400" algn="l" defTabSz="457200" rtl="0" eaLnBrk="1" latinLnBrk="0" hangingPunct="1">
       <a:defRPr sz="1800" kern="1200">
         <a:solidFill>
           <a:schemeClr val="tx1"/>
@@ -56,7 +56,7 @@
         <a:cs typeface="+mn-cs"/>
       </a:defRPr>
     </a:lvl3pPr>
-    <a:lvl4pPr marL="1371600" algn="l" defTabSz="914400" rtl="0" eaLnBrk="1" latinLnBrk="0" hangingPunct="1">
+    <a:lvl4pPr marL="1371600" algn="l" defTabSz="457200" rtl="0" eaLnBrk="1" latinLnBrk="0" hangingPunct="1">
       <a:defRPr sz="1800" kern="1200">
         <a:solidFill>
           <a:schemeClr val="tx1"/>
@@ -66,7 +66,7 @@
         <a:cs typeface="+mn-cs"/>
       </a:defRPr>
     </a:lvl4pPr>
-    <a:lvl5pPr marL="1828800" algn="l" defTabSz="914400" rtl="0" eaLnBrk="1" latinLnBrk="0" hangingPunct="1">
+    <a:lvl5pPr marL="1828800" algn="l" defTabSz="457200" rtl="0" eaLnBrk="1" latinLnBrk="0" hangingPunct="1">
       <a:defRPr sz="1800" kern="1200">
         <a:solidFill>
           <a:schemeClr val="tx1"/>
@@ -76,7 +76,7 @@
         <a:cs typeface="+mn-cs"/>
       </a:defRPr>
     </a:lvl5pPr>
-    <a:lvl6pPr marL="2286000" algn="l" defTabSz="914400" rtl="0" eaLnBrk="1" latinLnBrk="0" hangingPunct="1">
+    <a:lvl6pPr marL="2286000" algn="l" defTabSz="457200" rtl="0" eaLnBrk="1" latinLnBrk="0" hangingPunct="1">
       <a:defRPr sz="1800" kern="1200">
         <a:solidFill>
           <a:schemeClr val="tx1"/>
@@ -86,7 +86,7 @@
         <a:cs typeface="+mn-cs"/>
       </a:defRPr>
     </a:lvl6pPr>
-    <a:lvl7pPr marL="2743200" algn="l" defTabSz="914400" rtl="0" eaLnBrk="1" latinLnBrk="0" hangingPunct="1">
+    <a:lvl7pPr marL="2743200" algn="l" defTabSz="457200" rtl="0" eaLnBrk="1" latinLnBrk="0" hangingPunct="1">
       <a:defRPr sz="1800" kern="1200">
         <a:solidFill>
           <a:schemeClr val="tx1"/>
@@ -96,7 +96,7 @@
         <a:cs typeface="+mn-cs"/>
       </a:defRPr>
     </a:lvl7pPr>
-    <a:lvl8pPr marL="3200400" algn="l" defTabSz="914400" rtl="0" eaLnBrk="1" latinLnBrk="0" hangingPunct="1">
+    <a:lvl8pPr marL="3200400" algn="l" defTabSz="457200" rtl="0" eaLnBrk="1" latinLnBrk="0" hangingPunct="1">
       <a:defRPr sz="1800" kern="1200">
         <a:solidFill>
           <a:schemeClr val="tx1"/>
@@ -106,7 +106,7 @@
         <a:cs typeface="+mn-cs"/>
       </a:defRPr>
     </a:lvl8pPr>
-    <a:lvl9pPr marL="3657600" algn="l" defTabSz="914400" rtl="0" eaLnBrk="1" latinLnBrk="0" hangingPunct="1">
+    <a:lvl9pPr marL="3657600" algn="l" defTabSz="457200" rtl="0" eaLnBrk="1" latinLnBrk="0" hangingPunct="1">
       <a:defRPr sz="1800" kern="1200">
         <a:solidFill>
           <a:schemeClr val="tx1"/>
@@ -825,101 +825,188 @@
       </p:grpSpPr>
       <p:sp>
         <p:nvSpPr>
-          <p:cNvPr id="2" name="Titre 1">
-            <a:extLst>
-              <a:ext uri="{FF2B5EF4-FFF2-40B4-BE49-F238E27FC236}">
-                <a16:creationId xmlns:a16="http://schemas.microsoft.com/office/drawing/2014/main" id="{F014BCA4-C613-350E-3BF0-23BCCE00B13B}"/>
-              </a:ext>
-            </a:extLst>
-          </p:cNvPr>
-          <p:cNvSpPr>
-            <a:spLocks noGrp="1"/>
-          </p:cNvSpPr>
-          <p:nvPr>
-            <p:ph type="ctrTitle"/>
-          </p:nvPr>
+          <p:cNvPr id="7" name="Rectangle 6"/>
+          <p:cNvSpPr/>
+          <p:nvPr/>
         </p:nvSpPr>
         <p:spPr>
           <a:xfrm>
-            <a:off x="1524000" y="1122363"/>
-            <a:ext cx="9144000" cy="2387600"/>
+            <a:off x="446534" y="3085765"/>
+            <a:ext cx="11262866" cy="3304800"/>
+          </a:xfrm>
+          <a:prstGeom prst="rect">
+            <a:avLst/>
+          </a:prstGeom>
+          <a:solidFill>
+            <a:schemeClr val="accent1"/>
+          </a:solidFill>
+          <a:ln>
+            <a:noFill/>
+          </a:ln>
+          <a:effectLst/>
+        </p:spPr>
+        <p:style>
+          <a:lnRef idx="1">
+            <a:schemeClr val="accent1"/>
+          </a:lnRef>
+          <a:fillRef idx="3">
+            <a:schemeClr val="accent1"/>
+          </a:fillRef>
+          <a:effectRef idx="2">
+            <a:schemeClr val="accent1"/>
+          </a:effectRef>
+          <a:fontRef idx="minor">
+            <a:schemeClr val="lt1"/>
+          </a:fontRef>
+        </p:style>
+      </p:sp>
+      <p:sp>
+        <p:nvSpPr>
+          <p:cNvPr id="2" name="Title 1"/>
+          <p:cNvSpPr>
+            <a:spLocks noGrp="1"/>
+          </p:cNvSpPr>
+          <p:nvPr>
+            <p:ph type="ctrTitle"/>
+          </p:nvPr>
+        </p:nvSpPr>
+        <p:spPr>
+          <a:xfrm>
+            <a:off x="581191" y="1020431"/>
+            <a:ext cx="10993549" cy="1475013"/>
+          </a:xfrm>
+          <a:effectLst/>
+        </p:spPr>
+        <p:txBody>
+          <a:bodyPr anchor="b">
+            <a:normAutofit/>
+          </a:bodyPr>
+          <a:lstStyle>
+            <a:lvl1pPr>
+              <a:defRPr sz="3600">
+                <a:solidFill>
+                  <a:schemeClr val="accent1"/>
+                </a:solidFill>
+              </a:defRPr>
+            </a:lvl1pPr>
+          </a:lstStyle>
+          <a:p>
+            <a:r>
+              <a:rPr lang="fr-FR"/>
+              <a:t>Modifiez le style du titre</a:t>
+            </a:r>
+            <a:endParaRPr lang="en-US" dirty="0"/>
+          </a:p>
+        </p:txBody>
+      </p:sp>
+      <p:sp>
+        <p:nvSpPr>
+          <p:cNvPr id="3" name="Subtitle 2"/>
+          <p:cNvSpPr>
+            <a:spLocks noGrp="1"/>
+          </p:cNvSpPr>
+          <p:nvPr>
+            <p:ph type="subTitle" idx="1"/>
+          </p:nvPr>
+        </p:nvSpPr>
+        <p:spPr>
+          <a:xfrm>
+            <a:off x="581194" y="2495445"/>
+            <a:ext cx="10993546" cy="590321"/>
           </a:xfrm>
         </p:spPr>
         <p:txBody>
-          <a:bodyPr anchor="b"/>
+          <a:bodyPr anchor="t">
+            <a:normAutofit/>
+          </a:bodyPr>
           <a:lstStyle>
-            <a:lvl1pPr algn="ctr">
-              <a:defRPr sz="6000"/>
-            </a:lvl1pPr>
-          </a:lstStyle>
-          <a:p>
-            <a:r>
-              <a:rPr lang="fr-FR"/>
-              <a:t>Modifiez le style du titre</a:t>
-            </a:r>
-          </a:p>
-        </p:txBody>
-      </p:sp>
-      <p:sp>
-        <p:nvSpPr>
-          <p:cNvPr id="3" name="Sous-titre 2">
-            <a:extLst>
-              <a:ext uri="{FF2B5EF4-FFF2-40B4-BE49-F238E27FC236}">
-                <a16:creationId xmlns:a16="http://schemas.microsoft.com/office/drawing/2014/main" id="{817ADA58-1838-8688-04EC-610DA05728B0}"/>
-              </a:ext>
-            </a:extLst>
-          </p:cNvPr>
-          <p:cNvSpPr>
-            <a:spLocks noGrp="1"/>
-          </p:cNvSpPr>
-          <p:nvPr>
-            <p:ph type="subTitle" idx="1"/>
-          </p:nvPr>
-        </p:nvSpPr>
-        <p:spPr>
-          <a:xfrm>
-            <a:off x="1524000" y="3602038"/>
-            <a:ext cx="9144000" cy="1655762"/>
-          </a:xfrm>
-        </p:spPr>
-        <p:txBody>
-          <a:bodyPr/>
-          <a:lstStyle>
-            <a:lvl1pPr marL="0" indent="0" algn="ctr">
+            <a:lvl1pPr marL="0" indent="0" algn="l">
               <a:buNone/>
-              <a:defRPr sz="2400"/>
+              <a:defRPr sz="1600" cap="all">
+                <a:solidFill>
+                  <a:schemeClr val="accent2"/>
+                </a:solidFill>
+              </a:defRPr>
             </a:lvl1pPr>
             <a:lvl2pPr marL="457200" indent="0" algn="ctr">
               <a:buNone/>
-              <a:defRPr sz="2000"/>
+              <a:defRPr>
+                <a:solidFill>
+                  <a:schemeClr val="tx1">
+                    <a:tint val="75000"/>
+                  </a:schemeClr>
+                </a:solidFill>
+              </a:defRPr>
             </a:lvl2pPr>
             <a:lvl3pPr marL="914400" indent="0" algn="ctr">
               <a:buNone/>
-              <a:defRPr sz="1800"/>
+              <a:defRPr>
+                <a:solidFill>
+                  <a:schemeClr val="tx1">
+                    <a:tint val="75000"/>
+                  </a:schemeClr>
+                </a:solidFill>
+              </a:defRPr>
             </a:lvl3pPr>
             <a:lvl4pPr marL="1371600" indent="0" algn="ctr">
               <a:buNone/>
-              <a:defRPr sz="1600"/>
+              <a:defRPr>
+                <a:solidFill>
+                  <a:schemeClr val="tx1">
+                    <a:tint val="75000"/>
+                  </a:schemeClr>
+                </a:solidFill>
+              </a:defRPr>
             </a:lvl4pPr>
             <a:lvl5pPr marL="1828800" indent="0" algn="ctr">
               <a:buNone/>
-              <a:defRPr sz="1600"/>
+              <a:defRPr>
+                <a:solidFill>
+                  <a:schemeClr val="tx1">
+                    <a:tint val="75000"/>
+                  </a:schemeClr>
+                </a:solidFill>
+              </a:defRPr>
             </a:lvl5pPr>
             <a:lvl6pPr marL="2286000" indent="0" algn="ctr">
               <a:buNone/>
-              <a:defRPr sz="1600"/>
+              <a:defRPr>
+                <a:solidFill>
+                  <a:schemeClr val="tx1">
+                    <a:tint val="75000"/>
+                  </a:schemeClr>
+                </a:solidFill>
+              </a:defRPr>
             </a:lvl6pPr>
             <a:lvl7pPr marL="2743200" indent="0" algn="ctr">
               <a:buNone/>
-              <a:defRPr sz="1600"/>
+              <a:defRPr>
+                <a:solidFill>
+                  <a:schemeClr val="tx1">
+                    <a:tint val="75000"/>
+                  </a:schemeClr>
+                </a:solidFill>
+              </a:defRPr>
             </a:lvl7pPr>
             <a:lvl8pPr marL="3200400" indent="0" algn="ctr">
               <a:buNone/>
-              <a:defRPr sz="1600"/>
+              <a:defRPr>
+                <a:solidFill>
+                  <a:schemeClr val="tx1">
+                    <a:tint val="75000"/>
+                  </a:schemeClr>
+                </a:solidFill>
+              </a:defRPr>
             </a:lvl8pPr>
             <a:lvl9pPr marL="3657600" indent="0" algn="ctr">
               <a:buNone/>
-              <a:defRPr sz="1600"/>
+              <a:defRPr>
+                <a:solidFill>
+                  <a:schemeClr val="tx1">
+                    <a:tint val="75000"/>
+                  </a:schemeClr>
+                </a:solidFill>
+              </a:defRPr>
             </a:lvl9pPr>
           </a:lstStyle>
           <a:p>
@@ -927,18 +1014,13 @@
               <a:rPr lang="fr-FR"/>
               <a:t>Modifiez le style des sous-titres du masque</a:t>
             </a:r>
-          </a:p>
-        </p:txBody>
-      </p:sp>
-      <p:sp>
-        <p:nvSpPr>
-          <p:cNvPr id="4" name="Espace réservé de la date 3">
-            <a:extLst>
-              <a:ext uri="{FF2B5EF4-FFF2-40B4-BE49-F238E27FC236}">
-                <a16:creationId xmlns:a16="http://schemas.microsoft.com/office/drawing/2014/main" id="{30023EC0-ED7B-913E-8D51-5F54C1BCE613}"/>
-              </a:ext>
-            </a:extLst>
-          </p:cNvPr>
+            <a:endParaRPr lang="en-US" dirty="0"/>
+          </a:p>
+        </p:txBody>
+      </p:sp>
+      <p:sp>
+        <p:nvSpPr>
+          <p:cNvPr id="4" name="Date Placeholder 3"/>
           <p:cNvSpPr>
             <a:spLocks noGrp="1"/>
           </p:cNvSpPr>
@@ -946,10 +1028,26 @@
             <p:ph type="dt" sz="half" idx="10"/>
           </p:nvPr>
         </p:nvSpPr>
-        <p:spPr/>
+        <p:spPr>
+          <a:xfrm>
+            <a:off x="7605951" y="5956137"/>
+            <a:ext cx="2844800" cy="365125"/>
+          </a:xfrm>
+        </p:spPr>
         <p:txBody>
           <a:bodyPr/>
-          <a:lstStyle/>
+          <a:lstStyle>
+            <a:lvl1pPr>
+              <a:defRPr>
+                <a:solidFill>
+                  <a:schemeClr val="accent1">
+                    <a:lumMod val="75000"/>
+                    <a:lumOff val="25000"/>
+                  </a:schemeClr>
+                </a:solidFill>
+              </a:defRPr>
+            </a:lvl1pPr>
+          </a:lstStyle>
           <a:p>
             <a:fld id="{6AA4FF51-F700-4552-BE13-320CE40A7FB6}" type="datetime1">
               <a:rPr lang="fr-FR" smtClean="0"/>
@@ -961,13 +1059,7 @@
       </p:sp>
       <p:sp>
         <p:nvSpPr>
-          <p:cNvPr id="5" name="Espace réservé du pied de page 4">
-            <a:extLst>
-              <a:ext uri="{FF2B5EF4-FFF2-40B4-BE49-F238E27FC236}">
-                <a16:creationId xmlns:a16="http://schemas.microsoft.com/office/drawing/2014/main" id="{B1EF0CBF-9F4F-2341-813C-A5CEF2ABDEF1}"/>
-              </a:ext>
-            </a:extLst>
-          </p:cNvPr>
+          <p:cNvPr id="5" name="Footer Placeholder 4"/>
           <p:cNvSpPr>
             <a:spLocks noGrp="1"/>
           </p:cNvSpPr>
@@ -975,10 +1067,26 @@
             <p:ph type="ftr" sz="quarter" idx="11"/>
           </p:nvPr>
         </p:nvSpPr>
-        <p:spPr/>
+        <p:spPr>
+          <a:xfrm>
+            <a:off x="581192" y="5951811"/>
+            <a:ext cx="6917210" cy="365125"/>
+          </a:xfrm>
+        </p:spPr>
         <p:txBody>
           <a:bodyPr/>
-          <a:lstStyle/>
+          <a:lstStyle>
+            <a:lvl1pPr>
+              <a:defRPr>
+                <a:solidFill>
+                  <a:schemeClr val="accent1">
+                    <a:lumMod val="75000"/>
+                    <a:lumOff val="25000"/>
+                  </a:schemeClr>
+                </a:solidFill>
+              </a:defRPr>
+            </a:lvl1pPr>
+          </a:lstStyle>
           <a:p>
             <a:endParaRPr lang="fr-FR"/>
           </a:p>
@@ -986,13 +1094,7 @@
       </p:sp>
       <p:sp>
         <p:nvSpPr>
-          <p:cNvPr id="6" name="Espace réservé du numéro de diapositive 5">
-            <a:extLst>
-              <a:ext uri="{FF2B5EF4-FFF2-40B4-BE49-F238E27FC236}">
-                <a16:creationId xmlns:a16="http://schemas.microsoft.com/office/drawing/2014/main" id="{20121A4D-7317-3FF7-C5D0-8607D1070D16}"/>
-              </a:ext>
-            </a:extLst>
-          </p:cNvPr>
+          <p:cNvPr id="6" name="Slide Number Placeholder 5"/>
           <p:cNvSpPr>
             <a:spLocks noGrp="1"/>
           </p:cNvSpPr>
@@ -1000,10 +1102,26 @@
             <p:ph type="sldNum" sz="quarter" idx="12"/>
           </p:nvPr>
         </p:nvSpPr>
-        <p:spPr/>
+        <p:spPr>
+          <a:xfrm>
+            <a:off x="10558300" y="5956137"/>
+            <a:ext cx="1016440" cy="365125"/>
+          </a:xfrm>
+        </p:spPr>
         <p:txBody>
           <a:bodyPr/>
-          <a:lstStyle/>
+          <a:lstStyle>
+            <a:lvl1pPr>
+              <a:defRPr>
+                <a:solidFill>
+                  <a:schemeClr val="accent1">
+                    <a:lumMod val="75000"/>
+                    <a:lumOff val="25000"/>
+                  </a:schemeClr>
+                </a:solidFill>
+              </a:defRPr>
+            </a:lvl1pPr>
+          </a:lstStyle>
           <a:p>
             <a:fld id="{233695B2-E84D-4D1F-8316-30B3318ACE6A}" type="slidenum">
               <a:rPr lang="fr-FR" smtClean="0"/>
@@ -1016,7 +1134,7 @@
     </p:spTree>
     <p:extLst>
       <p:ext uri="{BB962C8B-B14F-4D97-AF65-F5344CB8AC3E}">
-        <p14:creationId xmlns:p14="http://schemas.microsoft.com/office/powerpoint/2010/main" val="2278231831"/>
+        <p14:creationId xmlns:p14="http://schemas.microsoft.com/office/powerpoint/2010/main" val="2989137589"/>
       </p:ext>
     </p:extLst>
   </p:cSld>
@@ -1045,13 +1163,46 @@
       </p:grpSpPr>
       <p:sp>
         <p:nvSpPr>
-          <p:cNvPr id="2" name="Titre 1">
-            <a:extLst>
-              <a:ext uri="{FF2B5EF4-FFF2-40B4-BE49-F238E27FC236}">
-                <a16:creationId xmlns:a16="http://schemas.microsoft.com/office/drawing/2014/main" id="{B0EC7E28-C93F-04BD-EC14-50B1B1179E9C}"/>
-              </a:ext>
-            </a:extLst>
-          </p:cNvPr>
+          <p:cNvPr id="8" name="Rectangle 7"/>
+          <p:cNvSpPr>
+            <a:spLocks noChangeAspect="1"/>
+          </p:cNvSpPr>
+          <p:nvPr/>
+        </p:nvSpPr>
+        <p:spPr>
+          <a:xfrm>
+            <a:off x="440286" y="614407"/>
+            <a:ext cx="11309338" cy="1189298"/>
+          </a:xfrm>
+          <a:prstGeom prst="rect">
+            <a:avLst/>
+          </a:prstGeom>
+          <a:solidFill>
+            <a:schemeClr val="accent1"/>
+          </a:solidFill>
+          <a:ln>
+            <a:noFill/>
+          </a:ln>
+          <a:effectLst/>
+        </p:spPr>
+        <p:style>
+          <a:lnRef idx="1">
+            <a:schemeClr val="accent1"/>
+          </a:lnRef>
+          <a:fillRef idx="3">
+            <a:schemeClr val="accent1"/>
+          </a:fillRef>
+          <a:effectRef idx="2">
+            <a:schemeClr val="accent1"/>
+          </a:effectRef>
+          <a:fontRef idx="minor">
+            <a:schemeClr val="lt1"/>
+          </a:fontRef>
+        </p:style>
+      </p:sp>
+      <p:sp>
+        <p:nvSpPr>
+          <p:cNvPr id="9" name="Title 1"/>
           <p:cNvSpPr>
             <a:spLocks noGrp="1"/>
           </p:cNvSpPr>
@@ -1059,7 +1210,12 @@
             <p:ph type="title"/>
           </p:nvPr>
         </p:nvSpPr>
-        <p:spPr/>
+        <p:spPr>
+          <a:xfrm>
+            <a:off x="581192" y="702156"/>
+            <a:ext cx="11029616" cy="1013800"/>
+          </a:xfrm>
+        </p:spPr>
         <p:txBody>
           <a:bodyPr/>
           <a:lstStyle/>
@@ -1068,18 +1224,13 @@
               <a:rPr lang="fr-FR"/>
               <a:t>Modifiez le style du titre</a:t>
             </a:r>
-          </a:p>
-        </p:txBody>
-      </p:sp>
-      <p:sp>
-        <p:nvSpPr>
-          <p:cNvPr id="3" name="Espace réservé du texte vertical 2">
-            <a:extLst>
-              <a:ext uri="{FF2B5EF4-FFF2-40B4-BE49-F238E27FC236}">
-                <a16:creationId xmlns:a16="http://schemas.microsoft.com/office/drawing/2014/main" id="{E70E2AE8-3BAC-D656-285A-13323206AC3F}"/>
-              </a:ext>
-            </a:extLst>
-          </p:cNvPr>
+            <a:endParaRPr lang="en-US" dirty="0"/>
+          </a:p>
+        </p:txBody>
+      </p:sp>
+      <p:sp>
+        <p:nvSpPr>
+          <p:cNvPr id="3" name="Vertical Text Placeholder 2"/>
           <p:cNvSpPr>
             <a:spLocks noGrp="1"/>
           </p:cNvSpPr>
@@ -1089,8 +1240,24 @@
         </p:nvSpPr>
         <p:spPr/>
         <p:txBody>
-          <a:bodyPr vert="eaVert"/>
-          <a:lstStyle/>
+          <a:bodyPr vert="eaVert" anchor="t"/>
+          <a:lstStyle>
+            <a:lvl1pPr algn="l">
+              <a:defRPr/>
+            </a:lvl1pPr>
+            <a:lvl2pPr algn="l">
+              <a:defRPr/>
+            </a:lvl2pPr>
+            <a:lvl3pPr algn="l">
+              <a:defRPr/>
+            </a:lvl3pPr>
+            <a:lvl4pPr algn="l">
+              <a:defRPr/>
+            </a:lvl4pPr>
+            <a:lvl5pPr algn="l">
+              <a:defRPr/>
+            </a:lvl5pPr>
+          </a:lstStyle>
           <a:p>
             <a:pPr lvl="0"/>
             <a:r>
@@ -1125,18 +1292,13 @@
               <a:rPr lang="fr-FR"/>
               <a:t>Cinquième niveau</a:t>
             </a:r>
-          </a:p>
-        </p:txBody>
-      </p:sp>
-      <p:sp>
-        <p:nvSpPr>
-          <p:cNvPr id="4" name="Espace réservé de la date 3">
-            <a:extLst>
-              <a:ext uri="{FF2B5EF4-FFF2-40B4-BE49-F238E27FC236}">
-                <a16:creationId xmlns:a16="http://schemas.microsoft.com/office/drawing/2014/main" id="{66BEFBE4-C68B-0442-B0EA-7D0522AB8DE3}"/>
-              </a:ext>
-            </a:extLst>
-          </p:cNvPr>
+            <a:endParaRPr lang="en-US" dirty="0"/>
+          </a:p>
+        </p:txBody>
+      </p:sp>
+      <p:sp>
+        <p:nvSpPr>
+          <p:cNvPr id="4" name="Date Placeholder 3"/>
           <p:cNvSpPr>
             <a:spLocks noGrp="1"/>
           </p:cNvSpPr>
@@ -1159,13 +1321,7 @@
       </p:sp>
       <p:sp>
         <p:nvSpPr>
-          <p:cNvPr id="5" name="Espace réservé du pied de page 4">
-            <a:extLst>
-              <a:ext uri="{FF2B5EF4-FFF2-40B4-BE49-F238E27FC236}">
-                <a16:creationId xmlns:a16="http://schemas.microsoft.com/office/drawing/2014/main" id="{9E90C0CE-139B-9D62-187B-1F2CBAC2A7EF}"/>
-              </a:ext>
-            </a:extLst>
-          </p:cNvPr>
+          <p:cNvPr id="5" name="Footer Placeholder 4"/>
           <p:cNvSpPr>
             <a:spLocks noGrp="1"/>
           </p:cNvSpPr>
@@ -1184,13 +1340,7 @@
       </p:sp>
       <p:sp>
         <p:nvSpPr>
-          <p:cNvPr id="6" name="Espace réservé du numéro de diapositive 5">
-            <a:extLst>
-              <a:ext uri="{FF2B5EF4-FFF2-40B4-BE49-F238E27FC236}">
-                <a16:creationId xmlns:a16="http://schemas.microsoft.com/office/drawing/2014/main" id="{EEB2BB71-2CF3-A64A-F8F3-1429FBBA66CC}"/>
-              </a:ext>
-            </a:extLst>
-          </p:cNvPr>
+          <p:cNvPr id="6" name="Slide Number Placeholder 5"/>
           <p:cNvSpPr>
             <a:spLocks noGrp="1"/>
           </p:cNvSpPr>
@@ -1214,7 +1364,7 @@
     </p:spTree>
     <p:extLst>
       <p:ext uri="{BB962C8B-B14F-4D97-AF65-F5344CB8AC3E}">
-        <p14:creationId xmlns:p14="http://schemas.microsoft.com/office/powerpoint/2010/main" val="215276187"/>
+        <p14:creationId xmlns:p14="http://schemas.microsoft.com/office/powerpoint/2010/main" val="319034192"/>
       </p:ext>
     </p:extLst>
   </p:cSld>
@@ -1243,24 +1393,57 @@
       </p:grpSpPr>
       <p:sp>
         <p:nvSpPr>
-          <p:cNvPr id="2" name="Titre vertical 1">
-            <a:extLst>
-              <a:ext uri="{FF2B5EF4-FFF2-40B4-BE49-F238E27FC236}">
-                <a16:creationId xmlns:a16="http://schemas.microsoft.com/office/drawing/2014/main" id="{1263CFC2-599F-2BA9-B848-ADFF85E03B2B}"/>
-              </a:ext>
-            </a:extLst>
-          </p:cNvPr>
-          <p:cNvSpPr>
-            <a:spLocks noGrp="1"/>
-          </p:cNvSpPr>
-          <p:nvPr>
-            <p:ph type="title" orient="vert"/>
-          </p:nvPr>
+          <p:cNvPr id="7" name="Rectangle 6"/>
+          <p:cNvSpPr>
+            <a:spLocks noChangeAspect="1"/>
+          </p:cNvSpPr>
+          <p:nvPr/>
         </p:nvSpPr>
         <p:spPr>
           <a:xfrm>
-            <a:off x="8724900" y="365125"/>
-            <a:ext cx="2628900" cy="5811838"/>
+            <a:off x="8839201" y="599725"/>
+            <a:ext cx="2906817" cy="5816950"/>
+          </a:xfrm>
+          <a:prstGeom prst="rect">
+            <a:avLst/>
+          </a:prstGeom>
+          <a:solidFill>
+            <a:schemeClr val="accent1"/>
+          </a:solidFill>
+          <a:ln>
+            <a:noFill/>
+          </a:ln>
+          <a:effectLst/>
+        </p:spPr>
+        <p:style>
+          <a:lnRef idx="1">
+            <a:schemeClr val="accent1"/>
+          </a:lnRef>
+          <a:fillRef idx="3">
+            <a:schemeClr val="accent1"/>
+          </a:fillRef>
+          <a:effectRef idx="2">
+            <a:schemeClr val="accent1"/>
+          </a:effectRef>
+          <a:fontRef idx="minor">
+            <a:schemeClr val="lt1"/>
+          </a:fontRef>
+        </p:style>
+      </p:sp>
+      <p:sp>
+        <p:nvSpPr>
+          <p:cNvPr id="2" name="Vertical Title 1"/>
+          <p:cNvSpPr>
+            <a:spLocks noGrp="1"/>
+          </p:cNvSpPr>
+          <p:nvPr>
+            <p:ph type="title" orient="vert"/>
+          </p:nvPr>
+        </p:nvSpPr>
+        <p:spPr>
+          <a:xfrm>
+            <a:off x="8839201" y="675726"/>
+            <a:ext cx="2004164" cy="5183073"/>
           </a:xfrm>
         </p:spPr>
         <p:txBody>
@@ -1271,18 +1454,13 @@
               <a:rPr lang="fr-FR"/>
               <a:t>Modifiez le style du titre</a:t>
             </a:r>
-          </a:p>
-        </p:txBody>
-      </p:sp>
-      <p:sp>
-        <p:nvSpPr>
-          <p:cNvPr id="3" name="Espace réservé du texte vertical 2">
-            <a:extLst>
-              <a:ext uri="{FF2B5EF4-FFF2-40B4-BE49-F238E27FC236}">
-                <a16:creationId xmlns:a16="http://schemas.microsoft.com/office/drawing/2014/main" id="{39EAF863-176F-1CA1-4B21-10B6C1C55ECC}"/>
-              </a:ext>
-            </a:extLst>
-          </p:cNvPr>
+            <a:endParaRPr lang="en-US" dirty="0"/>
+          </a:p>
+        </p:txBody>
+      </p:sp>
+      <p:sp>
+        <p:nvSpPr>
+          <p:cNvPr id="3" name="Vertical Text Placeholder 2"/>
           <p:cNvSpPr>
             <a:spLocks noGrp="1"/>
           </p:cNvSpPr>
@@ -1292,12 +1470,12 @@
         </p:nvSpPr>
         <p:spPr>
           <a:xfrm>
-            <a:off x="838200" y="365125"/>
-            <a:ext cx="7734300" cy="5811838"/>
+            <a:off x="774923" y="675726"/>
+            <a:ext cx="7896279" cy="5183073"/>
           </a:xfrm>
         </p:spPr>
         <p:txBody>
-          <a:bodyPr vert="eaVert"/>
+          <a:bodyPr vert="eaVert" anchor="t"/>
           <a:lstStyle/>
           <a:p>
             <a:pPr lvl="0"/>
@@ -1333,18 +1511,13 @@
               <a:rPr lang="fr-FR"/>
               <a:t>Cinquième niveau</a:t>
             </a:r>
-          </a:p>
-        </p:txBody>
-      </p:sp>
-      <p:sp>
-        <p:nvSpPr>
-          <p:cNvPr id="4" name="Espace réservé de la date 3">
-            <a:extLst>
-              <a:ext uri="{FF2B5EF4-FFF2-40B4-BE49-F238E27FC236}">
-                <a16:creationId xmlns:a16="http://schemas.microsoft.com/office/drawing/2014/main" id="{E34D1638-E456-DF12-62AB-72037CEEB4CA}"/>
-              </a:ext>
-            </a:extLst>
-          </p:cNvPr>
+            <a:endParaRPr lang="en-US" dirty="0"/>
+          </a:p>
+        </p:txBody>
+      </p:sp>
+      <p:sp>
+        <p:nvSpPr>
+          <p:cNvPr id="4" name="Date Placeholder 3"/>
           <p:cNvSpPr>
             <a:spLocks noGrp="1"/>
           </p:cNvSpPr>
@@ -1352,10 +1525,26 @@
             <p:ph type="dt" sz="half" idx="10"/>
           </p:nvPr>
         </p:nvSpPr>
-        <p:spPr/>
+        <p:spPr>
+          <a:xfrm>
+            <a:off x="8993673" y="5956137"/>
+            <a:ext cx="1328141" cy="365125"/>
+          </a:xfrm>
+        </p:spPr>
         <p:txBody>
           <a:bodyPr/>
-          <a:lstStyle/>
+          <a:lstStyle>
+            <a:lvl1pPr>
+              <a:defRPr>
+                <a:solidFill>
+                  <a:schemeClr val="accent1">
+                    <a:lumMod val="75000"/>
+                    <a:lumOff val="25000"/>
+                  </a:schemeClr>
+                </a:solidFill>
+              </a:defRPr>
+            </a:lvl1pPr>
+          </a:lstStyle>
           <a:p>
             <a:fld id="{E6DE3FC9-7511-4089-BD95-CCFB6275AF86}" type="datetime1">
               <a:rPr lang="fr-FR" smtClean="0"/>
@@ -1367,13 +1556,7 @@
       </p:sp>
       <p:sp>
         <p:nvSpPr>
-          <p:cNvPr id="5" name="Espace réservé du pied de page 4">
-            <a:extLst>
-              <a:ext uri="{FF2B5EF4-FFF2-40B4-BE49-F238E27FC236}">
-                <a16:creationId xmlns:a16="http://schemas.microsoft.com/office/drawing/2014/main" id="{6F6CAE59-0FD5-1E7F-51B8-1641B8B5E676}"/>
-              </a:ext>
-            </a:extLst>
-          </p:cNvPr>
+          <p:cNvPr id="5" name="Footer Placeholder 4"/>
           <p:cNvSpPr>
             <a:spLocks noGrp="1"/>
           </p:cNvSpPr>
@@ -1381,7 +1564,12 @@
             <p:ph type="ftr" sz="quarter" idx="11"/>
           </p:nvPr>
         </p:nvSpPr>
-        <p:spPr/>
+        <p:spPr>
+          <a:xfrm>
+            <a:off x="774923" y="5951811"/>
+            <a:ext cx="7896279" cy="365125"/>
+          </a:xfrm>
+        </p:spPr>
         <p:txBody>
           <a:bodyPr/>
           <a:lstStyle/>
@@ -1392,13 +1580,7 @@
       </p:sp>
       <p:sp>
         <p:nvSpPr>
-          <p:cNvPr id="6" name="Espace réservé du numéro de diapositive 5">
-            <a:extLst>
-              <a:ext uri="{FF2B5EF4-FFF2-40B4-BE49-F238E27FC236}">
-                <a16:creationId xmlns:a16="http://schemas.microsoft.com/office/drawing/2014/main" id="{CAC444C9-271F-8119-8DD9-F33A74FED982}"/>
-              </a:ext>
-            </a:extLst>
-          </p:cNvPr>
+          <p:cNvPr id="6" name="Slide Number Placeholder 5"/>
           <p:cNvSpPr>
             <a:spLocks noGrp="1"/>
           </p:cNvSpPr>
@@ -1406,10 +1588,26 @@
             <p:ph type="sldNum" sz="quarter" idx="12"/>
           </p:nvPr>
         </p:nvSpPr>
-        <p:spPr/>
+        <p:spPr>
+          <a:xfrm>
+            <a:off x="10446615" y="5956137"/>
+            <a:ext cx="1164195" cy="365125"/>
+          </a:xfrm>
+        </p:spPr>
         <p:txBody>
           <a:bodyPr/>
-          <a:lstStyle/>
+          <a:lstStyle>
+            <a:lvl1pPr>
+              <a:defRPr>
+                <a:solidFill>
+                  <a:schemeClr val="accent1">
+                    <a:lumMod val="75000"/>
+                    <a:lumOff val="25000"/>
+                  </a:schemeClr>
+                </a:solidFill>
+              </a:defRPr>
+            </a:lvl1pPr>
+          </a:lstStyle>
           <a:p>
             <a:fld id="{233695B2-E84D-4D1F-8316-30B3318ACE6A}" type="slidenum">
               <a:rPr lang="fr-FR" smtClean="0"/>
@@ -1422,7 +1620,7 @@
     </p:spTree>
     <p:extLst>
       <p:ext uri="{BB962C8B-B14F-4D97-AF65-F5344CB8AC3E}">
-        <p14:creationId xmlns:p14="http://schemas.microsoft.com/office/powerpoint/2010/main" val="4154516044"/>
+        <p14:creationId xmlns:p14="http://schemas.microsoft.com/office/powerpoint/2010/main" val="2793677201"/>
       </p:ext>
     </p:extLst>
   </p:cSld>
@@ -1451,13 +1649,46 @@
       </p:grpSpPr>
       <p:sp>
         <p:nvSpPr>
-          <p:cNvPr id="2" name="Titre 1">
-            <a:extLst>
-              <a:ext uri="{FF2B5EF4-FFF2-40B4-BE49-F238E27FC236}">
-                <a16:creationId xmlns:a16="http://schemas.microsoft.com/office/drawing/2014/main" id="{3B766128-6CC4-8039-CC41-490A4C2A3356}"/>
-              </a:ext>
-            </a:extLst>
-          </p:cNvPr>
+          <p:cNvPr id="7" name="Rectangle 6"/>
+          <p:cNvSpPr>
+            <a:spLocks noChangeAspect="1"/>
+          </p:cNvSpPr>
+          <p:nvPr/>
+        </p:nvSpPr>
+        <p:spPr>
+          <a:xfrm>
+            <a:off x="440286" y="614407"/>
+            <a:ext cx="11309338" cy="1189298"/>
+          </a:xfrm>
+          <a:prstGeom prst="rect">
+            <a:avLst/>
+          </a:prstGeom>
+          <a:solidFill>
+            <a:schemeClr val="accent1"/>
+          </a:solidFill>
+          <a:ln>
+            <a:noFill/>
+          </a:ln>
+          <a:effectLst/>
+        </p:spPr>
+        <p:style>
+          <a:lnRef idx="1">
+            <a:schemeClr val="accent1"/>
+          </a:lnRef>
+          <a:fillRef idx="3">
+            <a:schemeClr val="accent1"/>
+          </a:fillRef>
+          <a:effectRef idx="2">
+            <a:schemeClr val="accent1"/>
+          </a:effectRef>
+          <a:fontRef idx="minor">
+            <a:schemeClr val="lt1"/>
+          </a:fontRef>
+        </p:style>
+      </p:sp>
+      <p:sp>
+        <p:nvSpPr>
+          <p:cNvPr id="2" name="Title 1"/>
           <p:cNvSpPr>
             <a:spLocks noGrp="1"/>
           </p:cNvSpPr>
@@ -1465,7 +1696,12 @@
             <p:ph type="title"/>
           </p:nvPr>
         </p:nvSpPr>
-        <p:spPr/>
+        <p:spPr>
+          <a:xfrm>
+            <a:off x="581192" y="702156"/>
+            <a:ext cx="11029616" cy="1013800"/>
+          </a:xfrm>
+        </p:spPr>
         <p:txBody>
           <a:bodyPr/>
           <a:lstStyle/>
@@ -1474,18 +1710,13 @@
               <a:rPr lang="fr-FR"/>
               <a:t>Modifiez le style du titre</a:t>
             </a:r>
-          </a:p>
-        </p:txBody>
-      </p:sp>
-      <p:sp>
-        <p:nvSpPr>
-          <p:cNvPr id="3" name="Espace réservé du contenu 2">
-            <a:extLst>
-              <a:ext uri="{FF2B5EF4-FFF2-40B4-BE49-F238E27FC236}">
-                <a16:creationId xmlns:a16="http://schemas.microsoft.com/office/drawing/2014/main" id="{EEEF2B16-3498-0123-82AA-43AAD83F1143}"/>
-              </a:ext>
-            </a:extLst>
-          </p:cNvPr>
+            <a:endParaRPr lang="en-US" dirty="0"/>
+          </a:p>
+        </p:txBody>
+      </p:sp>
+      <p:sp>
+        <p:nvSpPr>
+          <p:cNvPr id="3" name="Content Placeholder 2"/>
           <p:cNvSpPr>
             <a:spLocks noGrp="1"/>
           </p:cNvSpPr>
@@ -1493,7 +1724,12 @@
             <p:ph idx="1"/>
           </p:nvPr>
         </p:nvSpPr>
-        <p:spPr/>
+        <p:spPr>
+          <a:xfrm>
+            <a:off x="581192" y="2180496"/>
+            <a:ext cx="11029615" cy="3678303"/>
+          </a:xfrm>
+        </p:spPr>
         <p:txBody>
           <a:bodyPr/>
           <a:lstStyle/>
@@ -1531,18 +1767,13 @@
               <a:rPr lang="fr-FR"/>
               <a:t>Cinquième niveau</a:t>
             </a:r>
-          </a:p>
-        </p:txBody>
-      </p:sp>
-      <p:sp>
-        <p:nvSpPr>
-          <p:cNvPr id="4" name="Espace réservé de la date 3">
-            <a:extLst>
-              <a:ext uri="{FF2B5EF4-FFF2-40B4-BE49-F238E27FC236}">
-                <a16:creationId xmlns:a16="http://schemas.microsoft.com/office/drawing/2014/main" id="{C12E2DEF-74E4-9A9D-EB5D-D27B61416943}"/>
-              </a:ext>
-            </a:extLst>
-          </p:cNvPr>
+            <a:endParaRPr lang="en-US" dirty="0"/>
+          </a:p>
+        </p:txBody>
+      </p:sp>
+      <p:sp>
+        <p:nvSpPr>
+          <p:cNvPr id="4" name="Date Placeholder 3"/>
           <p:cNvSpPr>
             <a:spLocks noGrp="1"/>
           </p:cNvSpPr>
@@ -1565,13 +1796,7 @@
       </p:sp>
       <p:sp>
         <p:nvSpPr>
-          <p:cNvPr id="5" name="Espace réservé du pied de page 4">
-            <a:extLst>
-              <a:ext uri="{FF2B5EF4-FFF2-40B4-BE49-F238E27FC236}">
-                <a16:creationId xmlns:a16="http://schemas.microsoft.com/office/drawing/2014/main" id="{6F3928E9-EF61-C42A-694C-69E549BCE2B3}"/>
-              </a:ext>
-            </a:extLst>
-          </p:cNvPr>
+          <p:cNvPr id="5" name="Footer Placeholder 4"/>
           <p:cNvSpPr>
             <a:spLocks noGrp="1"/>
           </p:cNvSpPr>
@@ -1590,13 +1815,7 @@
       </p:sp>
       <p:sp>
         <p:nvSpPr>
-          <p:cNvPr id="6" name="Espace réservé du numéro de diapositive 5">
-            <a:extLst>
-              <a:ext uri="{FF2B5EF4-FFF2-40B4-BE49-F238E27FC236}">
-                <a16:creationId xmlns:a16="http://schemas.microsoft.com/office/drawing/2014/main" id="{5D17668B-9467-E4E4-E8D4-26D74F4651F0}"/>
-              </a:ext>
-            </a:extLst>
-          </p:cNvPr>
+          <p:cNvPr id="6" name="Slide Number Placeholder 5"/>
           <p:cNvSpPr>
             <a:spLocks noGrp="1"/>
           </p:cNvSpPr>
@@ -1604,7 +1823,12 @@
             <p:ph type="sldNum" sz="quarter" idx="12"/>
           </p:nvPr>
         </p:nvSpPr>
-        <p:spPr/>
+        <p:spPr>
+          <a:xfrm>
+            <a:off x="10558300" y="5956137"/>
+            <a:ext cx="1052508" cy="365125"/>
+          </a:xfrm>
+        </p:spPr>
         <p:txBody>
           <a:bodyPr/>
           <a:lstStyle/>
@@ -1620,7 +1844,7 @@
     </p:spTree>
     <p:extLst>
       <p:ext uri="{BB962C8B-B14F-4D97-AF65-F5344CB8AC3E}">
-        <p14:creationId xmlns:p14="http://schemas.microsoft.com/office/powerpoint/2010/main" val="769807320"/>
+        <p14:creationId xmlns:p14="http://schemas.microsoft.com/office/powerpoint/2010/main" val="793503600"/>
       </p:ext>
     </p:extLst>
   </p:cSld>
@@ -1649,31 +1873,70 @@
       </p:grpSpPr>
       <p:sp>
         <p:nvSpPr>
-          <p:cNvPr id="2" name="Titre 1">
-            <a:extLst>
-              <a:ext uri="{FF2B5EF4-FFF2-40B4-BE49-F238E27FC236}">
-                <a16:creationId xmlns:a16="http://schemas.microsoft.com/office/drawing/2014/main" id="{DC0FEEC0-5500-9010-82F4-89F6AAEE8A5E}"/>
-              </a:ext>
-            </a:extLst>
-          </p:cNvPr>
-          <p:cNvSpPr>
-            <a:spLocks noGrp="1"/>
-          </p:cNvSpPr>
-          <p:nvPr>
-            <p:ph type="title"/>
-          </p:nvPr>
+          <p:cNvPr id="8" name="Rectangle 7"/>
+          <p:cNvSpPr>
+            <a:spLocks noChangeAspect="1"/>
+          </p:cNvSpPr>
+          <p:nvPr/>
         </p:nvSpPr>
         <p:spPr>
           <a:xfrm>
-            <a:off x="831850" y="1709738"/>
-            <a:ext cx="10515600" cy="2852737"/>
+            <a:off x="447817" y="5141974"/>
+            <a:ext cx="11290860" cy="1258827"/>
+          </a:xfrm>
+          <a:prstGeom prst="rect">
+            <a:avLst/>
+          </a:prstGeom>
+          <a:solidFill>
+            <a:schemeClr val="accent1"/>
+          </a:solidFill>
+          <a:ln>
+            <a:noFill/>
+          </a:ln>
+          <a:effectLst/>
+        </p:spPr>
+        <p:style>
+          <a:lnRef idx="1">
+            <a:schemeClr val="accent1"/>
+          </a:lnRef>
+          <a:fillRef idx="3">
+            <a:schemeClr val="accent1"/>
+          </a:fillRef>
+          <a:effectRef idx="2">
+            <a:schemeClr val="accent1"/>
+          </a:effectRef>
+          <a:fontRef idx="minor">
+            <a:schemeClr val="lt1"/>
+          </a:fontRef>
+        </p:style>
+      </p:sp>
+      <p:sp>
+        <p:nvSpPr>
+          <p:cNvPr id="2" name="Title 1"/>
+          <p:cNvSpPr>
+            <a:spLocks noGrp="1"/>
+          </p:cNvSpPr>
+          <p:nvPr>
+            <p:ph type="title"/>
+          </p:nvPr>
+        </p:nvSpPr>
+        <p:spPr>
+          <a:xfrm>
+            <a:off x="581193" y="3043910"/>
+            <a:ext cx="11029615" cy="1497507"/>
           </a:xfrm>
         </p:spPr>
         <p:txBody>
-          <a:bodyPr anchor="b"/>
+          <a:bodyPr anchor="b">
+            <a:normAutofit/>
+          </a:bodyPr>
           <a:lstStyle>
-            <a:lvl1pPr>
-              <a:defRPr sz="6000"/>
+            <a:lvl1pPr algn="l">
+              <a:defRPr sz="3600" b="0" cap="all">
+                <a:solidFill>
+                  <a:schemeClr val="accent1"/>
+                </a:solidFill>
+              </a:defRPr>
             </a:lvl1pPr>
           </a:lstStyle>
           <a:p>
@@ -1681,18 +1944,13 @@
               <a:rPr lang="fr-FR"/>
               <a:t>Modifiez le style du titre</a:t>
             </a:r>
-          </a:p>
-        </p:txBody>
-      </p:sp>
-      <p:sp>
-        <p:nvSpPr>
-          <p:cNvPr id="3" name="Espace réservé du texte 2">
-            <a:extLst>
-              <a:ext uri="{FF2B5EF4-FFF2-40B4-BE49-F238E27FC236}">
-                <a16:creationId xmlns:a16="http://schemas.microsoft.com/office/drawing/2014/main" id="{AC8299DF-2997-1B16-D326-B3885F4833CA}"/>
-              </a:ext>
-            </a:extLst>
-          </p:cNvPr>
+            <a:endParaRPr lang="en-US" dirty="0"/>
+          </a:p>
+        </p:txBody>
+      </p:sp>
+      <p:sp>
+        <p:nvSpPr>
+          <p:cNvPr id="3" name="Text Placeholder 2"/>
           <p:cNvSpPr>
             <a:spLocks noGrp="1"/>
           </p:cNvSpPr>
@@ -1702,99 +1960,99 @@
         </p:nvSpPr>
         <p:spPr>
           <a:xfrm>
-            <a:off x="831850" y="4589463"/>
-            <a:ext cx="10515600" cy="1500187"/>
+            <a:off x="581192" y="4541417"/>
+            <a:ext cx="11029615" cy="600556"/>
           </a:xfrm>
         </p:spPr>
         <p:txBody>
-          <a:bodyPr/>
+          <a:bodyPr anchor="t">
+            <a:normAutofit/>
+          </a:bodyPr>
           <a:lstStyle>
-            <a:lvl1pPr marL="0" indent="0">
+            <a:lvl1pPr marL="0" indent="0" algn="l">
               <a:buNone/>
-              <a:defRPr sz="2400">
+              <a:defRPr sz="1800" cap="all">
                 <a:solidFill>
-                  <a:schemeClr val="tx1">
-                    <a:tint val="82000"/>
-                  </a:schemeClr>
+                  <a:schemeClr val="accent2"/>
                 </a:solidFill>
               </a:defRPr>
             </a:lvl1pPr>
             <a:lvl2pPr marL="457200" indent="0">
               <a:buNone/>
-              <a:defRPr sz="2000">
+              <a:defRPr sz="1800">
                 <a:solidFill>
                   <a:schemeClr val="tx1">
-                    <a:tint val="82000"/>
+                    <a:tint val="75000"/>
                   </a:schemeClr>
                 </a:solidFill>
               </a:defRPr>
             </a:lvl2pPr>
             <a:lvl3pPr marL="914400" indent="0">
               <a:buNone/>
-              <a:defRPr sz="1800">
+              <a:defRPr sz="1600">
                 <a:solidFill>
                   <a:schemeClr val="tx1">
-                    <a:tint val="82000"/>
+                    <a:tint val="75000"/>
                   </a:schemeClr>
                 </a:solidFill>
               </a:defRPr>
             </a:lvl3pPr>
             <a:lvl4pPr marL="1371600" indent="0">
               <a:buNone/>
-              <a:defRPr sz="1600">
+              <a:defRPr sz="1400">
                 <a:solidFill>
                   <a:schemeClr val="tx1">
-                    <a:tint val="82000"/>
+                    <a:tint val="75000"/>
                   </a:schemeClr>
                 </a:solidFill>
               </a:defRPr>
             </a:lvl4pPr>
             <a:lvl5pPr marL="1828800" indent="0">
               <a:buNone/>
-              <a:defRPr sz="1600">
+              <a:defRPr sz="1400">
                 <a:solidFill>
                   <a:schemeClr val="tx1">
-                    <a:tint val="82000"/>
+                    <a:tint val="75000"/>
                   </a:schemeClr>
                 </a:solidFill>
               </a:defRPr>
             </a:lvl5pPr>
             <a:lvl6pPr marL="2286000" indent="0">
               <a:buNone/>
-              <a:defRPr sz="1600">
+              <a:defRPr sz="1400">
                 <a:solidFill>
                   <a:schemeClr val="tx1">
-                    <a:tint val="82000"/>
+                    <a:tint val="75000"/>
                   </a:schemeClr>
                 </a:solidFill>
               </a:defRPr>
             </a:lvl6pPr>
             <a:lvl7pPr marL="2743200" indent="0">
               <a:buNone/>
-              <a:defRPr sz="1600">
+              <a:defRPr sz="1400">
                 <a:solidFill>
                   <a:schemeClr val="tx1">
-                    <a:tint val="82000"/>
+                    <a:tint val="75000"/>
                   </a:schemeClr>
                 </a:solidFill>
               </a:defRPr>
             </a:lvl7pPr>
             <a:lvl8pPr marL="3200400" indent="0">
               <a:buNone/>
-              <a:defRPr sz="1600">
+              <a:defRPr sz="1400">
                 <a:solidFill>
                   <a:schemeClr val="tx1">
-                    <a:tint val="82000"/>
+                    <a:tint val="75000"/>
                   </a:schemeClr>
                 </a:solidFill>
               </a:defRPr>
             </a:lvl8pPr>
             <a:lvl9pPr marL="3657600" indent="0">
               <a:buNone/>
-              <a:defRPr sz="1600">
+              <a:defRPr sz="1400">
                 <a:solidFill>
                   <a:schemeClr val="tx1">
-                    <a:tint val="82000"/>
+                    <a:tint val="75000"/>
                   </a:schemeClr>
                 </a:solidFill>
               </a:defRPr>
@@ -1811,13 +2069,7 @@
       </p:sp>
       <p:sp>
         <p:nvSpPr>
-          <p:cNvPr id="4" name="Espace réservé de la date 3">
-            <a:extLst>
-              <a:ext uri="{FF2B5EF4-FFF2-40B4-BE49-F238E27FC236}">
-                <a16:creationId xmlns:a16="http://schemas.microsoft.com/office/drawing/2014/main" id="{435C3441-C3F2-F874-F14A-FAAC8BE65BAF}"/>
-              </a:ext>
-            </a:extLst>
-          </p:cNvPr>
+          <p:cNvPr id="4" name="Date Placeholder 3"/>
           <p:cNvSpPr>
             <a:spLocks noGrp="1"/>
           </p:cNvSpPr>
@@ -1828,7 +2080,18 @@
         <p:spPr/>
         <p:txBody>
           <a:bodyPr/>
-          <a:lstStyle/>
+          <a:lstStyle>
+            <a:lvl1pPr>
+              <a:defRPr>
+                <a:solidFill>
+                  <a:schemeClr val="accent1">
+                    <a:lumMod val="75000"/>
+                    <a:lumOff val="25000"/>
+                  </a:schemeClr>
+                </a:solidFill>
+              </a:defRPr>
+            </a:lvl1pPr>
+          </a:lstStyle>
           <a:p>
             <a:fld id="{C1667A52-B9F4-4D8B-937B-23F188D15D8C}" type="datetime1">
               <a:rPr lang="fr-FR" smtClean="0"/>
@@ -1840,13 +2103,7 @@
       </p:sp>
       <p:sp>
         <p:nvSpPr>
-          <p:cNvPr id="5" name="Espace réservé du pied de page 4">
-            <a:extLst>
-              <a:ext uri="{FF2B5EF4-FFF2-40B4-BE49-F238E27FC236}">
-                <a16:creationId xmlns:a16="http://schemas.microsoft.com/office/drawing/2014/main" id="{F9FCEC93-149C-069C-3FE9-93F6836F8FDD}"/>
-              </a:ext>
-            </a:extLst>
-          </p:cNvPr>
+          <p:cNvPr id="5" name="Footer Placeholder 4"/>
           <p:cNvSpPr>
             <a:spLocks noGrp="1"/>
           </p:cNvSpPr>
@@ -1857,7 +2114,18 @@
         <p:spPr/>
         <p:txBody>
           <a:bodyPr/>
-          <a:lstStyle/>
+          <a:lstStyle>
+            <a:lvl1pPr>
+              <a:defRPr>
+                <a:solidFill>
+                  <a:schemeClr val="accent1">
+                    <a:lumMod val="75000"/>
+                    <a:lumOff val="25000"/>
+                  </a:schemeClr>
+                </a:solidFill>
+              </a:defRPr>
+            </a:lvl1pPr>
+          </a:lstStyle>
           <a:p>
             <a:endParaRPr lang="fr-FR"/>
           </a:p>
@@ -1865,13 +2133,7 @@
       </p:sp>
       <p:sp>
         <p:nvSpPr>
-          <p:cNvPr id="6" name="Espace réservé du numéro de diapositive 5">
-            <a:extLst>
-              <a:ext uri="{FF2B5EF4-FFF2-40B4-BE49-F238E27FC236}">
-                <a16:creationId xmlns:a16="http://schemas.microsoft.com/office/drawing/2014/main" id="{9A11078A-AAC1-0D5E-BC8D-E1A62A23DAC3}"/>
-              </a:ext>
-            </a:extLst>
-          </p:cNvPr>
+          <p:cNvPr id="6" name="Slide Number Placeholder 5"/>
           <p:cNvSpPr>
             <a:spLocks noGrp="1"/>
           </p:cNvSpPr>
@@ -1882,7 +2144,18 @@
         <p:spPr/>
         <p:txBody>
           <a:bodyPr/>
-          <a:lstStyle/>
+          <a:lstStyle>
+            <a:lvl1pPr>
+              <a:defRPr>
+                <a:solidFill>
+                  <a:schemeClr val="accent1">
+                    <a:lumMod val="75000"/>
+                    <a:lumOff val="25000"/>
+                  </a:schemeClr>
+                </a:solidFill>
+              </a:defRPr>
+            </a:lvl1pPr>
+          </a:lstStyle>
           <a:p>
             <a:fld id="{233695B2-E84D-4D1F-8316-30B3318ACE6A}" type="slidenum">
               <a:rPr lang="fr-FR" smtClean="0"/>
@@ -1895,7 +2168,7 @@
     </p:spTree>
     <p:extLst>
       <p:ext uri="{BB962C8B-B14F-4D97-AF65-F5344CB8AC3E}">
-        <p14:creationId xmlns:p14="http://schemas.microsoft.com/office/powerpoint/2010/main" val="2978586736"/>
+        <p14:creationId xmlns:p14="http://schemas.microsoft.com/office/powerpoint/2010/main" val="3728782406"/>
       </p:ext>
     </p:extLst>
   </p:cSld>
@@ -1924,13 +2197,46 @@
       </p:grpSpPr>
       <p:sp>
         <p:nvSpPr>
-          <p:cNvPr id="2" name="Titre 1">
-            <a:extLst>
-              <a:ext uri="{FF2B5EF4-FFF2-40B4-BE49-F238E27FC236}">
-                <a16:creationId xmlns:a16="http://schemas.microsoft.com/office/drawing/2014/main" id="{0CDA6591-2C40-54C0-05A2-9B6ED1738CC4}"/>
-              </a:ext>
-            </a:extLst>
-          </p:cNvPr>
+          <p:cNvPr id="8" name="Rectangle 7"/>
+          <p:cNvSpPr>
+            <a:spLocks noChangeAspect="1"/>
+          </p:cNvSpPr>
+          <p:nvPr/>
+        </p:nvSpPr>
+        <p:spPr>
+          <a:xfrm>
+            <a:off x="445982" y="606554"/>
+            <a:ext cx="11300036" cy="1258827"/>
+          </a:xfrm>
+          <a:prstGeom prst="rect">
+            <a:avLst/>
+          </a:prstGeom>
+          <a:solidFill>
+            <a:schemeClr val="accent1"/>
+          </a:solidFill>
+          <a:ln>
+            <a:noFill/>
+          </a:ln>
+          <a:effectLst/>
+        </p:spPr>
+        <p:style>
+          <a:lnRef idx="1">
+            <a:schemeClr val="accent1"/>
+          </a:lnRef>
+          <a:fillRef idx="3">
+            <a:schemeClr val="accent1"/>
+          </a:fillRef>
+          <a:effectRef idx="2">
+            <a:schemeClr val="accent1"/>
+          </a:effectRef>
+          <a:fontRef idx="minor">
+            <a:schemeClr val="lt1"/>
+          </a:fontRef>
+        </p:style>
+      </p:sp>
+      <p:sp>
+        <p:nvSpPr>
+          <p:cNvPr id="2" name="Title 1"/>
           <p:cNvSpPr>
             <a:spLocks noGrp="1"/>
           </p:cNvSpPr>
@@ -1938,7 +2244,12 @@
             <p:ph type="title"/>
           </p:nvPr>
         </p:nvSpPr>
-        <p:spPr/>
+        <p:spPr>
+          <a:xfrm>
+            <a:off x="581193" y="729658"/>
+            <a:ext cx="11029616" cy="988332"/>
+          </a:xfrm>
+        </p:spPr>
         <p:txBody>
           <a:bodyPr/>
           <a:lstStyle/>
@@ -1947,18 +2258,13 @@
               <a:rPr lang="fr-FR"/>
               <a:t>Modifiez le style du titre</a:t>
             </a:r>
-          </a:p>
-        </p:txBody>
-      </p:sp>
-      <p:sp>
-        <p:nvSpPr>
-          <p:cNvPr id="3" name="Espace réservé du contenu 2">
-            <a:extLst>
-              <a:ext uri="{FF2B5EF4-FFF2-40B4-BE49-F238E27FC236}">
-                <a16:creationId xmlns:a16="http://schemas.microsoft.com/office/drawing/2014/main" id="{08C6E09F-18A2-8B0D-F1FC-E611FDE6524A}"/>
-              </a:ext>
-            </a:extLst>
-          </p:cNvPr>
+            <a:endParaRPr lang="en-US" dirty="0"/>
+          </a:p>
+        </p:txBody>
+      </p:sp>
+      <p:sp>
+        <p:nvSpPr>
+          <p:cNvPr id="3" name="Content Placeholder 2"/>
           <p:cNvSpPr>
             <a:spLocks noGrp="1"/>
           </p:cNvSpPr>
@@ -1968,12 +2274,14 @@
         </p:nvSpPr>
         <p:spPr>
           <a:xfrm>
-            <a:off x="838200" y="1825625"/>
-            <a:ext cx="5181600" cy="4351338"/>
+            <a:off x="581193" y="2228003"/>
+            <a:ext cx="5422390" cy="3633047"/>
           </a:xfrm>
         </p:spPr>
         <p:txBody>
-          <a:bodyPr/>
+          <a:bodyPr>
+            <a:normAutofit/>
+          </a:bodyPr>
           <a:lstStyle/>
           <a:p>
             <a:pPr lvl="0"/>
@@ -2009,18 +2317,13 @@
               <a:rPr lang="fr-FR"/>
               <a:t>Cinquième niveau</a:t>
             </a:r>
-          </a:p>
-        </p:txBody>
-      </p:sp>
-      <p:sp>
-        <p:nvSpPr>
-          <p:cNvPr id="4" name="Espace réservé du contenu 3">
-            <a:extLst>
-              <a:ext uri="{FF2B5EF4-FFF2-40B4-BE49-F238E27FC236}">
-                <a16:creationId xmlns:a16="http://schemas.microsoft.com/office/drawing/2014/main" id="{B5BEC233-8F77-8AB3-8244-2E593E6985F6}"/>
-              </a:ext>
-            </a:extLst>
-          </p:cNvPr>
+            <a:endParaRPr lang="en-US" dirty="0"/>
+          </a:p>
+        </p:txBody>
+      </p:sp>
+      <p:sp>
+        <p:nvSpPr>
+          <p:cNvPr id="4" name="Content Placeholder 3"/>
           <p:cNvSpPr>
             <a:spLocks noGrp="1"/>
           </p:cNvSpPr>
@@ -2030,12 +2333,14 @@
         </p:nvSpPr>
         <p:spPr>
           <a:xfrm>
-            <a:off x="6172200" y="1825625"/>
-            <a:ext cx="5181600" cy="4351338"/>
+            <a:off x="6188417" y="2228003"/>
+            <a:ext cx="5422392" cy="3633047"/>
           </a:xfrm>
         </p:spPr>
         <p:txBody>
-          <a:bodyPr/>
+          <a:bodyPr>
+            <a:normAutofit/>
+          </a:bodyPr>
           <a:lstStyle/>
           <a:p>
             <a:pPr lvl="0"/>
@@ -2071,18 +2376,13 @@
               <a:rPr lang="fr-FR"/>
               <a:t>Cinquième niveau</a:t>
             </a:r>
-          </a:p>
-        </p:txBody>
-      </p:sp>
-      <p:sp>
-        <p:nvSpPr>
-          <p:cNvPr id="5" name="Espace réservé de la date 4">
-            <a:extLst>
-              <a:ext uri="{FF2B5EF4-FFF2-40B4-BE49-F238E27FC236}">
-                <a16:creationId xmlns:a16="http://schemas.microsoft.com/office/drawing/2014/main" id="{8FBDA2A4-CF4A-7CB7-4DF3-25DD0252A37C}"/>
-              </a:ext>
-            </a:extLst>
-          </p:cNvPr>
+            <a:endParaRPr lang="en-US" dirty="0"/>
+          </a:p>
+        </p:txBody>
+      </p:sp>
+      <p:sp>
+        <p:nvSpPr>
+          <p:cNvPr id="5" name="Date Placeholder 4"/>
           <p:cNvSpPr>
             <a:spLocks noGrp="1"/>
           </p:cNvSpPr>
@@ -2105,13 +2405,7 @@
       </p:sp>
       <p:sp>
         <p:nvSpPr>
-          <p:cNvPr id="6" name="Espace réservé du pied de page 5">
-            <a:extLst>
-              <a:ext uri="{FF2B5EF4-FFF2-40B4-BE49-F238E27FC236}">
-                <a16:creationId xmlns:a16="http://schemas.microsoft.com/office/drawing/2014/main" id="{DCB8C016-D64A-DC40-FA41-96D487919F49}"/>
-              </a:ext>
-            </a:extLst>
-          </p:cNvPr>
+          <p:cNvPr id="6" name="Footer Placeholder 5"/>
           <p:cNvSpPr>
             <a:spLocks noGrp="1"/>
           </p:cNvSpPr>
@@ -2130,13 +2424,7 @@
       </p:sp>
       <p:sp>
         <p:nvSpPr>
-          <p:cNvPr id="7" name="Espace réservé du numéro de diapositive 6">
-            <a:extLst>
-              <a:ext uri="{FF2B5EF4-FFF2-40B4-BE49-F238E27FC236}">
-                <a16:creationId xmlns:a16="http://schemas.microsoft.com/office/drawing/2014/main" id="{2AB52E83-28EA-6765-DA00-FE9DBF9AFCE2}"/>
-              </a:ext>
-            </a:extLst>
-          </p:cNvPr>
+          <p:cNvPr id="7" name="Slide Number Placeholder 6"/>
           <p:cNvSpPr>
             <a:spLocks noGrp="1"/>
           </p:cNvSpPr>
@@ -2160,7 +2448,7 @@
     </p:spTree>
     <p:extLst>
       <p:ext uri="{BB962C8B-B14F-4D97-AF65-F5344CB8AC3E}">
-        <p14:creationId xmlns:p14="http://schemas.microsoft.com/office/powerpoint/2010/main" val="833035365"/>
+        <p14:creationId xmlns:p14="http://schemas.microsoft.com/office/powerpoint/2010/main" val="1867626485"/>
       </p:ext>
     </p:extLst>
   </p:cSld>
@@ -2189,24 +2477,57 @@
       </p:grpSpPr>
       <p:sp>
         <p:nvSpPr>
-          <p:cNvPr id="2" name="Titre 1">
-            <a:extLst>
-              <a:ext uri="{FF2B5EF4-FFF2-40B4-BE49-F238E27FC236}">
-                <a16:creationId xmlns:a16="http://schemas.microsoft.com/office/drawing/2014/main" id="{F43E7E5A-65C2-426E-CD87-732DD420A6C3}"/>
-              </a:ext>
-            </a:extLst>
-          </p:cNvPr>
-          <p:cNvSpPr>
-            <a:spLocks noGrp="1"/>
-          </p:cNvSpPr>
-          <p:nvPr>
-            <p:ph type="title"/>
-          </p:nvPr>
+          <p:cNvPr id="11" name="Rectangle 10"/>
+          <p:cNvSpPr>
+            <a:spLocks noChangeAspect="1"/>
+          </p:cNvSpPr>
+          <p:nvPr/>
         </p:nvSpPr>
         <p:spPr>
           <a:xfrm>
-            <a:off x="839788" y="365125"/>
-            <a:ext cx="10515600" cy="1325563"/>
+            <a:off x="445982" y="606554"/>
+            <a:ext cx="11300036" cy="1258827"/>
+          </a:xfrm>
+          <a:prstGeom prst="rect">
+            <a:avLst/>
+          </a:prstGeom>
+          <a:solidFill>
+            <a:schemeClr val="accent1"/>
+          </a:solidFill>
+          <a:ln>
+            <a:noFill/>
+          </a:ln>
+          <a:effectLst/>
+        </p:spPr>
+        <p:style>
+          <a:lnRef idx="1">
+            <a:schemeClr val="accent1"/>
+          </a:lnRef>
+          <a:fillRef idx="3">
+            <a:schemeClr val="accent1"/>
+          </a:fillRef>
+          <a:effectRef idx="2">
+            <a:schemeClr val="accent1"/>
+          </a:effectRef>
+          <a:fontRef idx="minor">
+            <a:schemeClr val="lt1"/>
+          </a:fontRef>
+        </p:style>
+      </p:sp>
+      <p:sp>
+        <p:nvSpPr>
+          <p:cNvPr id="12" name="Title 1"/>
+          <p:cNvSpPr>
+            <a:spLocks noGrp="1"/>
+          </p:cNvSpPr>
+          <p:nvPr>
+            <p:ph type="title"/>
+          </p:nvPr>
+        </p:nvSpPr>
+        <p:spPr>
+          <a:xfrm>
+            <a:off x="581193" y="729658"/>
+            <a:ext cx="11029616" cy="988332"/>
           </a:xfrm>
         </p:spPr>
         <p:txBody>
@@ -2217,18 +2538,13 @@
               <a:rPr lang="fr-FR"/>
               <a:t>Modifiez le style du titre</a:t>
             </a:r>
-          </a:p>
-        </p:txBody>
-      </p:sp>
-      <p:sp>
-        <p:nvSpPr>
-          <p:cNvPr id="3" name="Espace réservé du texte 2">
-            <a:extLst>
-              <a:ext uri="{FF2B5EF4-FFF2-40B4-BE49-F238E27FC236}">
-                <a16:creationId xmlns:a16="http://schemas.microsoft.com/office/drawing/2014/main" id="{98098A24-0463-B95C-02B9-48AD7D8BC1A1}"/>
-              </a:ext>
-            </a:extLst>
-          </p:cNvPr>
+            <a:endParaRPr lang="en-US" dirty="0"/>
+          </a:p>
+        </p:txBody>
+      </p:sp>
+      <p:sp>
+        <p:nvSpPr>
+          <p:cNvPr id="3" name="Text Placeholder 2"/>
           <p:cNvSpPr>
             <a:spLocks noGrp="1"/>
           </p:cNvSpPr>
@@ -2238,16 +2554,22 @@
         </p:nvSpPr>
         <p:spPr>
           <a:xfrm>
-            <a:off x="839788" y="1681163"/>
-            <a:ext cx="5157787" cy="823912"/>
+            <a:off x="887219" y="2250892"/>
+            <a:ext cx="5087075" cy="536005"/>
           </a:xfrm>
         </p:spPr>
         <p:txBody>
-          <a:bodyPr anchor="b"/>
+          <a:bodyPr anchor="b">
+            <a:noAutofit/>
+          </a:bodyPr>
           <a:lstStyle>
             <a:lvl1pPr marL="0" indent="0">
               <a:buNone/>
-              <a:defRPr sz="2400" b="1"/>
+              <a:defRPr sz="2200" b="0">
+                <a:solidFill>
+                  <a:schemeClr val="accent2"/>
+                </a:solidFill>
+              </a:defRPr>
             </a:lvl1pPr>
             <a:lvl2pPr marL="457200" indent="0">
               <a:buNone/>
@@ -2293,13 +2615,7 @@
       </p:sp>
       <p:sp>
         <p:nvSpPr>
-          <p:cNvPr id="4" name="Espace réservé du contenu 3">
-            <a:extLst>
-              <a:ext uri="{FF2B5EF4-FFF2-40B4-BE49-F238E27FC236}">
-                <a16:creationId xmlns:a16="http://schemas.microsoft.com/office/drawing/2014/main" id="{4EB1140D-A059-508A-AB1F-14D78B0F0F98}"/>
-              </a:ext>
-            </a:extLst>
-          </p:cNvPr>
+          <p:cNvPr id="4" name="Content Placeholder 3"/>
           <p:cNvSpPr>
             <a:spLocks noGrp="1"/>
           </p:cNvSpPr>
@@ -2309,12 +2625,14 @@
         </p:nvSpPr>
         <p:spPr>
           <a:xfrm>
-            <a:off x="839788" y="2505075"/>
-            <a:ext cx="5157787" cy="3684588"/>
+            <a:off x="581194" y="2926052"/>
+            <a:ext cx="5393100" cy="2934999"/>
           </a:xfrm>
         </p:spPr>
         <p:txBody>
-          <a:bodyPr/>
+          <a:bodyPr anchor="t">
+            <a:normAutofit/>
+          </a:bodyPr>
           <a:lstStyle/>
           <a:p>
             <a:pPr lvl="0"/>
@@ -2350,18 +2668,13 @@
               <a:rPr lang="fr-FR"/>
               <a:t>Cinquième niveau</a:t>
             </a:r>
-          </a:p>
-        </p:txBody>
-      </p:sp>
-      <p:sp>
-        <p:nvSpPr>
-          <p:cNvPr id="5" name="Espace réservé du texte 4">
-            <a:extLst>
-              <a:ext uri="{FF2B5EF4-FFF2-40B4-BE49-F238E27FC236}">
-                <a16:creationId xmlns:a16="http://schemas.microsoft.com/office/drawing/2014/main" id="{24F34146-4145-12F8-5106-0F904D94FF8B}"/>
-              </a:ext>
-            </a:extLst>
-          </p:cNvPr>
+            <a:endParaRPr lang="en-US" dirty="0"/>
+          </a:p>
+        </p:txBody>
+      </p:sp>
+      <p:sp>
+        <p:nvSpPr>
+          <p:cNvPr id="5" name="Text Placeholder 4"/>
           <p:cNvSpPr>
             <a:spLocks noGrp="1"/>
           </p:cNvSpPr>
@@ -2371,16 +2684,22 @@
         </p:nvSpPr>
         <p:spPr>
           <a:xfrm>
-            <a:off x="6172200" y="1681163"/>
-            <a:ext cx="5183188" cy="823912"/>
+            <a:off x="6523735" y="2250892"/>
+            <a:ext cx="5087073" cy="553373"/>
           </a:xfrm>
         </p:spPr>
         <p:txBody>
-          <a:bodyPr anchor="b"/>
+          <a:bodyPr anchor="b">
+            <a:noAutofit/>
+          </a:bodyPr>
           <a:lstStyle>
             <a:lvl1pPr marL="0" indent="0">
               <a:buNone/>
-              <a:defRPr sz="2400" b="1"/>
+              <a:defRPr sz="2200" b="0">
+                <a:solidFill>
+                  <a:schemeClr val="accent2"/>
+                </a:solidFill>
+              </a:defRPr>
             </a:lvl1pPr>
             <a:lvl2pPr marL="457200" indent="0">
               <a:buNone/>
@@ -2426,13 +2745,7 @@
       </p:sp>
       <p:sp>
         <p:nvSpPr>
-          <p:cNvPr id="6" name="Espace réservé du contenu 5">
-            <a:extLst>
-              <a:ext uri="{FF2B5EF4-FFF2-40B4-BE49-F238E27FC236}">
-                <a16:creationId xmlns:a16="http://schemas.microsoft.com/office/drawing/2014/main" id="{315B3FB6-7477-D7A4-D5D8-839A77E6220A}"/>
-              </a:ext>
-            </a:extLst>
-          </p:cNvPr>
+          <p:cNvPr id="6" name="Content Placeholder 5"/>
           <p:cNvSpPr>
             <a:spLocks noGrp="1"/>
           </p:cNvSpPr>
@@ -2442,12 +2755,14 @@
         </p:nvSpPr>
         <p:spPr>
           <a:xfrm>
-            <a:off x="6172200" y="2505075"/>
-            <a:ext cx="5183188" cy="3684588"/>
+            <a:off x="6217709" y="2926052"/>
+            <a:ext cx="5393100" cy="2934999"/>
           </a:xfrm>
         </p:spPr>
         <p:txBody>
-          <a:bodyPr/>
+          <a:bodyPr anchor="t">
+            <a:normAutofit/>
+          </a:bodyPr>
           <a:lstStyle/>
           <a:p>
             <a:pPr lvl="0"/>
@@ -2483,18 +2798,13 @@
               <a:rPr lang="fr-FR"/>
               <a:t>Cinquième niveau</a:t>
             </a:r>
-          </a:p>
-        </p:txBody>
-      </p:sp>
-      <p:sp>
-        <p:nvSpPr>
-          <p:cNvPr id="7" name="Espace réservé de la date 6">
-            <a:extLst>
-              <a:ext uri="{FF2B5EF4-FFF2-40B4-BE49-F238E27FC236}">
-                <a16:creationId xmlns:a16="http://schemas.microsoft.com/office/drawing/2014/main" id="{208F3762-6F26-56CF-FFAF-000524ECFAD4}"/>
-              </a:ext>
-            </a:extLst>
-          </p:cNvPr>
+            <a:endParaRPr lang="en-US" dirty="0"/>
+          </a:p>
+        </p:txBody>
+      </p:sp>
+      <p:sp>
+        <p:nvSpPr>
+          <p:cNvPr id="7" name="Date Placeholder 6"/>
           <p:cNvSpPr>
             <a:spLocks noGrp="1"/>
           </p:cNvSpPr>
@@ -2517,13 +2827,7 @@
       </p:sp>
       <p:sp>
         <p:nvSpPr>
-          <p:cNvPr id="8" name="Espace réservé du pied de page 7">
-            <a:extLst>
-              <a:ext uri="{FF2B5EF4-FFF2-40B4-BE49-F238E27FC236}">
-                <a16:creationId xmlns:a16="http://schemas.microsoft.com/office/drawing/2014/main" id="{4421120F-58AE-D9F9-E8C3-C23663B9E99D}"/>
-              </a:ext>
-            </a:extLst>
-          </p:cNvPr>
+          <p:cNvPr id="8" name="Footer Placeholder 7"/>
           <p:cNvSpPr>
             <a:spLocks noGrp="1"/>
           </p:cNvSpPr>
@@ -2542,13 +2846,7 @@
       </p:sp>
       <p:sp>
         <p:nvSpPr>
-          <p:cNvPr id="9" name="Espace réservé du numéro de diapositive 8">
-            <a:extLst>
-              <a:ext uri="{FF2B5EF4-FFF2-40B4-BE49-F238E27FC236}">
-                <a16:creationId xmlns:a16="http://schemas.microsoft.com/office/drawing/2014/main" id="{75DACAEE-C7B4-A2C3-9021-0FF9AB538357}"/>
-              </a:ext>
-            </a:extLst>
-          </p:cNvPr>
+          <p:cNvPr id="9" name="Slide Number Placeholder 8"/>
           <p:cNvSpPr>
             <a:spLocks noGrp="1"/>
           </p:cNvSpPr>
@@ -2572,7 +2870,7 @@
     </p:spTree>
     <p:extLst>
       <p:ext uri="{BB962C8B-B14F-4D97-AF65-F5344CB8AC3E}">
-        <p14:creationId xmlns:p14="http://schemas.microsoft.com/office/powerpoint/2010/main" val="2482180001"/>
+        <p14:creationId xmlns:p14="http://schemas.microsoft.com/office/powerpoint/2010/main" val="1889386221"/>
       </p:ext>
     </p:extLst>
   </p:cSld>
@@ -2601,41 +2899,7 @@
       </p:grpSpPr>
       <p:sp>
         <p:nvSpPr>
-          <p:cNvPr id="2" name="Titre 1">
-            <a:extLst>
-              <a:ext uri="{FF2B5EF4-FFF2-40B4-BE49-F238E27FC236}">
-                <a16:creationId xmlns:a16="http://schemas.microsoft.com/office/drawing/2014/main" id="{CC583CE1-83A5-C7E6-5510-E91C028F5DC0}"/>
-              </a:ext>
-            </a:extLst>
-          </p:cNvPr>
-          <p:cNvSpPr>
-            <a:spLocks noGrp="1"/>
-          </p:cNvSpPr>
-          <p:nvPr>
-            <p:ph type="title"/>
-          </p:nvPr>
-        </p:nvSpPr>
-        <p:spPr/>
-        <p:txBody>
-          <a:bodyPr/>
-          <a:lstStyle/>
-          <a:p>
-            <a:r>
-              <a:rPr lang="fr-FR"/>
-              <a:t>Modifiez le style du titre</a:t>
-            </a:r>
-          </a:p>
-        </p:txBody>
-      </p:sp>
-      <p:sp>
-        <p:nvSpPr>
-          <p:cNvPr id="3" name="Espace réservé de la date 2">
-            <a:extLst>
-              <a:ext uri="{FF2B5EF4-FFF2-40B4-BE49-F238E27FC236}">
-                <a16:creationId xmlns:a16="http://schemas.microsoft.com/office/drawing/2014/main" id="{24C227F9-3DF3-6E39-BE55-6D6351DBD80D}"/>
-              </a:ext>
-            </a:extLst>
-          </p:cNvPr>
+          <p:cNvPr id="3" name="Date Placeholder 2"/>
           <p:cNvSpPr>
             <a:spLocks noGrp="1"/>
           </p:cNvSpPr>
@@ -2658,13 +2922,7 @@
       </p:sp>
       <p:sp>
         <p:nvSpPr>
-          <p:cNvPr id="4" name="Espace réservé du pied de page 3">
-            <a:extLst>
-              <a:ext uri="{FF2B5EF4-FFF2-40B4-BE49-F238E27FC236}">
-                <a16:creationId xmlns:a16="http://schemas.microsoft.com/office/drawing/2014/main" id="{6E354ED8-FA67-0541-A9E1-997EC2448802}"/>
-              </a:ext>
-            </a:extLst>
-          </p:cNvPr>
+          <p:cNvPr id="4" name="Footer Placeholder 3"/>
           <p:cNvSpPr>
             <a:spLocks noGrp="1"/>
           </p:cNvSpPr>
@@ -2683,13 +2941,7 @@
       </p:sp>
       <p:sp>
         <p:nvSpPr>
-          <p:cNvPr id="5" name="Espace réservé du numéro de diapositive 4">
-            <a:extLst>
-              <a:ext uri="{FF2B5EF4-FFF2-40B4-BE49-F238E27FC236}">
-                <a16:creationId xmlns:a16="http://schemas.microsoft.com/office/drawing/2014/main" id="{097DF434-9A85-8FDE-C358-490BFF90A4C9}"/>
-              </a:ext>
-            </a:extLst>
-          </p:cNvPr>
+          <p:cNvPr id="5" name="Slide Number Placeholder 4"/>
           <p:cNvSpPr>
             <a:spLocks noGrp="1"/>
           </p:cNvSpPr>
@@ -2710,10 +2962,77 @@
           </a:p>
         </p:txBody>
       </p:sp>
+      <p:sp>
+        <p:nvSpPr>
+          <p:cNvPr id="7" name="Rectangle 6"/>
+          <p:cNvSpPr>
+            <a:spLocks noChangeAspect="1"/>
+          </p:cNvSpPr>
+          <p:nvPr/>
+        </p:nvSpPr>
+        <p:spPr>
+          <a:xfrm>
+            <a:off x="440683" y="606554"/>
+            <a:ext cx="11300036" cy="1258827"/>
+          </a:xfrm>
+          <a:prstGeom prst="rect">
+            <a:avLst/>
+          </a:prstGeom>
+          <a:solidFill>
+            <a:schemeClr val="accent1"/>
+          </a:solidFill>
+          <a:ln>
+            <a:noFill/>
+          </a:ln>
+          <a:effectLst/>
+        </p:spPr>
+        <p:style>
+          <a:lnRef idx="1">
+            <a:schemeClr val="accent1"/>
+          </a:lnRef>
+          <a:fillRef idx="3">
+            <a:schemeClr val="accent1"/>
+          </a:fillRef>
+          <a:effectRef idx="2">
+            <a:schemeClr val="accent1"/>
+          </a:effectRef>
+          <a:fontRef idx="minor">
+            <a:schemeClr val="lt1"/>
+          </a:fontRef>
+        </p:style>
+      </p:sp>
+      <p:sp>
+        <p:nvSpPr>
+          <p:cNvPr id="8" name="Title 1"/>
+          <p:cNvSpPr>
+            <a:spLocks noGrp="1"/>
+          </p:cNvSpPr>
+          <p:nvPr>
+            <p:ph type="title"/>
+          </p:nvPr>
+        </p:nvSpPr>
+        <p:spPr>
+          <a:xfrm>
+            <a:off x="575894" y="729658"/>
+            <a:ext cx="11029616" cy="988332"/>
+          </a:xfrm>
+        </p:spPr>
+        <p:txBody>
+          <a:bodyPr/>
+          <a:lstStyle/>
+          <a:p>
+            <a:r>
+              <a:rPr lang="fr-FR"/>
+              <a:t>Modifiez le style du titre</a:t>
+            </a:r>
+            <a:endParaRPr lang="en-US" dirty="0"/>
+          </a:p>
+        </p:txBody>
+      </p:sp>
     </p:spTree>
     <p:extLst>
       <p:ext uri="{BB962C8B-B14F-4D97-AF65-F5344CB8AC3E}">
-        <p14:creationId xmlns:p14="http://schemas.microsoft.com/office/powerpoint/2010/main" val="898043365"/>
+        <p14:creationId xmlns:p14="http://schemas.microsoft.com/office/powerpoint/2010/main" val="928860791"/>
       </p:ext>
     </p:extLst>
   </p:cSld>
@@ -2742,13 +3061,7 @@
       </p:grpSpPr>
       <p:sp>
         <p:nvSpPr>
-          <p:cNvPr id="2" name="Espace réservé de la date 1">
-            <a:extLst>
-              <a:ext uri="{FF2B5EF4-FFF2-40B4-BE49-F238E27FC236}">
-                <a16:creationId xmlns:a16="http://schemas.microsoft.com/office/drawing/2014/main" id="{5FC76AD5-C1DC-F5DE-EF15-063E47E70D11}"/>
-              </a:ext>
-            </a:extLst>
-          </p:cNvPr>
+          <p:cNvPr id="2" name="Date Placeholder 1"/>
           <p:cNvSpPr>
             <a:spLocks noGrp="1"/>
           </p:cNvSpPr>
@@ -2771,13 +3084,7 @@
       </p:sp>
       <p:sp>
         <p:nvSpPr>
-          <p:cNvPr id="3" name="Espace réservé du pied de page 2">
-            <a:extLst>
-              <a:ext uri="{FF2B5EF4-FFF2-40B4-BE49-F238E27FC236}">
-                <a16:creationId xmlns:a16="http://schemas.microsoft.com/office/drawing/2014/main" id="{BF0DB26D-76E3-14C6-BD19-42D5D27A7173}"/>
-              </a:ext>
-            </a:extLst>
-          </p:cNvPr>
+          <p:cNvPr id="3" name="Footer Placeholder 2"/>
           <p:cNvSpPr>
             <a:spLocks noGrp="1"/>
           </p:cNvSpPr>
@@ -2796,13 +3103,7 @@
       </p:sp>
       <p:sp>
         <p:nvSpPr>
-          <p:cNvPr id="4" name="Espace réservé du numéro de diapositive 3">
-            <a:extLst>
-              <a:ext uri="{FF2B5EF4-FFF2-40B4-BE49-F238E27FC236}">
-                <a16:creationId xmlns:a16="http://schemas.microsoft.com/office/drawing/2014/main" id="{6F69CBBD-528C-A626-FC8A-CA65EFB94670}"/>
-              </a:ext>
-            </a:extLst>
-          </p:cNvPr>
+          <p:cNvPr id="4" name="Slide Number Placeholder 3"/>
           <p:cNvSpPr>
             <a:spLocks noGrp="1"/>
           </p:cNvSpPr>
@@ -2826,7 +3127,7 @@
     </p:spTree>
     <p:extLst>
       <p:ext uri="{BB962C8B-B14F-4D97-AF65-F5344CB8AC3E}">
-        <p14:creationId xmlns:p14="http://schemas.microsoft.com/office/powerpoint/2010/main" val="3076598420"/>
+        <p14:creationId xmlns:p14="http://schemas.microsoft.com/office/powerpoint/2010/main" val="2596791124"/>
       </p:ext>
     </p:extLst>
   </p:cSld>
@@ -2855,222 +3156,301 @@
       </p:grpSpPr>
       <p:sp>
         <p:nvSpPr>
-          <p:cNvPr id="2" name="Titre 1">
-            <a:extLst>
-              <a:ext uri="{FF2B5EF4-FFF2-40B4-BE49-F238E27FC236}">
-                <a16:creationId xmlns:a16="http://schemas.microsoft.com/office/drawing/2014/main" id="{FF31E877-0CF2-7A83-CA4F-C0B85D6137A6}"/>
-              </a:ext>
-            </a:extLst>
-          </p:cNvPr>
-          <p:cNvSpPr>
-            <a:spLocks noGrp="1"/>
-          </p:cNvSpPr>
-          <p:nvPr>
-            <p:ph type="title"/>
-          </p:nvPr>
+          <p:cNvPr id="9" name="Rectangle 8"/>
+          <p:cNvSpPr>
+            <a:spLocks noChangeAspect="1"/>
+          </p:cNvSpPr>
+          <p:nvPr/>
         </p:nvSpPr>
         <p:spPr>
           <a:xfrm>
-            <a:off x="839788" y="457200"/>
-            <a:ext cx="3932237" cy="1600200"/>
+            <a:off x="447817" y="5141973"/>
+            <a:ext cx="11298200" cy="1274702"/>
+          </a:xfrm>
+          <a:prstGeom prst="rect">
+            <a:avLst/>
+          </a:prstGeom>
+          <a:solidFill>
+            <a:schemeClr val="accent1"/>
+          </a:solidFill>
+          <a:ln>
+            <a:noFill/>
+          </a:ln>
+          <a:effectLst/>
+        </p:spPr>
+        <p:style>
+          <a:lnRef idx="1">
+            <a:schemeClr val="accent1"/>
+          </a:lnRef>
+          <a:fillRef idx="3">
+            <a:schemeClr val="accent1"/>
+          </a:fillRef>
+          <a:effectRef idx="2">
+            <a:schemeClr val="accent1"/>
+          </a:effectRef>
+          <a:fontRef idx="minor">
+            <a:schemeClr val="lt1"/>
+          </a:fontRef>
+        </p:style>
+      </p:sp>
+      <p:sp>
+        <p:nvSpPr>
+          <p:cNvPr id="2" name="Title 1"/>
+          <p:cNvSpPr>
+            <a:spLocks noGrp="1"/>
+          </p:cNvSpPr>
+          <p:nvPr>
+            <p:ph type="title"/>
+          </p:nvPr>
+        </p:nvSpPr>
+        <p:spPr>
+          <a:xfrm>
+            <a:off x="581192" y="5262296"/>
+            <a:ext cx="4909445" cy="689514"/>
           </a:xfrm>
         </p:spPr>
         <p:txBody>
-          <a:bodyPr anchor="b"/>
+          <a:bodyPr anchor="ctr"/>
+          <a:lstStyle>
+            <a:lvl1pPr algn="l">
+              <a:defRPr sz="2000" b="0">
+                <a:solidFill>
+                  <a:schemeClr val="accent1">
+                    <a:lumMod val="75000"/>
+                    <a:lumOff val="25000"/>
+                  </a:schemeClr>
+                </a:solidFill>
+              </a:defRPr>
+            </a:lvl1pPr>
+          </a:lstStyle>
+          <a:p>
+            <a:r>
+              <a:rPr lang="fr-FR"/>
+              <a:t>Modifiez le style du titre</a:t>
+            </a:r>
+            <a:endParaRPr lang="en-US" dirty="0"/>
+          </a:p>
+        </p:txBody>
+      </p:sp>
+      <p:sp>
+        <p:nvSpPr>
+          <p:cNvPr id="3" name="Content Placeholder 2"/>
+          <p:cNvSpPr>
+            <a:spLocks noGrp="1"/>
+          </p:cNvSpPr>
+          <p:nvPr>
+            <p:ph idx="1"/>
+          </p:nvPr>
+        </p:nvSpPr>
+        <p:spPr>
+          <a:xfrm>
+            <a:off x="447816" y="601200"/>
+            <a:ext cx="11292840" cy="4204800"/>
+          </a:xfrm>
+        </p:spPr>
+        <p:txBody>
+          <a:bodyPr anchor="ctr">
+            <a:normAutofit/>
+          </a:bodyPr>
           <a:lstStyle>
             <a:lvl1pPr>
-              <a:defRPr sz="3200"/>
+              <a:defRPr sz="2000">
+                <a:solidFill>
+                  <a:schemeClr val="tx2"/>
+                </a:solidFill>
+              </a:defRPr>
             </a:lvl1pPr>
+            <a:lvl2pPr>
+              <a:defRPr sz="1800">
+                <a:solidFill>
+                  <a:schemeClr val="tx2"/>
+                </a:solidFill>
+              </a:defRPr>
+            </a:lvl2pPr>
+            <a:lvl3pPr>
+              <a:defRPr sz="1600">
+                <a:solidFill>
+                  <a:schemeClr val="tx2"/>
+                </a:solidFill>
+              </a:defRPr>
+            </a:lvl3pPr>
+            <a:lvl4pPr>
+              <a:defRPr sz="1400">
+                <a:solidFill>
+                  <a:schemeClr val="tx2"/>
+                </a:solidFill>
+              </a:defRPr>
+            </a:lvl4pPr>
+            <a:lvl5pPr>
+              <a:defRPr sz="1400">
+                <a:solidFill>
+                  <a:schemeClr val="tx2"/>
+                </a:solidFill>
+              </a:defRPr>
+            </a:lvl5pPr>
+            <a:lvl6pPr>
+              <a:defRPr sz="1400">
+                <a:solidFill>
+                  <a:schemeClr val="tx2"/>
+                </a:solidFill>
+              </a:defRPr>
+            </a:lvl6pPr>
+            <a:lvl7pPr>
+              <a:defRPr sz="1400">
+                <a:solidFill>
+                  <a:schemeClr val="tx2"/>
+                </a:solidFill>
+              </a:defRPr>
+            </a:lvl7pPr>
+            <a:lvl8pPr>
+              <a:defRPr sz="1400">
+                <a:solidFill>
+                  <a:schemeClr val="tx2"/>
+                </a:solidFill>
+              </a:defRPr>
+            </a:lvl8pPr>
+            <a:lvl9pPr>
+              <a:defRPr sz="1400">
+                <a:solidFill>
+                  <a:schemeClr val="tx2"/>
+                </a:solidFill>
+              </a:defRPr>
+            </a:lvl9pPr>
           </a:lstStyle>
           <a:p>
+            <a:pPr lvl="0"/>
             <a:r>
               <a:rPr lang="fr-FR"/>
-              <a:t>Modifiez le style du titre</a:t>
-            </a:r>
-          </a:p>
-        </p:txBody>
-      </p:sp>
-      <p:sp>
-        <p:nvSpPr>
-          <p:cNvPr id="3" name="Espace réservé du contenu 2">
-            <a:extLst>
-              <a:ext uri="{FF2B5EF4-FFF2-40B4-BE49-F238E27FC236}">
-                <a16:creationId xmlns:a16="http://schemas.microsoft.com/office/drawing/2014/main" id="{8277D82A-F1EE-4C71-DF2A-62AAD222CCE0}"/>
-              </a:ext>
-            </a:extLst>
-          </p:cNvPr>
-          <p:cNvSpPr>
-            <a:spLocks noGrp="1"/>
-          </p:cNvSpPr>
-          <p:nvPr>
-            <p:ph idx="1"/>
+              <a:t>Cliquez pour modifier les styles du texte du masque</a:t>
+            </a:r>
+          </a:p>
+          <a:p>
+            <a:pPr lvl="1"/>
+            <a:r>
+              <a:rPr lang="fr-FR"/>
+              <a:t>Deuxième niveau</a:t>
+            </a:r>
+          </a:p>
+          <a:p>
+            <a:pPr lvl="2"/>
+            <a:r>
+              <a:rPr lang="fr-FR"/>
+              <a:t>Troisième niveau</a:t>
+            </a:r>
+          </a:p>
+          <a:p>
+            <a:pPr lvl="3"/>
+            <a:r>
+              <a:rPr lang="fr-FR"/>
+              <a:t>Quatrième niveau</a:t>
+            </a:r>
+          </a:p>
+          <a:p>
+            <a:pPr lvl="4"/>
+            <a:r>
+              <a:rPr lang="fr-FR"/>
+              <a:t>Cinquième niveau</a:t>
+            </a:r>
+            <a:endParaRPr lang="en-US" dirty="0"/>
+          </a:p>
+        </p:txBody>
+      </p:sp>
+      <p:sp>
+        <p:nvSpPr>
+          <p:cNvPr id="4" name="Text Placeholder 3"/>
+          <p:cNvSpPr>
+            <a:spLocks noGrp="1"/>
+          </p:cNvSpPr>
+          <p:nvPr>
+            <p:ph type="body" sz="half" idx="2"/>
           </p:nvPr>
         </p:nvSpPr>
         <p:spPr>
           <a:xfrm>
-            <a:off x="5183188" y="987425"/>
-            <a:ext cx="6172200" cy="4873625"/>
+            <a:off x="5740823" y="5262296"/>
+            <a:ext cx="5869987" cy="689515"/>
           </a:xfrm>
         </p:spPr>
+        <p:txBody>
+          <a:bodyPr anchor="ctr">
+            <a:normAutofit/>
+          </a:bodyPr>
+          <a:lstStyle>
+            <a:lvl1pPr marL="0" indent="0" algn="r">
+              <a:buNone/>
+              <a:defRPr sz="1100">
+                <a:solidFill>
+                  <a:schemeClr val="bg1"/>
+                </a:solidFill>
+              </a:defRPr>
+            </a:lvl1pPr>
+            <a:lvl2pPr marL="457200" indent="0">
+              <a:buNone/>
+              <a:defRPr sz="1100"/>
+            </a:lvl2pPr>
+            <a:lvl3pPr marL="914400" indent="0">
+              <a:buNone/>
+              <a:defRPr sz="1000"/>
+            </a:lvl3pPr>
+            <a:lvl4pPr marL="1371600" indent="0">
+              <a:buNone/>
+              <a:defRPr sz="900"/>
+            </a:lvl4pPr>
+            <a:lvl5pPr marL="1828800" indent="0">
+              <a:buNone/>
+              <a:defRPr sz="900"/>
+            </a:lvl5pPr>
+            <a:lvl6pPr marL="2286000" indent="0">
+              <a:buNone/>
+              <a:defRPr sz="900"/>
+            </a:lvl6pPr>
+            <a:lvl7pPr marL="2743200" indent="0">
+              <a:buNone/>
+              <a:defRPr sz="900"/>
+            </a:lvl7pPr>
+            <a:lvl8pPr marL="3200400" indent="0">
+              <a:buNone/>
+              <a:defRPr sz="900"/>
+            </a:lvl8pPr>
+            <a:lvl9pPr marL="3657600" indent="0">
+              <a:buNone/>
+              <a:defRPr sz="900"/>
+            </a:lvl9pPr>
+          </a:lstStyle>
+          <a:p>
+            <a:pPr lvl="0"/>
+            <a:r>
+              <a:rPr lang="fr-FR"/>
+              <a:t>Cliquez pour modifier les styles du texte du masque</a:t>
+            </a:r>
+          </a:p>
+        </p:txBody>
+      </p:sp>
+      <p:sp>
+        <p:nvSpPr>
+          <p:cNvPr id="5" name="Date Placeholder 4"/>
+          <p:cNvSpPr>
+            <a:spLocks noGrp="1"/>
+          </p:cNvSpPr>
+          <p:nvPr>
+            <p:ph type="dt" sz="half" idx="10"/>
+          </p:nvPr>
+        </p:nvSpPr>
+        <p:spPr/>
         <p:txBody>
           <a:bodyPr/>
           <a:lstStyle>
             <a:lvl1pPr>
-              <a:defRPr sz="3200"/>
+              <a:defRPr>
+                <a:solidFill>
+                  <a:schemeClr val="accent1">
+                    <a:lumMod val="75000"/>
+                    <a:lumOff val="25000"/>
+                  </a:schemeClr>
+                </a:solidFill>
+              </a:defRPr>
             </a:lvl1pPr>
-            <a:lvl2pPr>
-              <a:defRPr sz="2800"/>
-            </a:lvl2pPr>
-            <a:lvl3pPr>
-              <a:defRPr sz="2400"/>
-            </a:lvl3pPr>
-            <a:lvl4pPr>
-              <a:defRPr sz="2000"/>
-            </a:lvl4pPr>
-            <a:lvl5pPr>
-              <a:defRPr sz="2000"/>
-            </a:lvl5pPr>
-            <a:lvl6pPr>
-              <a:defRPr sz="2000"/>
-            </a:lvl6pPr>
-            <a:lvl7pPr>
-              <a:defRPr sz="2000"/>
-            </a:lvl7pPr>
-            <a:lvl8pPr>
-              <a:defRPr sz="2000"/>
-            </a:lvl8pPr>
-            <a:lvl9pPr>
-              <a:defRPr sz="2000"/>
-            </a:lvl9pPr>
           </a:lstStyle>
-          <a:p>
-            <a:pPr lvl="0"/>
-            <a:r>
-              <a:rPr lang="fr-FR"/>
-              <a:t>Cliquez pour modifier les styles du texte du masque</a:t>
-            </a:r>
-          </a:p>
-          <a:p>
-            <a:pPr lvl="1"/>
-            <a:r>
-              <a:rPr lang="fr-FR"/>
-              <a:t>Deuxième niveau</a:t>
-            </a:r>
-          </a:p>
-          <a:p>
-            <a:pPr lvl="2"/>
-            <a:r>
-              <a:rPr lang="fr-FR"/>
-              <a:t>Troisième niveau</a:t>
-            </a:r>
-          </a:p>
-          <a:p>
-            <a:pPr lvl="3"/>
-            <a:r>
-              <a:rPr lang="fr-FR"/>
-              <a:t>Quatrième niveau</a:t>
-            </a:r>
-          </a:p>
-          <a:p>
-            <a:pPr lvl="4"/>
-            <a:r>
-              <a:rPr lang="fr-FR"/>
-              <a:t>Cinquième niveau</a:t>
-            </a:r>
-          </a:p>
-        </p:txBody>
-      </p:sp>
-      <p:sp>
-        <p:nvSpPr>
-          <p:cNvPr id="4" name="Espace réservé du texte 3">
-            <a:extLst>
-              <a:ext uri="{FF2B5EF4-FFF2-40B4-BE49-F238E27FC236}">
-                <a16:creationId xmlns:a16="http://schemas.microsoft.com/office/drawing/2014/main" id="{38C836EF-EAA2-115B-5DB4-319A52ADBEF4}"/>
-              </a:ext>
-            </a:extLst>
-          </p:cNvPr>
-          <p:cNvSpPr>
-            <a:spLocks noGrp="1"/>
-          </p:cNvSpPr>
-          <p:nvPr>
-            <p:ph type="body" sz="half" idx="2"/>
-          </p:nvPr>
-        </p:nvSpPr>
-        <p:spPr>
-          <a:xfrm>
-            <a:off x="839788" y="2057400"/>
-            <a:ext cx="3932237" cy="3811588"/>
-          </a:xfrm>
-        </p:spPr>
-        <p:txBody>
-          <a:bodyPr/>
-          <a:lstStyle>
-            <a:lvl1pPr marL="0" indent="0">
-              <a:buNone/>
-              <a:defRPr sz="1600"/>
-            </a:lvl1pPr>
-            <a:lvl2pPr marL="457200" indent="0">
-              <a:buNone/>
-              <a:defRPr sz="1400"/>
-            </a:lvl2pPr>
-            <a:lvl3pPr marL="914400" indent="0">
-              <a:buNone/>
-              <a:defRPr sz="1200"/>
-            </a:lvl3pPr>
-            <a:lvl4pPr marL="1371600" indent="0">
-              <a:buNone/>
-              <a:defRPr sz="1000"/>
-            </a:lvl4pPr>
-            <a:lvl5pPr marL="1828800" indent="0">
-              <a:buNone/>
-              <a:defRPr sz="1000"/>
-            </a:lvl5pPr>
-            <a:lvl6pPr marL="2286000" indent="0">
-              <a:buNone/>
-              <a:defRPr sz="1000"/>
-            </a:lvl6pPr>
-            <a:lvl7pPr marL="2743200" indent="0">
-              <a:buNone/>
-              <a:defRPr sz="1000"/>
-            </a:lvl7pPr>
-            <a:lvl8pPr marL="3200400" indent="0">
-              <a:buNone/>
-              <a:defRPr sz="1000"/>
-            </a:lvl8pPr>
-            <a:lvl9pPr marL="3657600" indent="0">
-              <a:buNone/>
-              <a:defRPr sz="1000"/>
-            </a:lvl9pPr>
-          </a:lstStyle>
-          <a:p>
-            <a:pPr lvl="0"/>
-            <a:r>
-              <a:rPr lang="fr-FR"/>
-              <a:t>Cliquez pour modifier les styles du texte du masque</a:t>
-            </a:r>
-          </a:p>
-        </p:txBody>
-      </p:sp>
-      <p:sp>
-        <p:nvSpPr>
-          <p:cNvPr id="5" name="Espace réservé de la date 4">
-            <a:extLst>
-              <a:ext uri="{FF2B5EF4-FFF2-40B4-BE49-F238E27FC236}">
-                <a16:creationId xmlns:a16="http://schemas.microsoft.com/office/drawing/2014/main" id="{4A002CCA-51CC-1F57-F9B7-00B1DA0A4BED}"/>
-              </a:ext>
-            </a:extLst>
-          </p:cNvPr>
-          <p:cNvSpPr>
-            <a:spLocks noGrp="1"/>
-          </p:cNvSpPr>
-          <p:nvPr>
-            <p:ph type="dt" sz="half" idx="10"/>
-          </p:nvPr>
-        </p:nvSpPr>
-        <p:spPr/>
-        <p:txBody>
-          <a:bodyPr/>
-          <a:lstStyle/>
           <a:p>
             <a:fld id="{F48317D6-B874-42B3-8059-DF66D09721AF}" type="datetime1">
               <a:rPr lang="fr-FR" smtClean="0"/>
@@ -3082,13 +3462,7 @@
       </p:sp>
       <p:sp>
         <p:nvSpPr>
-          <p:cNvPr id="6" name="Espace réservé du pied de page 5">
-            <a:extLst>
-              <a:ext uri="{FF2B5EF4-FFF2-40B4-BE49-F238E27FC236}">
-                <a16:creationId xmlns:a16="http://schemas.microsoft.com/office/drawing/2014/main" id="{9DD4281B-E659-A3A6-CD15-67ED1BCE6F84}"/>
-              </a:ext>
-            </a:extLst>
-          </p:cNvPr>
+          <p:cNvPr id="6" name="Footer Placeholder 5"/>
           <p:cNvSpPr>
             <a:spLocks noGrp="1"/>
           </p:cNvSpPr>
@@ -3099,7 +3473,18 @@
         <p:spPr/>
         <p:txBody>
           <a:bodyPr/>
-          <a:lstStyle/>
+          <a:lstStyle>
+            <a:lvl1pPr>
+              <a:defRPr>
+                <a:solidFill>
+                  <a:schemeClr val="accent1">
+                    <a:lumMod val="75000"/>
+                    <a:lumOff val="25000"/>
+                  </a:schemeClr>
+                </a:solidFill>
+              </a:defRPr>
+            </a:lvl1pPr>
+          </a:lstStyle>
           <a:p>
             <a:endParaRPr lang="fr-FR"/>
           </a:p>
@@ -3107,13 +3492,7 @@
       </p:sp>
       <p:sp>
         <p:nvSpPr>
-          <p:cNvPr id="7" name="Espace réservé du numéro de diapositive 6">
-            <a:extLst>
-              <a:ext uri="{FF2B5EF4-FFF2-40B4-BE49-F238E27FC236}">
-                <a16:creationId xmlns:a16="http://schemas.microsoft.com/office/drawing/2014/main" id="{66F81D50-53A0-8761-5D14-5B947F0B8535}"/>
-              </a:ext>
-            </a:extLst>
-          </p:cNvPr>
+          <p:cNvPr id="7" name="Slide Number Placeholder 6"/>
           <p:cNvSpPr>
             <a:spLocks noGrp="1"/>
           </p:cNvSpPr>
@@ -3124,7 +3503,18 @@
         <p:spPr/>
         <p:txBody>
           <a:bodyPr/>
-          <a:lstStyle/>
+          <a:lstStyle>
+            <a:lvl1pPr>
+              <a:defRPr>
+                <a:solidFill>
+                  <a:schemeClr val="accent1">
+                    <a:lumMod val="75000"/>
+                    <a:lumOff val="25000"/>
+                  </a:schemeClr>
+                </a:solidFill>
+              </a:defRPr>
+            </a:lvl1pPr>
+          </a:lstStyle>
           <a:p>
             <a:fld id="{233695B2-E84D-4D1F-8316-30B3318ACE6A}" type="slidenum">
               <a:rPr lang="fr-FR" smtClean="0"/>
@@ -3137,7 +3527,7 @@
     </p:spTree>
     <p:extLst>
       <p:ext uri="{BB962C8B-B14F-4D97-AF65-F5344CB8AC3E}">
-        <p14:creationId xmlns:p14="http://schemas.microsoft.com/office/powerpoint/2010/main" val="3160833392"/>
+        <p14:creationId xmlns:p14="http://schemas.microsoft.com/office/powerpoint/2010/main" val="1311701734"/>
       </p:ext>
     </p:extLst>
   </p:cSld>
@@ -3166,13 +3556,7 @@
       </p:grpSpPr>
       <p:sp>
         <p:nvSpPr>
-          <p:cNvPr id="2" name="Titre 1">
-            <a:extLst>
-              <a:ext uri="{FF2B5EF4-FFF2-40B4-BE49-F238E27FC236}">
-                <a16:creationId xmlns:a16="http://schemas.microsoft.com/office/drawing/2014/main" id="{AD45DC97-A27E-78B8-C89F-388D3D5354D1}"/>
-              </a:ext>
-            </a:extLst>
-          </p:cNvPr>
+          <p:cNvPr id="2" name="Title 1"/>
           <p:cNvSpPr>
             <a:spLocks noGrp="1"/>
           </p:cNvSpPr>
@@ -3182,15 +3566,21 @@
         </p:nvSpPr>
         <p:spPr>
           <a:xfrm>
-            <a:off x="839788" y="457200"/>
-            <a:ext cx="3932237" cy="1600200"/>
+            <a:off x="581193" y="4693389"/>
+            <a:ext cx="11029616" cy="566738"/>
           </a:xfrm>
         </p:spPr>
         <p:txBody>
-          <a:bodyPr anchor="b"/>
+          <a:bodyPr anchor="b">
+            <a:normAutofit/>
+          </a:bodyPr>
           <a:lstStyle>
-            <a:lvl1pPr>
-              <a:defRPr sz="3200"/>
+            <a:lvl1pPr algn="l">
+              <a:defRPr sz="2400" b="0">
+                <a:solidFill>
+                  <a:schemeClr val="accent1"/>
+                </a:solidFill>
+              </a:defRPr>
             </a:lvl1pPr>
           </a:lstStyle>
           <a:p>
@@ -3198,20 +3588,15 @@
               <a:rPr lang="fr-FR"/>
               <a:t>Modifiez le style du titre</a:t>
             </a:r>
-          </a:p>
-        </p:txBody>
-      </p:sp>
-      <p:sp>
-        <p:nvSpPr>
-          <p:cNvPr id="3" name="Espace réservé pour une image  2">
-            <a:extLst>
-              <a:ext uri="{FF2B5EF4-FFF2-40B4-BE49-F238E27FC236}">
-                <a16:creationId xmlns:a16="http://schemas.microsoft.com/office/drawing/2014/main" id="{073DAD17-3EED-8610-718C-BF880786752F}"/>
-              </a:ext>
-            </a:extLst>
-          </p:cNvPr>
-          <p:cNvSpPr>
-            <a:spLocks noGrp="1"/>
+            <a:endParaRPr lang="en-US" dirty="0"/>
+          </a:p>
+        </p:txBody>
+      </p:sp>
+      <p:sp>
+        <p:nvSpPr>
+          <p:cNvPr id="3" name="Picture Placeholder 2"/>
+          <p:cNvSpPr>
+            <a:spLocks noGrp="1" noChangeAspect="1"/>
           </p:cNvSpPr>
           <p:nvPr>
             <p:ph type="pic" idx="1"/>
@@ -3219,118 +3604,120 @@
         </p:nvSpPr>
         <p:spPr>
           <a:xfrm>
-            <a:off x="5183188" y="987425"/>
-            <a:ext cx="6172200" cy="4873625"/>
+            <a:off x="447817" y="599725"/>
+            <a:ext cx="11290859" cy="3557252"/>
           </a:xfrm>
         </p:spPr>
         <p:txBody>
-          <a:bodyPr/>
+          <a:bodyPr anchor="t">
+            <a:normAutofit/>
+          </a:bodyPr>
           <a:lstStyle>
-            <a:lvl1pPr marL="0" indent="0">
-              <a:buNone/>
-              <a:defRPr sz="3200"/>
-            </a:lvl1pPr>
-            <a:lvl2pPr marL="457200" indent="0">
-              <a:buNone/>
-              <a:defRPr sz="2800"/>
-            </a:lvl2pPr>
-            <a:lvl3pPr marL="914400" indent="0">
-              <a:buNone/>
-              <a:defRPr sz="2400"/>
-            </a:lvl3pPr>
-            <a:lvl4pPr marL="1371600" indent="0">
-              <a:buNone/>
-              <a:defRPr sz="2000"/>
-            </a:lvl4pPr>
-            <a:lvl5pPr marL="1828800" indent="0">
-              <a:buNone/>
-              <a:defRPr sz="2000"/>
-            </a:lvl5pPr>
-            <a:lvl6pPr marL="2286000" indent="0">
-              <a:buNone/>
-              <a:defRPr sz="2000"/>
-            </a:lvl6pPr>
-            <a:lvl7pPr marL="2743200" indent="0">
-              <a:buNone/>
-              <a:defRPr sz="2000"/>
-            </a:lvl7pPr>
-            <a:lvl8pPr marL="3200400" indent="0">
-              <a:buNone/>
-              <a:defRPr sz="2000"/>
-            </a:lvl8pPr>
-            <a:lvl9pPr marL="3657600" indent="0">
-              <a:buNone/>
-              <a:defRPr sz="2000"/>
-            </a:lvl9pPr>
-          </a:lstStyle>
-          <a:p>
-            <a:endParaRPr lang="fr-FR"/>
-          </a:p>
-        </p:txBody>
-      </p:sp>
-      <p:sp>
-        <p:nvSpPr>
-          <p:cNvPr id="4" name="Espace réservé du texte 3">
-            <a:extLst>
-              <a:ext uri="{FF2B5EF4-FFF2-40B4-BE49-F238E27FC236}">
-                <a16:creationId xmlns:a16="http://schemas.microsoft.com/office/drawing/2014/main" id="{6125411B-D69A-2C3B-E8B9-140AC367A8DA}"/>
-              </a:ext>
-            </a:extLst>
-          </p:cNvPr>
-          <p:cNvSpPr>
-            <a:spLocks noGrp="1"/>
-          </p:cNvSpPr>
-          <p:nvPr>
-            <p:ph type="body" sz="half" idx="2"/>
-          </p:nvPr>
-        </p:nvSpPr>
-        <p:spPr>
-          <a:xfrm>
-            <a:off x="839788" y="2057400"/>
-            <a:ext cx="3932237" cy="3811588"/>
-          </a:xfrm>
-        </p:spPr>
-        <p:txBody>
-          <a:bodyPr/>
-          <a:lstStyle>
-            <a:lvl1pPr marL="0" indent="0">
+            <a:lvl1pPr marL="0" indent="0" algn="ctr">
               <a:buNone/>
               <a:defRPr sz="1600"/>
             </a:lvl1pPr>
             <a:lvl2pPr marL="457200" indent="0">
               <a:buNone/>
-              <a:defRPr sz="1400"/>
+              <a:defRPr sz="1600"/>
             </a:lvl2pPr>
             <a:lvl3pPr marL="914400" indent="0">
               <a:buNone/>
-              <a:defRPr sz="1200"/>
+              <a:defRPr sz="1600"/>
             </a:lvl3pPr>
             <a:lvl4pPr marL="1371600" indent="0">
               <a:buNone/>
-              <a:defRPr sz="1000"/>
+              <a:defRPr sz="1600"/>
             </a:lvl4pPr>
             <a:lvl5pPr marL="1828800" indent="0">
               <a:buNone/>
-              <a:defRPr sz="1000"/>
+              <a:defRPr sz="1600"/>
             </a:lvl5pPr>
             <a:lvl6pPr marL="2286000" indent="0">
               <a:buNone/>
-              <a:defRPr sz="1000"/>
+              <a:defRPr sz="1600"/>
             </a:lvl6pPr>
             <a:lvl7pPr marL="2743200" indent="0">
               <a:buNone/>
-              <a:defRPr sz="1000"/>
+              <a:defRPr sz="1600"/>
             </a:lvl7pPr>
             <a:lvl8pPr marL="3200400" indent="0">
               <a:buNone/>
-              <a:defRPr sz="1000"/>
+              <a:defRPr sz="1600"/>
             </a:lvl8pPr>
             <a:lvl9pPr marL="3657600" indent="0">
               <a:buNone/>
-              <a:defRPr sz="1000"/>
+              <a:defRPr sz="1600"/>
             </a:lvl9pPr>
           </a:lstStyle>
           <a:p>
+            <a:r>
+              <a:rPr lang="fr-FR"/>
+              <a:t>Cliquez sur l'icône pour ajouter une image</a:t>
+            </a:r>
+            <a:endParaRPr lang="en-US" dirty="0"/>
+          </a:p>
+        </p:txBody>
+      </p:sp>
+      <p:sp>
+        <p:nvSpPr>
+          <p:cNvPr id="4" name="Text Placeholder 3"/>
+          <p:cNvSpPr>
+            <a:spLocks noGrp="1"/>
+          </p:cNvSpPr>
+          <p:nvPr>
+            <p:ph type="body" sz="half" idx="2"/>
+          </p:nvPr>
+        </p:nvSpPr>
+        <p:spPr>
+          <a:xfrm>
+            <a:off x="581192" y="5260127"/>
+            <a:ext cx="11029617" cy="598671"/>
+          </a:xfrm>
+        </p:spPr>
+        <p:txBody>
+          <a:bodyPr>
+            <a:normAutofit/>
+          </a:bodyPr>
+          <a:lstStyle>
+            <a:lvl1pPr marL="0" indent="0">
+              <a:buNone/>
+              <a:defRPr sz="1200"/>
+            </a:lvl1pPr>
+            <a:lvl2pPr marL="457200" indent="0">
+              <a:buNone/>
+              <a:defRPr sz="1200"/>
+            </a:lvl2pPr>
+            <a:lvl3pPr marL="914400" indent="0">
+              <a:buNone/>
+              <a:defRPr sz="1000"/>
+            </a:lvl3pPr>
+            <a:lvl4pPr marL="1371600" indent="0">
+              <a:buNone/>
+              <a:defRPr sz="900"/>
+            </a:lvl4pPr>
+            <a:lvl5pPr marL="1828800" indent="0">
+              <a:buNone/>
+              <a:defRPr sz="900"/>
+            </a:lvl5pPr>
+            <a:lvl6pPr marL="2286000" indent="0">
+              <a:buNone/>
+              <a:defRPr sz="900"/>
+            </a:lvl6pPr>
+            <a:lvl7pPr marL="2743200" indent="0">
+              <a:buNone/>
+              <a:defRPr sz="900"/>
+            </a:lvl7pPr>
+            <a:lvl8pPr marL="3200400" indent="0">
+              <a:buNone/>
+              <a:defRPr sz="900"/>
+            </a:lvl8pPr>
+            <a:lvl9pPr marL="3657600" indent="0">
+              <a:buNone/>
+              <a:defRPr sz="900"/>
+            </a:lvl9pPr>
+          </a:lstStyle>
+          <a:p>
             <a:pPr lvl="0"/>
             <a:r>
               <a:rPr lang="fr-FR"/>
@@ -3341,13 +3728,7 @@
       </p:sp>
       <p:sp>
         <p:nvSpPr>
-          <p:cNvPr id="5" name="Espace réservé de la date 4">
-            <a:extLst>
-              <a:ext uri="{FF2B5EF4-FFF2-40B4-BE49-F238E27FC236}">
-                <a16:creationId xmlns:a16="http://schemas.microsoft.com/office/drawing/2014/main" id="{49997378-9162-7110-45F5-EDF5AC00953A}"/>
-              </a:ext>
-            </a:extLst>
-          </p:cNvPr>
+          <p:cNvPr id="5" name="Date Placeholder 4"/>
           <p:cNvSpPr>
             <a:spLocks noGrp="1"/>
           </p:cNvSpPr>
@@ -3370,13 +3751,7 @@
       </p:sp>
       <p:sp>
         <p:nvSpPr>
-          <p:cNvPr id="6" name="Espace réservé du pied de page 5">
-            <a:extLst>
-              <a:ext uri="{FF2B5EF4-FFF2-40B4-BE49-F238E27FC236}">
-                <a16:creationId xmlns:a16="http://schemas.microsoft.com/office/drawing/2014/main" id="{B47D61F7-0AB7-4BF8-51B4-B1E67C350E76}"/>
-              </a:ext>
-            </a:extLst>
-          </p:cNvPr>
+          <p:cNvPr id="6" name="Footer Placeholder 5"/>
           <p:cNvSpPr>
             <a:spLocks noGrp="1"/>
           </p:cNvSpPr>
@@ -3395,13 +3770,7 @@
       </p:sp>
       <p:sp>
         <p:nvSpPr>
-          <p:cNvPr id="7" name="Espace réservé du numéro de diapositive 6">
-            <a:extLst>
-              <a:ext uri="{FF2B5EF4-FFF2-40B4-BE49-F238E27FC236}">
-                <a16:creationId xmlns:a16="http://schemas.microsoft.com/office/drawing/2014/main" id="{29D7EAAF-064F-7954-95A8-99065619DFFF}"/>
-              </a:ext>
-            </a:extLst>
-          </p:cNvPr>
+          <p:cNvPr id="7" name="Slide Number Placeholder 6"/>
           <p:cNvSpPr>
             <a:spLocks noGrp="1"/>
           </p:cNvSpPr>
@@ -3425,7 +3794,7 @@
     </p:spTree>
     <p:extLst>
       <p:ext uri="{BB962C8B-B14F-4D97-AF65-F5344CB8AC3E}">
-        <p14:creationId xmlns:p14="http://schemas.microsoft.com/office/powerpoint/2010/main" val="1548704097"/>
+        <p14:creationId xmlns:p14="http://schemas.microsoft.com/office/powerpoint/2010/main" val="3393146952"/>
       </p:ext>
     </p:extLst>
   </p:cSld>
@@ -3459,13 +3828,7 @@
       </p:grpSpPr>
       <p:sp>
         <p:nvSpPr>
-          <p:cNvPr id="2" name="Espace réservé du titre 1">
-            <a:extLst>
-              <a:ext uri="{FF2B5EF4-FFF2-40B4-BE49-F238E27FC236}">
-                <a16:creationId xmlns:a16="http://schemas.microsoft.com/office/drawing/2014/main" id="{AC60CAB6-1E0E-79AD-F113-B0AA60E09E60}"/>
-              </a:ext>
-            </a:extLst>
-          </p:cNvPr>
+          <p:cNvPr id="2" name="Title Placeholder 1"/>
           <p:cNvSpPr>
             <a:spLocks noGrp="1"/>
           </p:cNvSpPr>
@@ -3475,15 +3838,15 @@
         </p:nvSpPr>
         <p:spPr>
           <a:xfrm>
-            <a:off x="838200" y="365125"/>
-            <a:ext cx="10515600" cy="1325563"/>
+            <a:off x="581192" y="705124"/>
+            <a:ext cx="11029616" cy="1189554"/>
           </a:xfrm>
           <a:prstGeom prst="rect">
             <a:avLst/>
           </a:prstGeom>
         </p:spPr>
         <p:txBody>
-          <a:bodyPr vert="horz" lIns="91440" tIns="45720" rIns="91440" bIns="45720" rtlCol="0" anchor="ctr">
+          <a:bodyPr vert="horz" lIns="91440" tIns="45720" rIns="91440" bIns="45720" rtlCol="0" anchor="b">
             <a:normAutofit/>
           </a:bodyPr>
           <a:lstStyle/>
@@ -3492,18 +3855,13 @@
               <a:rPr lang="fr-FR"/>
               <a:t>Modifiez le style du titre</a:t>
             </a:r>
-          </a:p>
-        </p:txBody>
-      </p:sp>
-      <p:sp>
-        <p:nvSpPr>
-          <p:cNvPr id="3" name="Espace réservé du texte 2">
-            <a:extLst>
-              <a:ext uri="{FF2B5EF4-FFF2-40B4-BE49-F238E27FC236}">
-                <a16:creationId xmlns:a16="http://schemas.microsoft.com/office/drawing/2014/main" id="{FC7BFF55-A855-6129-7A3D-8099201C1805}"/>
-              </a:ext>
-            </a:extLst>
-          </p:cNvPr>
+            <a:endParaRPr lang="en-US" dirty="0"/>
+          </a:p>
+        </p:txBody>
+      </p:sp>
+      <p:sp>
+        <p:nvSpPr>
+          <p:cNvPr id="3" name="Text Placeholder 2"/>
           <p:cNvSpPr>
             <a:spLocks noGrp="1"/>
           </p:cNvSpPr>
@@ -3513,15 +3871,15 @@
         </p:nvSpPr>
         <p:spPr>
           <a:xfrm>
-            <a:off x="838200" y="1825625"/>
-            <a:ext cx="10515600" cy="4351338"/>
+            <a:off x="581192" y="2336003"/>
+            <a:ext cx="11029616" cy="3522794"/>
           </a:xfrm>
           <a:prstGeom prst="rect">
             <a:avLst/>
           </a:prstGeom>
         </p:spPr>
         <p:txBody>
-          <a:bodyPr vert="horz" lIns="91440" tIns="45720" rIns="91440" bIns="45720" rtlCol="0">
+          <a:bodyPr vert="horz" lIns="91440" tIns="45720" rIns="91440" bIns="45720" rtlCol="0" anchor="ctr">
             <a:normAutofit/>
           </a:bodyPr>
           <a:lstStyle/>
@@ -3559,18 +3917,13 @@
               <a:rPr lang="fr-FR"/>
               <a:t>Cinquième niveau</a:t>
             </a:r>
-          </a:p>
-        </p:txBody>
-      </p:sp>
-      <p:sp>
-        <p:nvSpPr>
-          <p:cNvPr id="4" name="Espace réservé de la date 3">
-            <a:extLst>
-              <a:ext uri="{FF2B5EF4-FFF2-40B4-BE49-F238E27FC236}">
-                <a16:creationId xmlns:a16="http://schemas.microsoft.com/office/drawing/2014/main" id="{9DD1B540-F7A1-45A9-097A-BBC6EDCF165F}"/>
-              </a:ext>
-            </a:extLst>
-          </p:cNvPr>
+            <a:endParaRPr lang="en-US" dirty="0"/>
+          </a:p>
+        </p:txBody>
+      </p:sp>
+      <p:sp>
+        <p:nvSpPr>
+          <p:cNvPr id="4" name="Date Placeholder 3"/>
           <p:cNvSpPr>
             <a:spLocks noGrp="1"/>
           </p:cNvSpPr>
@@ -3580,8 +3933,8 @@
         </p:nvSpPr>
         <p:spPr>
           <a:xfrm>
-            <a:off x="838200" y="6356350"/>
-            <a:ext cx="2743200" cy="365125"/>
+            <a:off x="7605951" y="5956137"/>
+            <a:ext cx="2844799" cy="365125"/>
           </a:xfrm>
           <a:prstGeom prst="rect">
             <a:avLst/>
@@ -3590,12 +3943,10 @@
         <p:txBody>
           <a:bodyPr vert="horz" lIns="91440" tIns="45720" rIns="91440" bIns="45720" rtlCol="0" anchor="ctr"/>
           <a:lstStyle>
-            <a:lvl1pPr algn="l">
-              <a:defRPr sz="1200">
+            <a:lvl1pPr algn="r">
+              <a:defRPr sz="900">
                 <a:solidFill>
-                  <a:schemeClr val="tx1">
-                    <a:tint val="82000"/>
-                  </a:schemeClr>
+                  <a:schemeClr val="accent2"/>
                 </a:solidFill>
               </a:defRPr>
             </a:lvl1pPr>
@@ -3611,13 +3962,7 @@
       </p:sp>
       <p:sp>
         <p:nvSpPr>
-          <p:cNvPr id="5" name="Espace réservé du pied de page 4">
-            <a:extLst>
-              <a:ext uri="{FF2B5EF4-FFF2-40B4-BE49-F238E27FC236}">
-                <a16:creationId xmlns:a16="http://schemas.microsoft.com/office/drawing/2014/main" id="{13A982A3-E4CE-C7A2-7A54-21F4965058C8}"/>
-              </a:ext>
-            </a:extLst>
-          </p:cNvPr>
+          <p:cNvPr id="5" name="Footer Placeholder 4"/>
           <p:cNvSpPr>
             <a:spLocks noGrp="1"/>
           </p:cNvSpPr>
@@ -3627,8 +3972,8 @@
         </p:nvSpPr>
         <p:spPr>
           <a:xfrm>
-            <a:off x="4038600" y="6356350"/>
-            <a:ext cx="4114800" cy="365125"/>
+            <a:off x="581192" y="5951811"/>
+            <a:ext cx="6917210" cy="365125"/>
           </a:xfrm>
           <a:prstGeom prst="rect">
             <a:avLst/>
@@ -3637,12 +3982,10 @@
         <p:txBody>
           <a:bodyPr vert="horz" lIns="91440" tIns="45720" rIns="91440" bIns="45720" rtlCol="0" anchor="ctr"/>
           <a:lstStyle>
-            <a:lvl1pPr algn="ctr">
-              <a:defRPr sz="1200">
+            <a:lvl1pPr algn="l">
+              <a:defRPr sz="900" cap="all">
                 <a:solidFill>
-                  <a:schemeClr val="tx1">
-                    <a:tint val="82000"/>
-                  </a:schemeClr>
+                  <a:schemeClr val="accent2"/>
                 </a:solidFill>
               </a:defRPr>
             </a:lvl1pPr>
@@ -3654,13 +3997,7 @@
       </p:sp>
       <p:sp>
         <p:nvSpPr>
-          <p:cNvPr id="6" name="Espace réservé du numéro de diapositive 5">
-            <a:extLst>
-              <a:ext uri="{FF2B5EF4-FFF2-40B4-BE49-F238E27FC236}">
-                <a16:creationId xmlns:a16="http://schemas.microsoft.com/office/drawing/2014/main" id="{650C85C0-4753-E304-C570-62E979138C26}"/>
-              </a:ext>
-            </a:extLst>
-          </p:cNvPr>
+          <p:cNvPr id="6" name="Slide Number Placeholder 5"/>
           <p:cNvSpPr>
             <a:spLocks noGrp="1"/>
           </p:cNvSpPr>
@@ -3670,8 +4007,8 @@
         </p:nvSpPr>
         <p:spPr>
           <a:xfrm>
-            <a:off x="8610600" y="6356350"/>
-            <a:ext cx="2743200" cy="365125"/>
+            <a:off x="10558300" y="5956137"/>
+            <a:ext cx="1052510" cy="365125"/>
           </a:xfrm>
           <a:prstGeom prst="rect">
             <a:avLst/>
@@ -3681,11 +4018,9 @@
           <a:bodyPr vert="horz" lIns="91440" tIns="45720" rIns="91440" bIns="45720" rtlCol="0" anchor="ctr"/>
           <a:lstStyle>
             <a:lvl1pPr algn="r">
-              <a:defRPr sz="1200">
+              <a:defRPr sz="900">
                 <a:solidFill>
-                  <a:schemeClr val="tx1">
-                    <a:tint val="82000"/>
-                  </a:schemeClr>
+                  <a:schemeClr val="accent2"/>
                 </a:solidFill>
               </a:defRPr>
             </a:lvl1pPr>
@@ -3699,59 +4034,418 @@
           </a:p>
         </p:txBody>
       </p:sp>
+      <p:sp>
+        <p:nvSpPr>
+          <p:cNvPr id="9" name="Rectangle 8"/>
+          <p:cNvSpPr/>
+          <p:nvPr/>
+        </p:nvSpPr>
+        <p:spPr>
+          <a:xfrm>
+            <a:off x="446534" y="457200"/>
+            <a:ext cx="3703320" cy="94997"/>
+          </a:xfrm>
+          <a:prstGeom prst="rect">
+            <a:avLst/>
+          </a:prstGeom>
+          <a:solidFill>
+            <a:schemeClr val="accent1"/>
+          </a:solidFill>
+          <a:ln>
+            <a:noFill/>
+          </a:ln>
+          <a:effectLst/>
+        </p:spPr>
+        <p:style>
+          <a:lnRef idx="1">
+            <a:schemeClr val="accent1"/>
+          </a:lnRef>
+          <a:fillRef idx="3">
+            <a:schemeClr val="accent1"/>
+          </a:fillRef>
+          <a:effectRef idx="2">
+            <a:schemeClr val="accent1"/>
+          </a:effectRef>
+          <a:fontRef idx="minor">
+            <a:schemeClr val="lt1"/>
+          </a:fontRef>
+        </p:style>
+      </p:sp>
+      <p:sp>
+        <p:nvSpPr>
+          <p:cNvPr id="10" name="Rectangle 9"/>
+          <p:cNvSpPr/>
+          <p:nvPr/>
+        </p:nvSpPr>
+        <p:spPr>
+          <a:xfrm>
+            <a:off x="8042147" y="453643"/>
+            <a:ext cx="3703320" cy="98554"/>
+          </a:xfrm>
+          <a:prstGeom prst="rect">
+            <a:avLst/>
+          </a:prstGeom>
+          <a:solidFill>
+            <a:schemeClr val="accent4"/>
+          </a:solidFill>
+          <a:ln>
+            <a:noFill/>
+          </a:ln>
+          <a:effectLst/>
+        </p:spPr>
+        <p:style>
+          <a:lnRef idx="1">
+            <a:schemeClr val="accent1"/>
+          </a:lnRef>
+          <a:fillRef idx="3">
+            <a:schemeClr val="accent1"/>
+          </a:fillRef>
+          <a:effectRef idx="2">
+            <a:schemeClr val="accent1"/>
+          </a:effectRef>
+          <a:fontRef idx="minor">
+            <a:schemeClr val="lt1"/>
+          </a:fontRef>
+        </p:style>
+      </p:sp>
+      <p:sp>
+        <p:nvSpPr>
+          <p:cNvPr id="11" name="Rectangle 10"/>
+          <p:cNvSpPr/>
+          <p:nvPr/>
+        </p:nvSpPr>
+        <p:spPr>
+          <a:xfrm>
+            <a:off x="4241830" y="457200"/>
+            <a:ext cx="3703320" cy="91440"/>
+          </a:xfrm>
+          <a:prstGeom prst="rect">
+            <a:avLst/>
+          </a:prstGeom>
+          <a:solidFill>
+            <a:schemeClr val="accent2"/>
+          </a:solidFill>
+          <a:ln>
+            <a:noFill/>
+          </a:ln>
+          <a:effectLst/>
+        </p:spPr>
+        <p:style>
+          <a:lnRef idx="1">
+            <a:schemeClr val="accent1"/>
+          </a:lnRef>
+          <a:fillRef idx="3">
+            <a:schemeClr val="accent1"/>
+          </a:fillRef>
+          <a:effectRef idx="2">
+            <a:schemeClr val="accent1"/>
+          </a:effectRef>
+          <a:fontRef idx="minor">
+            <a:schemeClr val="lt1"/>
+          </a:fontRef>
+        </p:style>
+      </p:sp>
     </p:spTree>
     <p:extLst>
       <p:ext uri="{BB962C8B-B14F-4D97-AF65-F5344CB8AC3E}">
-        <p14:creationId xmlns:p14="http://schemas.microsoft.com/office/powerpoint/2010/main" val="1830657633"/>
+        <p14:creationId xmlns:p14="http://schemas.microsoft.com/office/powerpoint/2010/main" val="533093109"/>
       </p:ext>
     </p:extLst>
   </p:cSld>
   <p:clrMap bg1="lt1" tx1="dk1" bg2="lt2" tx2="dk2" accent1="accent1" accent2="accent2" accent3="accent3" accent4="accent4" accent5="accent5" accent6="accent6" hlink="hlink" folHlink="folHlink"/>
   <p:sldLayoutIdLst>
-    <p:sldLayoutId id="2147483649" r:id="rId1"/>
-    <p:sldLayoutId id="2147483650" r:id="rId2"/>
-    <p:sldLayoutId id="2147483651" r:id="rId3"/>
-    <p:sldLayoutId id="2147483652" r:id="rId4"/>
-    <p:sldLayoutId id="2147483653" r:id="rId5"/>
-    <p:sldLayoutId id="2147483654" r:id="rId6"/>
-    <p:sldLayoutId id="2147483655" r:id="rId7"/>
-    <p:sldLayoutId id="2147483656" r:id="rId8"/>
-    <p:sldLayoutId id="2147483657" r:id="rId9"/>
-    <p:sldLayoutId id="2147483658" r:id="rId10"/>
-    <p:sldLayoutId id="2147483659" r:id="rId11"/>
+    <p:sldLayoutId id="2147483709" r:id="rId1"/>
+    <p:sldLayoutId id="2147483710" r:id="rId2"/>
+    <p:sldLayoutId id="2147483711" r:id="rId3"/>
+    <p:sldLayoutId id="2147483712" r:id="rId4"/>
+    <p:sldLayoutId id="2147483713" r:id="rId5"/>
+    <p:sldLayoutId id="2147483714" r:id="rId6"/>
+    <p:sldLayoutId id="2147483715" r:id="rId7"/>
+    <p:sldLayoutId id="2147483716" r:id="rId8"/>
+    <p:sldLayoutId id="2147483717" r:id="rId9"/>
+    <p:sldLayoutId id="2147483718" r:id="rId10"/>
+    <p:sldLayoutId id="2147483719" r:id="rId11"/>
   </p:sldLayoutIdLst>
   <p:hf hdr="0" ftr="0"/>
   <p:txStyles>
     <p:titleStyle>
-      <a:lvl1pPr algn="l" defTabSz="914400" rtl="0" eaLnBrk="1" latinLnBrk="0" hangingPunct="1">
-        <a:lnSpc>
-          <a:spcPct val="90000"/>
-        </a:lnSpc>
+      <a:lvl1pPr algn="l" defTabSz="457200" rtl="0" eaLnBrk="1" latinLnBrk="0" hangingPunct="1">
         <a:spcBef>
           <a:spcPct val="0"/>
         </a:spcBef>
         <a:buNone/>
-        <a:defRPr sz="4400" kern="1200">
+        <a:defRPr sz="2800" b="0" kern="1200" cap="all">
           <a:solidFill>
-            <a:schemeClr val="tx1"/>
+            <a:schemeClr val="bg1"/>
           </a:solidFill>
           <a:latin typeface="+mj-lt"/>
           <a:ea typeface="+mj-ea"/>
           <a:cs typeface="+mj-cs"/>
         </a:defRPr>
       </a:lvl1pPr>
+      <a:lvl2pPr eaLnBrk="1" hangingPunct="1">
+        <a:defRPr>
+          <a:solidFill>
+            <a:schemeClr val="tx2"/>
+          </a:solidFill>
+        </a:defRPr>
+      </a:lvl2pPr>
+      <a:lvl3pPr eaLnBrk="1" hangingPunct="1">
+        <a:defRPr>
+          <a:solidFill>
+            <a:schemeClr val="tx2"/>
+          </a:solidFill>
+        </a:defRPr>
+      </a:lvl3pPr>
+      <a:lvl4pPr eaLnBrk="1" hangingPunct="1">
+        <a:defRPr>
+          <a:solidFill>
+            <a:schemeClr val="tx2"/>
+          </a:solidFill>
+        </a:defRPr>
+      </a:lvl4pPr>
+      <a:lvl5pPr eaLnBrk="1" hangingPunct="1">
+        <a:defRPr>
+          <a:solidFill>
+            <a:schemeClr val="tx2"/>
+          </a:solidFill>
+        </a:defRPr>
+      </a:lvl5pPr>
+      <a:lvl6pPr eaLnBrk="1" hangingPunct="1">
+        <a:defRPr>
+          <a:solidFill>
+            <a:schemeClr val="tx2"/>
+          </a:solidFill>
+        </a:defRPr>
+      </a:lvl6pPr>
+      <a:lvl7pPr eaLnBrk="1" hangingPunct="1">
+        <a:defRPr>
+          <a:solidFill>
+            <a:schemeClr val="tx2"/>
+          </a:solidFill>
+        </a:defRPr>
+      </a:lvl7pPr>
+      <a:lvl8pPr eaLnBrk="1" hangingPunct="1">
+        <a:defRPr>
+          <a:solidFill>
+            <a:schemeClr val="tx2"/>
+          </a:solidFill>
+        </a:defRPr>
+      </a:lvl8pPr>
+      <a:lvl9pPr eaLnBrk="1" hangingPunct="1">
+        <a:defRPr>
+          <a:solidFill>
+            <a:schemeClr val="tx2"/>
+          </a:solidFill>
+        </a:defRPr>
+      </a:lvl9pPr>
     </p:titleStyle>
     <p:bodyStyle>
-      <a:lvl1pPr marL="228600" indent="-228600" algn="l" defTabSz="914400" rtl="0" eaLnBrk="1" latinLnBrk="0" hangingPunct="1">
-        <a:lnSpc>
-          <a:spcPct val="90000"/>
-        </a:lnSpc>
+      <a:lvl1pPr marL="306000" indent="-306000" algn="l" defTabSz="457200" rtl="0" eaLnBrk="1" latinLnBrk="0" hangingPunct="1">
         <a:spcBef>
-          <a:spcPts val="1000"/>
+          <a:spcPct val="20000"/>
         </a:spcBef>
-        <a:buFont typeface="Arial" panose="020B0604020202020204" pitchFamily="34" charset="0"/>
-        <a:buChar char="•"/>
-        <a:defRPr sz="2800" kern="1200">
+        <a:spcAft>
+          <a:spcPts val="600"/>
+        </a:spcAft>
+        <a:buClr>
+          <a:schemeClr val="accent2"/>
+        </a:buClr>
+        <a:buSzPct val="92000"/>
+        <a:buFont typeface="Wingdings 2" panose="05020102010507070707" pitchFamily="18" charset="2"/>
+        <a:buChar char=""/>
+        <a:defRPr sz="1800" kern="1200">
+          <a:solidFill>
+            <a:schemeClr val="tx2"/>
+          </a:solidFill>
+          <a:latin typeface="+mn-lt"/>
+          <a:ea typeface="+mn-ea"/>
+          <a:cs typeface="+mn-cs"/>
+        </a:defRPr>
+      </a:lvl1pPr>
+      <a:lvl2pPr marL="630000" indent="-306000" algn="l" defTabSz="457200" rtl="0" eaLnBrk="1" latinLnBrk="0" hangingPunct="1">
+        <a:spcBef>
+          <a:spcPct val="20000"/>
+        </a:spcBef>
+        <a:spcAft>
+          <a:spcPts val="600"/>
+        </a:spcAft>
+        <a:buClr>
+          <a:schemeClr val="accent2"/>
+        </a:buClr>
+        <a:buSzPct val="92000"/>
+        <a:buFont typeface="Wingdings 2" panose="05020102010507070707" pitchFamily="18" charset="2"/>
+        <a:buChar char=""/>
+        <a:defRPr sz="1600" kern="1200">
+          <a:solidFill>
+            <a:schemeClr val="tx2"/>
+          </a:solidFill>
+          <a:latin typeface="+mn-lt"/>
+          <a:ea typeface="+mn-ea"/>
+          <a:cs typeface="+mn-cs"/>
+        </a:defRPr>
+      </a:lvl2pPr>
+      <a:lvl3pPr marL="900000" indent="-270000" algn="l" defTabSz="457200" rtl="0" eaLnBrk="1" latinLnBrk="0" hangingPunct="1">
+        <a:spcBef>
+          <a:spcPct val="20000"/>
+        </a:spcBef>
+        <a:spcAft>
+          <a:spcPts val="600"/>
+        </a:spcAft>
+        <a:buClr>
+          <a:schemeClr val="accent2"/>
+        </a:buClr>
+        <a:buSzPct val="92000"/>
+        <a:buFont typeface="Wingdings 2" panose="05020102010507070707" pitchFamily="18" charset="2"/>
+        <a:buChar char=""/>
+        <a:defRPr sz="1400" kern="1200">
+          <a:solidFill>
+            <a:schemeClr val="tx2"/>
+          </a:solidFill>
+          <a:latin typeface="+mn-lt"/>
+          <a:ea typeface="+mn-ea"/>
+          <a:cs typeface="+mn-cs"/>
+        </a:defRPr>
+      </a:lvl3pPr>
+      <a:lvl4pPr marL="1242000" indent="-234000" algn="l" defTabSz="457200" rtl="0" eaLnBrk="1" latinLnBrk="0" hangingPunct="1">
+        <a:spcBef>
+          <a:spcPct val="20000"/>
+        </a:spcBef>
+        <a:spcAft>
+          <a:spcPts val="600"/>
+        </a:spcAft>
+        <a:buClr>
+          <a:schemeClr val="accent2"/>
+        </a:buClr>
+        <a:buSzPct val="92000"/>
+        <a:buFont typeface="Wingdings 2" panose="05020102010507070707" pitchFamily="18" charset="2"/>
+        <a:buChar char=""/>
+        <a:defRPr sz="1200" kern="1200">
+          <a:solidFill>
+            <a:schemeClr val="tx2"/>
+          </a:solidFill>
+          <a:latin typeface="+mn-lt"/>
+          <a:ea typeface="+mn-ea"/>
+          <a:cs typeface="+mn-cs"/>
+        </a:defRPr>
+      </a:lvl4pPr>
+      <a:lvl5pPr marL="1602000" indent="-234000" algn="l" defTabSz="457200" rtl="0" eaLnBrk="1" latinLnBrk="0" hangingPunct="1">
+        <a:spcBef>
+          <a:spcPct val="20000"/>
+        </a:spcBef>
+        <a:spcAft>
+          <a:spcPts val="600"/>
+        </a:spcAft>
+        <a:buClr>
+          <a:schemeClr val="accent2"/>
+        </a:buClr>
+        <a:buSzPct val="92000"/>
+        <a:buFont typeface="Wingdings 2" panose="05020102010507070707" pitchFamily="18" charset="2"/>
+        <a:buChar char=""/>
+        <a:defRPr sz="1200" kern="1200">
+          <a:solidFill>
+            <a:schemeClr val="tx2"/>
+          </a:solidFill>
+          <a:latin typeface="+mn-lt"/>
+          <a:ea typeface="+mn-ea"/>
+          <a:cs typeface="+mn-cs"/>
+        </a:defRPr>
+      </a:lvl5pPr>
+      <a:lvl6pPr marL="1900000" indent="-228600" algn="l" defTabSz="457200" rtl="0" eaLnBrk="1" latinLnBrk="0" hangingPunct="1">
+        <a:spcBef>
+          <a:spcPct val="20000"/>
+        </a:spcBef>
+        <a:spcAft>
+          <a:spcPts val="600"/>
+        </a:spcAft>
+        <a:buClr>
+          <a:schemeClr val="accent2"/>
+        </a:buClr>
+        <a:buSzPct val="92000"/>
+        <a:buFont typeface="Wingdings 2" panose="05020102010507070707" pitchFamily="18" charset="2"/>
+        <a:buChar char=""/>
+        <a:defRPr sz="1200" kern="1200">
+          <a:solidFill>
+            <a:schemeClr val="tx2"/>
+          </a:solidFill>
+          <a:latin typeface="+mn-lt"/>
+          <a:ea typeface="+mn-ea"/>
+          <a:cs typeface="+mn-cs"/>
+        </a:defRPr>
+      </a:lvl6pPr>
+      <a:lvl7pPr marL="2200000" indent="-228600" algn="l" defTabSz="457200" rtl="0" eaLnBrk="1" latinLnBrk="0" hangingPunct="1">
+        <a:spcBef>
+          <a:spcPct val="20000"/>
+        </a:spcBef>
+        <a:spcAft>
+          <a:spcPts val="600"/>
+        </a:spcAft>
+        <a:buClr>
+          <a:schemeClr val="accent2"/>
+        </a:buClr>
+        <a:buSzPct val="92000"/>
+        <a:buFont typeface="Wingdings 2" panose="05020102010507070707" pitchFamily="18" charset="2"/>
+        <a:buChar char=""/>
+        <a:defRPr sz="1200" kern="1200">
+          <a:solidFill>
+            <a:schemeClr val="tx2"/>
+          </a:solidFill>
+          <a:latin typeface="+mn-lt"/>
+          <a:ea typeface="+mn-ea"/>
+          <a:cs typeface="+mn-cs"/>
+        </a:defRPr>
+      </a:lvl7pPr>
+      <a:lvl8pPr marL="2500000" indent="-228600" algn="l" defTabSz="457200" rtl="0" eaLnBrk="1" latinLnBrk="0" hangingPunct="1">
+        <a:spcBef>
+          <a:spcPct val="20000"/>
+        </a:spcBef>
+        <a:spcAft>
+          <a:spcPts val="600"/>
+        </a:spcAft>
+        <a:buClr>
+          <a:schemeClr val="accent2"/>
+        </a:buClr>
+        <a:buSzPct val="92000"/>
+        <a:buFont typeface="Wingdings 2" panose="05020102010507070707" pitchFamily="18" charset="2"/>
+        <a:buChar char=""/>
+        <a:defRPr sz="1200" kern="1200">
+          <a:solidFill>
+            <a:schemeClr val="tx2"/>
+          </a:solidFill>
+          <a:latin typeface="+mn-lt"/>
+          <a:ea typeface="+mn-ea"/>
+          <a:cs typeface="+mn-cs"/>
+        </a:defRPr>
+      </a:lvl8pPr>
+      <a:lvl9pPr marL="2800000" indent="-228600" algn="l" defTabSz="457200" rtl="0" eaLnBrk="1" latinLnBrk="0" hangingPunct="1">
+        <a:spcBef>
+          <a:spcPct val="20000"/>
+        </a:spcBef>
+        <a:spcAft>
+          <a:spcPts val="600"/>
+        </a:spcAft>
+        <a:buClr>
+          <a:schemeClr val="accent2"/>
+        </a:buClr>
+        <a:buSzPct val="92000"/>
+        <a:buFont typeface="Wingdings 2" panose="05020102010507070707" pitchFamily="18" charset="2"/>
+        <a:buChar char=""/>
+        <a:defRPr sz="1200" kern="1200">
+          <a:solidFill>
+            <a:schemeClr val="tx2"/>
+          </a:solidFill>
+          <a:latin typeface="+mn-lt"/>
+          <a:ea typeface="+mn-ea"/>
+          <a:cs typeface="+mn-cs"/>
+        </a:defRPr>
+      </a:lvl9pPr>
+    </p:bodyStyle>
+    <p:otherStyle>
+      <a:defPPr>
+        <a:defRPr lang="en-US"/>
+      </a:defPPr>
+      <a:lvl1pPr marL="0" algn="l" defTabSz="457200" rtl="0" eaLnBrk="1" latinLnBrk="0" hangingPunct="1">
+        <a:defRPr sz="1800" kern="1200">
           <a:solidFill>
             <a:schemeClr val="tx1"/>
           </a:solidFill>
@@ -3760,16 +4454,8 @@
           <a:cs typeface="+mn-cs"/>
         </a:defRPr>
       </a:lvl1pPr>
-      <a:lvl2pPr marL="685800" indent="-228600" algn="l" defTabSz="914400" rtl="0" eaLnBrk="1" latinLnBrk="0" hangingPunct="1">
-        <a:lnSpc>
-          <a:spcPct val="90000"/>
-        </a:lnSpc>
-        <a:spcBef>
-          <a:spcPts val="500"/>
-        </a:spcBef>
-        <a:buFont typeface="Arial" panose="020B0604020202020204" pitchFamily="34" charset="0"/>
-        <a:buChar char="•"/>
-        <a:defRPr sz="2400" kern="1200">
+      <a:lvl2pPr marL="457200" algn="l" defTabSz="457200" rtl="0" eaLnBrk="1" latinLnBrk="0" hangingPunct="1">
+        <a:defRPr sz="1800" kern="1200">
           <a:solidFill>
             <a:schemeClr val="tx1"/>
           </a:solidFill>
@@ -3778,16 +4464,8 @@
           <a:cs typeface="+mn-cs"/>
         </a:defRPr>
       </a:lvl2pPr>
-      <a:lvl3pPr marL="1143000" indent="-228600" algn="l" defTabSz="914400" rtl="0" eaLnBrk="1" latinLnBrk="0" hangingPunct="1">
-        <a:lnSpc>
-          <a:spcPct val="90000"/>
-        </a:lnSpc>
-        <a:spcBef>
-          <a:spcPts val="500"/>
-        </a:spcBef>
-        <a:buFont typeface="Arial" panose="020B0604020202020204" pitchFamily="34" charset="0"/>
-        <a:buChar char="•"/>
-        <a:defRPr sz="2000" kern="1200">
+      <a:lvl3pPr marL="914400" algn="l" defTabSz="457200" rtl="0" eaLnBrk="1" latinLnBrk="0" hangingPunct="1">
+        <a:defRPr sz="1800" kern="1200">
           <a:solidFill>
             <a:schemeClr val="tx1"/>
           </a:solidFill>
@@ -3796,15 +4474,7 @@
           <a:cs typeface="+mn-cs"/>
         </a:defRPr>
       </a:lvl3pPr>
-      <a:lvl4pPr marL="1600200" indent="-228600" algn="l" defTabSz="914400" rtl="0" eaLnBrk="1" latinLnBrk="0" hangingPunct="1">
-        <a:lnSpc>
-          <a:spcPct val="90000"/>
-        </a:lnSpc>
-        <a:spcBef>
-          <a:spcPts val="500"/>
-        </a:spcBef>
-        <a:buFont typeface="Arial" panose="020B0604020202020204" pitchFamily="34" charset="0"/>
-        <a:buChar char="•"/>
+      <a:lvl4pPr marL="1371600" algn="l" defTabSz="457200" rtl="0" eaLnBrk="1" latinLnBrk="0" hangingPunct="1">
         <a:defRPr sz="1800" kern="1200">
           <a:solidFill>
             <a:schemeClr val="tx1"/>
@@ -3814,15 +4484,7 @@
           <a:cs typeface="+mn-cs"/>
         </a:defRPr>
       </a:lvl4pPr>
-      <a:lvl5pPr marL="2057400" indent="-228600" algn="l" defTabSz="914400" rtl="0" eaLnBrk="1" latinLnBrk="0" hangingPunct="1">
-        <a:lnSpc>
-          <a:spcPct val="90000"/>
-        </a:lnSpc>
-        <a:spcBef>
-          <a:spcPts val="500"/>
-        </a:spcBef>
-        <a:buFont typeface="Arial" panose="020B0604020202020204" pitchFamily="34" charset="0"/>
-        <a:buChar char="•"/>
+      <a:lvl5pPr marL="1828800" algn="l" defTabSz="457200" rtl="0" eaLnBrk="1" latinLnBrk="0" hangingPunct="1">
         <a:defRPr sz="1800" kern="1200">
           <a:solidFill>
             <a:schemeClr val="tx1"/>
@@ -3832,15 +4494,7 @@
           <a:cs typeface="+mn-cs"/>
         </a:defRPr>
       </a:lvl5pPr>
-      <a:lvl6pPr marL="2514600" indent="-228600" algn="l" defTabSz="914400" rtl="0" eaLnBrk="1" latinLnBrk="0" hangingPunct="1">
-        <a:lnSpc>
-          <a:spcPct val="90000"/>
-        </a:lnSpc>
-        <a:spcBef>
-          <a:spcPts val="500"/>
-        </a:spcBef>
-        <a:buFont typeface="Arial" panose="020B0604020202020204" pitchFamily="34" charset="0"/>
-        <a:buChar char="•"/>
+      <a:lvl6pPr marL="2286000" algn="l" defTabSz="457200" rtl="0" eaLnBrk="1" latinLnBrk="0" hangingPunct="1">
         <a:defRPr sz="1800" kern="1200">
           <a:solidFill>
             <a:schemeClr val="tx1"/>
@@ -3850,15 +4504,7 @@
           <a:cs typeface="+mn-cs"/>
         </a:defRPr>
       </a:lvl6pPr>
-      <a:lvl7pPr marL="2971800" indent="-228600" algn="l" defTabSz="914400" rtl="0" eaLnBrk="1" latinLnBrk="0" hangingPunct="1">
-        <a:lnSpc>
-          <a:spcPct val="90000"/>
-        </a:lnSpc>
-        <a:spcBef>
-          <a:spcPts val="500"/>
-        </a:spcBef>
-        <a:buFont typeface="Arial" panose="020B0604020202020204" pitchFamily="34" charset="0"/>
-        <a:buChar char="•"/>
+      <a:lvl7pPr marL="2743200" algn="l" defTabSz="457200" rtl="0" eaLnBrk="1" latinLnBrk="0" hangingPunct="1">
         <a:defRPr sz="1800" kern="1200">
           <a:solidFill>
             <a:schemeClr val="tx1"/>
@@ -3868,15 +4514,7 @@
           <a:cs typeface="+mn-cs"/>
         </a:defRPr>
       </a:lvl7pPr>
-      <a:lvl8pPr marL="3429000" indent="-228600" algn="l" defTabSz="914400" rtl="0" eaLnBrk="1" latinLnBrk="0" hangingPunct="1">
-        <a:lnSpc>
-          <a:spcPct val="90000"/>
-        </a:lnSpc>
-        <a:spcBef>
-          <a:spcPts val="500"/>
-        </a:spcBef>
-        <a:buFont typeface="Arial" panose="020B0604020202020204" pitchFamily="34" charset="0"/>
-        <a:buChar char="•"/>
+      <a:lvl8pPr marL="3200400" algn="l" defTabSz="457200" rtl="0" eaLnBrk="1" latinLnBrk="0" hangingPunct="1">
         <a:defRPr sz="1800" kern="1200">
           <a:solidFill>
             <a:schemeClr val="tx1"/>
@@ -3886,110 +4524,7 @@
           <a:cs typeface="+mn-cs"/>
         </a:defRPr>
       </a:lvl8pPr>
-      <a:lvl9pPr marL="3886200" indent="-228600" algn="l" defTabSz="914400" rtl="0" eaLnBrk="1" latinLnBrk="0" hangingPunct="1">
-        <a:lnSpc>
-          <a:spcPct val="90000"/>
-        </a:lnSpc>
-        <a:spcBef>
-          <a:spcPts val="500"/>
-        </a:spcBef>
-        <a:buFont typeface="Arial" panose="020B0604020202020204" pitchFamily="34" charset="0"/>
-        <a:buChar char="•"/>
-        <a:defRPr sz="1800" kern="1200">
-          <a:solidFill>
-            <a:schemeClr val="tx1"/>
-          </a:solidFill>
-          <a:latin typeface="+mn-lt"/>
-          <a:ea typeface="+mn-ea"/>
-          <a:cs typeface="+mn-cs"/>
-        </a:defRPr>
-      </a:lvl9pPr>
-    </p:bodyStyle>
-    <p:otherStyle>
-      <a:defPPr>
-        <a:defRPr lang="fr-FR"/>
-      </a:defPPr>
-      <a:lvl1pPr marL="0" algn="l" defTabSz="914400" rtl="0" eaLnBrk="1" latinLnBrk="0" hangingPunct="1">
-        <a:defRPr sz="1800" kern="1200">
-          <a:solidFill>
-            <a:schemeClr val="tx1"/>
-          </a:solidFill>
-          <a:latin typeface="+mn-lt"/>
-          <a:ea typeface="+mn-ea"/>
-          <a:cs typeface="+mn-cs"/>
-        </a:defRPr>
-      </a:lvl1pPr>
-      <a:lvl2pPr marL="457200" algn="l" defTabSz="914400" rtl="0" eaLnBrk="1" latinLnBrk="0" hangingPunct="1">
-        <a:defRPr sz="1800" kern="1200">
-          <a:solidFill>
-            <a:schemeClr val="tx1"/>
-          </a:solidFill>
-          <a:latin typeface="+mn-lt"/>
-          <a:ea typeface="+mn-ea"/>
-          <a:cs typeface="+mn-cs"/>
-        </a:defRPr>
-      </a:lvl2pPr>
-      <a:lvl3pPr marL="914400" algn="l" defTabSz="914400" rtl="0" eaLnBrk="1" latinLnBrk="0" hangingPunct="1">
-        <a:defRPr sz="1800" kern="1200">
-          <a:solidFill>
-            <a:schemeClr val="tx1"/>
-          </a:solidFill>
-          <a:latin typeface="+mn-lt"/>
-          <a:ea typeface="+mn-ea"/>
-          <a:cs typeface="+mn-cs"/>
-        </a:defRPr>
-      </a:lvl3pPr>
-      <a:lvl4pPr marL="1371600" algn="l" defTabSz="914400" rtl="0" eaLnBrk="1" latinLnBrk="0" hangingPunct="1">
-        <a:defRPr sz="1800" kern="1200">
-          <a:solidFill>
-            <a:schemeClr val="tx1"/>
-          </a:solidFill>
-          <a:latin typeface="+mn-lt"/>
-          <a:ea typeface="+mn-ea"/>
-          <a:cs typeface="+mn-cs"/>
-        </a:defRPr>
-      </a:lvl4pPr>
-      <a:lvl5pPr marL="1828800" algn="l" defTabSz="914400" rtl="0" eaLnBrk="1" latinLnBrk="0" hangingPunct="1">
-        <a:defRPr sz="1800" kern="1200">
-          <a:solidFill>
-            <a:schemeClr val="tx1"/>
-          </a:solidFill>
-          <a:latin typeface="+mn-lt"/>
-          <a:ea typeface="+mn-ea"/>
-          <a:cs typeface="+mn-cs"/>
-        </a:defRPr>
-      </a:lvl5pPr>
-      <a:lvl6pPr marL="2286000" algn="l" defTabSz="914400" rtl="0" eaLnBrk="1" latinLnBrk="0" hangingPunct="1">
-        <a:defRPr sz="1800" kern="1200">
-          <a:solidFill>
-            <a:schemeClr val="tx1"/>
-          </a:solidFill>
-          <a:latin typeface="+mn-lt"/>
-          <a:ea typeface="+mn-ea"/>
-          <a:cs typeface="+mn-cs"/>
-        </a:defRPr>
-      </a:lvl6pPr>
-      <a:lvl7pPr marL="2743200" algn="l" defTabSz="914400" rtl="0" eaLnBrk="1" latinLnBrk="0" hangingPunct="1">
-        <a:defRPr sz="1800" kern="1200">
-          <a:solidFill>
-            <a:schemeClr val="tx1"/>
-          </a:solidFill>
-          <a:latin typeface="+mn-lt"/>
-          <a:ea typeface="+mn-ea"/>
-          <a:cs typeface="+mn-cs"/>
-        </a:defRPr>
-      </a:lvl7pPr>
-      <a:lvl8pPr marL="3200400" algn="l" defTabSz="914400" rtl="0" eaLnBrk="1" latinLnBrk="0" hangingPunct="1">
-        <a:defRPr sz="1800" kern="1200">
-          <a:solidFill>
-            <a:schemeClr val="tx1"/>
-          </a:solidFill>
-          <a:latin typeface="+mn-lt"/>
-          <a:ea typeface="+mn-ea"/>
-          <a:cs typeface="+mn-cs"/>
-        </a:defRPr>
-      </a:lvl8pPr>
-      <a:lvl9pPr marL="3657600" algn="l" defTabSz="914400" rtl="0" eaLnBrk="1" latinLnBrk="0" hangingPunct="1">
+      <a:lvl9pPr marL="3657600" algn="l" defTabSz="457200" rtl="0" eaLnBrk="1" latinLnBrk="0" hangingPunct="1">
         <a:defRPr sz="1800" kern="1200">
           <a:solidFill>
             <a:schemeClr val="tx1"/>
@@ -4043,6 +4578,10 @@
           <a:lstStyle/>
           <a:p>
             <a:r>
+              <a:rPr lang="fr-FR" b="1" dirty="0"/>
+              <a:t>                              </a:t>
+            </a:r>
+            <a:r>
               <a:rPr lang="fr-FR" b="1" dirty="0" err="1"/>
               <a:t>MétéoScope</a:t>
             </a:r>
@@ -4074,12 +4613,16 @@
         </p:spPr>
         <p:txBody>
           <a:bodyPr>
-            <a:normAutofit fontScale="92500" lnSpcReduction="10000"/>
+            <a:normAutofit/>
           </a:bodyPr>
           <a:lstStyle/>
           <a:p>
             <a:r>
-              <a:rPr lang="fr-FR" dirty="0"/>
+              <a:rPr lang="fr-FR" dirty="0">
+                <a:solidFill>
+                  <a:schemeClr val="tx1"/>
+                </a:solidFill>
+              </a:rPr>
               <a:t>Projet Météo pour les Transports en Commun</a:t>
             </a:r>
           </a:p>
@@ -4088,7 +4631,11 @@
           </a:p>
           <a:p>
             <a:r>
-              <a:rPr lang="fr-FR" dirty="0"/>
+              <a:rPr lang="fr-FR" sz="2600" b="1" dirty="0">
+                <a:solidFill>
+                  <a:schemeClr val="bg1"/>
+                </a:solidFill>
+              </a:rPr>
               <a:t>Ugur ALTAS</a:t>
             </a:r>
           </a:p>
@@ -4167,7 +4714,9 @@
         </p:nvSpPr>
         <p:spPr/>
         <p:txBody>
-          <a:bodyPr/>
+          <a:bodyPr>
+            <a:normAutofit/>
+          </a:bodyPr>
           <a:lstStyle/>
           <a:p>
             <a:r>
@@ -4193,12 +4742,7 @@
             <p:ph idx="1"/>
           </p:nvPr>
         </p:nvSpPr>
-        <p:spPr>
-          <a:xfrm>
-            <a:off x="838200" y="1825625"/>
-            <a:ext cx="10515600" cy="4351338"/>
-          </a:xfrm>
-        </p:spPr>
+        <p:spPr/>
         <p:txBody>
           <a:bodyPr>
             <a:normAutofit/>
@@ -4346,82 +4890,6 @@
           <a:chExt cx="0" cy="0"/>
         </a:xfrm>
       </p:grpSpPr>
-      <p:sp useBgFill="1">
-        <p:nvSpPr>
-          <p:cNvPr id="14" name="Rectangle 13">
-            <a:extLst>
-              <a:ext uri="{FF2B5EF4-FFF2-40B4-BE49-F238E27FC236}">
-                <a16:creationId xmlns:a16="http://schemas.microsoft.com/office/drawing/2014/main" id="{BF8BE9A2-8956-141B-BFE6-C607C93D8ACA}"/>
-              </a:ext>
-              <a:ext uri="{C183D7F6-B498-43B3-948B-1728B52AA6E4}">
-                <adec:decorative xmlns:adec="http://schemas.microsoft.com/office/drawing/2017/decorative" val="1"/>
-              </a:ext>
-            </a:extLst>
-          </p:cNvPr>
-          <p:cNvSpPr>
-            <a:spLocks noGrp="1" noRot="1" noChangeAspect="1" noMove="1" noResize="1" noEditPoints="1" noAdjustHandles="1" noChangeArrowheads="1" noChangeShapeType="1" noTextEdit="1"/>
-          </p:cNvSpPr>
-          <p:nvPr>
-            <p:extLst>
-              <p:ext uri="{386F3935-93C4-4BCD-93E2-E3B085C9AB24}">
-                <p16:designElem xmlns:p16="http://schemas.microsoft.com/office/powerpoint/2015/main" val="1"/>
-              </p:ext>
-            </p:extLst>
-          </p:nvPr>
-        </p:nvSpPr>
-        <p:spPr>
-          <a:xfrm>
-            <a:off x="0" y="0"/>
-            <a:ext cx="12192000" cy="6858000"/>
-          </a:xfrm>
-          <a:prstGeom prst="rect">
-            <a:avLst/>
-          </a:prstGeom>
-          <a:ln w="12700" cap="flat" cmpd="sng" algn="ctr">
-            <a:noFill/>
-            <a:prstDash val="solid"/>
-            <a:miter lim="800000"/>
-          </a:ln>
-          <a:effectLst/>
-          <a:extLst>
-            <a:ext uri="{91240B29-F687-4F45-9708-019B960494DF}">
-              <a14:hiddenLine xmlns:a14="http://schemas.microsoft.com/office/drawing/2010/main" w="12700" cap="flat" cmpd="sng" algn="ctr">
-                <a:solidFill>
-                  <a:schemeClr val="accent1">
-                    <a:shade val="15000"/>
-                  </a:schemeClr>
-                </a:solidFill>
-                <a:prstDash val="solid"/>
-                <a:miter lim="800000"/>
-              </a14:hiddenLine>
-            </a:ext>
-          </a:extLst>
-        </p:spPr>
-        <p:style>
-          <a:lnRef idx="2">
-            <a:schemeClr val="accent1">
-              <a:shade val="15000"/>
-            </a:schemeClr>
-          </a:lnRef>
-          <a:fillRef idx="1">
-            <a:schemeClr val="accent1"/>
-          </a:fillRef>
-          <a:effectRef idx="0">
-            <a:schemeClr val="accent1"/>
-          </a:effectRef>
-          <a:fontRef idx="minor">
-            <a:schemeClr val="lt1"/>
-          </a:fontRef>
-        </p:style>
-        <p:txBody>
-          <a:bodyPr rtlCol="0" anchor="ctr"/>
-          <a:lstStyle/>
-          <a:p>
-            <a:pPr algn="ctr"/>
-            <a:endParaRPr lang="en-US"/>
-          </a:p>
-        </p:txBody>
-      </p:sp>
       <p:sp>
         <p:nvSpPr>
           <p:cNvPr id="2" name="Titre 1">
@@ -4451,13 +4919,213 @@
           <a:lstStyle/>
           <a:p>
             <a:r>
-              <a:rPr lang="fr-FR" b="1"/>
-              <a:t>Questions</a:t>
-            </a:r>
-            <a:r>
-              <a:rPr lang="fr-FR"/>
-              <a:t> ?</a:t>
-            </a:r>
+              <a:rPr lang="fr-FR" b="1" dirty="0">
+                <a:solidFill>
+                  <a:srgbClr val="002060"/>
+                </a:solidFill>
+              </a:rPr>
+              <a:t>Questions ?</a:t>
+            </a:r>
+            <a:endParaRPr lang="fr-FR" dirty="0"/>
+          </a:p>
+        </p:txBody>
+      </p:sp>
+      <p:sp>
+        <p:nvSpPr>
+          <p:cNvPr id="3" name="Espace réservé du contenu 2">
+            <a:extLst>
+              <a:ext uri="{FF2B5EF4-FFF2-40B4-BE49-F238E27FC236}">
+                <a16:creationId xmlns:a16="http://schemas.microsoft.com/office/drawing/2014/main" id="{239306A8-AD1E-1EF8-4473-A3911EA8F6A3}"/>
+              </a:ext>
+            </a:extLst>
+          </p:cNvPr>
+          <p:cNvSpPr>
+            <a:spLocks noGrp="1"/>
+          </p:cNvSpPr>
+          <p:nvPr>
+            <p:ph idx="1"/>
+          </p:nvPr>
+        </p:nvSpPr>
+        <p:spPr>
+          <a:xfrm>
+            <a:off x="6019333" y="4837132"/>
+            <a:ext cx="5753567" cy="1615684"/>
+          </a:xfrm>
+        </p:spPr>
+        <p:txBody>
+          <a:bodyPr>
+            <a:normAutofit lnSpcReduction="10000"/>
+          </a:bodyPr>
+          <a:lstStyle/>
+          <a:p>
+            <a:pPr marL="0" indent="0">
+              <a:buNone/>
+            </a:pPr>
+            <a:r>
+              <a:rPr lang="fr-FR" sz="1400" dirty="0">
+                <a:solidFill>
+                  <a:schemeClr val="tx1">
+                    <a:lumMod val="95000"/>
+                    <a:lumOff val="5000"/>
+                  </a:schemeClr>
+                </a:solidFill>
+              </a:rPr>
+              <a:t>Merci de votre attention !</a:t>
+            </a:r>
+          </a:p>
+          <a:p>
+            <a:pPr marL="0" indent="0">
+              <a:buNone/>
+            </a:pPr>
+            <a:endParaRPr lang="fr-FR" sz="1400" dirty="0"/>
+          </a:p>
+          <a:p>
+            <a:pPr marL="0" indent="0">
+              <a:buNone/>
+            </a:pPr>
+            <a:r>
+              <a:rPr lang="fr-FR" sz="1400" dirty="0">
+                <a:solidFill>
+                  <a:srgbClr val="002060"/>
+                </a:solidFill>
+                <a:hlinkClick r:id="rId2">
+                  <a:extLst>
+                    <a:ext uri="{A12FA001-AC4F-418D-AE19-62706E023703}">
+                      <ahyp:hlinkClr xmlns:ahyp="http://schemas.microsoft.com/office/drawing/2018/hyperlinkcolor" val="tx"/>
+                    </a:ext>
+                  </a:extLst>
+                </a:hlinkClick>
+              </a:rPr>
+              <a:t>ugur@cyberaltas.com</a:t>
+            </a:r>
+            <a:endParaRPr lang="fr-FR" sz="1400" dirty="0">
+              <a:solidFill>
+                <a:srgbClr val="002060"/>
+              </a:solidFill>
+            </a:endParaRPr>
+          </a:p>
+          <a:p>
+            <a:pPr marL="0" indent="0">
+              <a:buNone/>
+            </a:pPr>
+            <a:endParaRPr lang="fr-FR" sz="1400" dirty="0"/>
+          </a:p>
+          <a:p>
+            <a:pPr marL="0" indent="0">
+              <a:buNone/>
+            </a:pPr>
+            <a:r>
+              <a:rPr lang="fr-FR" sz="1400" dirty="0">
+                <a:solidFill>
+                  <a:srgbClr val="002060"/>
+                </a:solidFill>
+                <a:hlinkClick r:id="rId3">
+                  <a:extLst>
+                    <a:ext uri="{A12FA001-AC4F-418D-AE19-62706E023703}">
+                      <ahyp:hlinkClr xmlns:ahyp="http://schemas.microsoft.com/office/drawing/2018/hyperlinkcolor" val="tx"/>
+                    </a:ext>
+                  </a:extLst>
+                </a:hlinkClick>
+              </a:rPr>
+              <a:t>https://github.com/ualtas/meteoscope</a:t>
+            </a:r>
+            <a:endParaRPr lang="fr-FR" sz="1400" dirty="0">
+              <a:solidFill>
+                <a:srgbClr val="002060"/>
+              </a:solidFill>
+            </a:endParaRPr>
+          </a:p>
+        </p:txBody>
+      </p:sp>
+      <p:sp>
+        <p:nvSpPr>
+          <p:cNvPr id="4" name="Espace réservé de la date 3">
+            <a:extLst>
+              <a:ext uri="{FF2B5EF4-FFF2-40B4-BE49-F238E27FC236}">
+                <a16:creationId xmlns:a16="http://schemas.microsoft.com/office/drawing/2014/main" id="{50A20AD7-AC2E-AF26-7412-D531605920B9}"/>
+              </a:ext>
+            </a:extLst>
+          </p:cNvPr>
+          <p:cNvSpPr>
+            <a:spLocks noGrp="1"/>
+          </p:cNvSpPr>
+          <p:nvPr>
+            <p:ph type="dt" sz="half" idx="10"/>
+          </p:nvPr>
+        </p:nvSpPr>
+        <p:spPr>
+          <a:xfrm>
+            <a:off x="137160" y="6453002"/>
+            <a:ext cx="3494314" cy="365125"/>
+          </a:xfrm>
+        </p:spPr>
+        <p:txBody>
+          <a:bodyPr>
+            <a:normAutofit/>
+          </a:bodyPr>
+          <a:lstStyle/>
+          <a:p>
+            <a:pPr>
+              <a:spcAft>
+                <a:spcPts val="600"/>
+              </a:spcAft>
+            </a:pPr>
+            <a:fld id="{EF304CA3-CD56-4CBF-8C9D-82918D79551F}" type="datetime1">
+              <a:rPr lang="fr-FR" smtClean="0"/>
+              <a:pPr>
+                <a:spcAft>
+                  <a:spcPts val="600"/>
+                </a:spcAft>
+              </a:pPr>
+              <a:t>17/06/2025</a:t>
+            </a:fld>
+            <a:endParaRPr lang="fr-FR"/>
+          </a:p>
+        </p:txBody>
+      </p:sp>
+      <p:sp>
+        <p:nvSpPr>
+          <p:cNvPr id="5" name="Espace réservé du numéro de diapositive 4">
+            <a:extLst>
+              <a:ext uri="{FF2B5EF4-FFF2-40B4-BE49-F238E27FC236}">
+                <a16:creationId xmlns:a16="http://schemas.microsoft.com/office/drawing/2014/main" id="{0D1175E4-0E0E-B462-928F-3848EDA0797C}"/>
+              </a:ext>
+            </a:extLst>
+          </p:cNvPr>
+          <p:cNvSpPr>
+            <a:spLocks noGrp="1"/>
+          </p:cNvSpPr>
+          <p:nvPr>
+            <p:ph type="sldNum" sz="quarter" idx="12"/>
+          </p:nvPr>
+        </p:nvSpPr>
+        <p:spPr>
+          <a:xfrm>
+            <a:off x="11632162" y="6453002"/>
+            <a:ext cx="429207" cy="365125"/>
+          </a:xfrm>
+        </p:spPr>
+        <p:txBody>
+          <a:bodyPr>
+            <a:normAutofit/>
+          </a:bodyPr>
+          <a:lstStyle/>
+          <a:p>
+            <a:pPr>
+              <a:spcAft>
+                <a:spcPts val="600"/>
+              </a:spcAft>
+            </a:pPr>
+            <a:fld id="{233695B2-E84D-4D1F-8316-30B3318ACE6A}" type="slidenum">
+              <a:rPr lang="fr-FR" smtClean="0"/>
+              <a:pPr>
+                <a:spcAft>
+                  <a:spcPts val="600"/>
+                </a:spcAft>
+              </a:pPr>
+              <a:t>11</a:t>
+            </a:fld>
+            <a:endParaRPr lang="fr-FR"/>
           </a:p>
         </p:txBody>
       </p:sp>
@@ -4476,7 +5144,7 @@
           <p:nvPr/>
         </p:nvPicPr>
         <p:blipFill>
-          <a:blip r:embed="rId2">
+          <a:blip r:embed="rId4">
             <a:extLst>
               <a:ext uri="{28A0092B-C50C-407E-A947-70E740481C1C}">
                 <a14:useLocalDpi xmlns:a14="http://schemas.microsoft.com/office/drawing/2010/main" val="0"/>
@@ -4490,180 +5158,14 @@
         </p:blipFill>
         <p:spPr>
           <a:xfrm>
-            <a:off x="20" y="10"/>
-            <a:ext cx="12191980" cy="4557776"/>
+            <a:off x="20" y="9"/>
+            <a:ext cx="12191980" cy="4562465"/>
           </a:xfrm>
           <a:prstGeom prst="rect">
             <a:avLst/>
           </a:prstGeom>
         </p:spPr>
       </p:pic>
-      <p:sp>
-        <p:nvSpPr>
-          <p:cNvPr id="4" name="Espace réservé de la date 3">
-            <a:extLst>
-              <a:ext uri="{FF2B5EF4-FFF2-40B4-BE49-F238E27FC236}">
-                <a16:creationId xmlns:a16="http://schemas.microsoft.com/office/drawing/2014/main" id="{50A20AD7-AC2E-AF26-7412-D531605920B9}"/>
-              </a:ext>
-            </a:extLst>
-          </p:cNvPr>
-          <p:cNvSpPr>
-            <a:spLocks noGrp="1"/>
-          </p:cNvSpPr>
-          <p:nvPr>
-            <p:ph type="dt" sz="half" idx="10"/>
-          </p:nvPr>
-        </p:nvSpPr>
-        <p:spPr>
-          <a:xfrm>
-            <a:off x="137160" y="6453002"/>
-            <a:ext cx="3494314" cy="365125"/>
-          </a:xfrm>
-        </p:spPr>
-        <p:txBody>
-          <a:bodyPr>
-            <a:normAutofit/>
-          </a:bodyPr>
-          <a:lstStyle/>
-          <a:p>
-            <a:pPr>
-              <a:spcAft>
-                <a:spcPts val="600"/>
-              </a:spcAft>
-            </a:pPr>
-            <a:fld id="{EF304CA3-CD56-4CBF-8C9D-82918D79551F}" type="datetime1">
-              <a:rPr lang="fr-FR" smtClean="0"/>
-              <a:pPr>
-                <a:spcAft>
-                  <a:spcPts val="600"/>
-                </a:spcAft>
-              </a:pPr>
-              <a:t>17/06/2025</a:t>
-            </a:fld>
-            <a:endParaRPr lang="fr-FR"/>
-          </a:p>
-        </p:txBody>
-      </p:sp>
-      <p:sp>
-        <p:nvSpPr>
-          <p:cNvPr id="3" name="Espace réservé du contenu 2">
-            <a:extLst>
-              <a:ext uri="{FF2B5EF4-FFF2-40B4-BE49-F238E27FC236}">
-                <a16:creationId xmlns:a16="http://schemas.microsoft.com/office/drawing/2014/main" id="{239306A8-AD1E-1EF8-4473-A3911EA8F6A3}"/>
-              </a:ext>
-            </a:extLst>
-          </p:cNvPr>
-          <p:cNvSpPr>
-            <a:spLocks noGrp="1"/>
-          </p:cNvSpPr>
-          <p:nvPr>
-            <p:ph idx="1"/>
-          </p:nvPr>
-        </p:nvSpPr>
-        <p:spPr>
-          <a:xfrm>
-            <a:off x="6019333" y="4837132"/>
-            <a:ext cx="5753567" cy="1615684"/>
-          </a:xfrm>
-        </p:spPr>
-        <p:txBody>
-          <a:bodyPr>
-            <a:normAutofit/>
-          </a:bodyPr>
-          <a:lstStyle/>
-          <a:p>
-            <a:pPr marL="0" indent="0">
-              <a:buNone/>
-            </a:pPr>
-            <a:r>
-              <a:rPr lang="fr-FR" sz="1400"/>
-              <a:t>Merci de votre attention !</a:t>
-            </a:r>
-          </a:p>
-          <a:p>
-            <a:pPr marL="0" indent="0">
-              <a:buNone/>
-            </a:pPr>
-            <a:endParaRPr lang="fr-FR" sz="1400"/>
-          </a:p>
-          <a:p>
-            <a:pPr marL="0" indent="0">
-              <a:buNone/>
-            </a:pPr>
-            <a:r>
-              <a:rPr lang="fr-FR" sz="1400">
-                <a:hlinkClick r:id="rId3"/>
-              </a:rPr>
-              <a:t>ugur@cyberaltas.com</a:t>
-            </a:r>
-            <a:endParaRPr lang="fr-FR" sz="1400"/>
-          </a:p>
-          <a:p>
-            <a:pPr marL="0" indent="0">
-              <a:buNone/>
-            </a:pPr>
-            <a:endParaRPr lang="fr-FR" sz="1400"/>
-          </a:p>
-          <a:p>
-            <a:pPr marL="0" indent="0">
-              <a:buNone/>
-            </a:pPr>
-            <a:r>
-              <a:rPr lang="fr-FR" sz="1400">
-                <a:hlinkClick r:id="rId4"/>
-              </a:rPr>
-              <a:t>https://github.com/ualtas/meteoscope</a:t>
-            </a:r>
-            <a:endParaRPr lang="fr-FR" sz="1400"/>
-          </a:p>
-        </p:txBody>
-      </p:sp>
-      <p:sp>
-        <p:nvSpPr>
-          <p:cNvPr id="5" name="Espace réservé du numéro de diapositive 4">
-            <a:extLst>
-              <a:ext uri="{FF2B5EF4-FFF2-40B4-BE49-F238E27FC236}">
-                <a16:creationId xmlns:a16="http://schemas.microsoft.com/office/drawing/2014/main" id="{0D1175E4-0E0E-B462-928F-3848EDA0797C}"/>
-              </a:ext>
-            </a:extLst>
-          </p:cNvPr>
-          <p:cNvSpPr>
-            <a:spLocks noGrp="1"/>
-          </p:cNvSpPr>
-          <p:nvPr>
-            <p:ph type="sldNum" sz="quarter" idx="12"/>
-          </p:nvPr>
-        </p:nvSpPr>
-        <p:spPr>
-          <a:xfrm>
-            <a:off x="11632162" y="6453002"/>
-            <a:ext cx="429207" cy="365125"/>
-          </a:xfrm>
-        </p:spPr>
-        <p:txBody>
-          <a:bodyPr>
-            <a:normAutofit/>
-          </a:bodyPr>
-          <a:lstStyle/>
-          <a:p>
-            <a:pPr>
-              <a:spcAft>
-                <a:spcPts val="600"/>
-              </a:spcAft>
-            </a:pPr>
-            <a:fld id="{233695B2-E84D-4D1F-8316-30B3318ACE6A}" type="slidenum">
-              <a:rPr lang="fr-FR" smtClean="0"/>
-              <a:pPr>
-                <a:spcAft>
-                  <a:spcPts val="600"/>
-                </a:spcAft>
-              </a:pPr>
-              <a:t>11</a:t>
-            </a:fld>
-            <a:endParaRPr lang="fr-FR"/>
-          </a:p>
-        </p:txBody>
-      </p:sp>
     </p:spTree>
     <p:extLst>
       <p:ext uri="{BB962C8B-B14F-4D97-AF65-F5344CB8AC3E}">
@@ -4702,82 +5204,6 @@
           <a:chExt cx="0" cy="0"/>
         </a:xfrm>
       </p:grpSpPr>
-      <p:sp useBgFill="1">
-        <p:nvSpPr>
-          <p:cNvPr id="11" name="Rectangle 10">
-            <a:extLst>
-              <a:ext uri="{FF2B5EF4-FFF2-40B4-BE49-F238E27FC236}">
-                <a16:creationId xmlns:a16="http://schemas.microsoft.com/office/drawing/2014/main" id="{CBB0869A-0BE5-B3E9-F73D-2F3691E4D932}"/>
-              </a:ext>
-              <a:ext uri="{C183D7F6-B498-43B3-948B-1728B52AA6E4}">
-                <adec:decorative xmlns:adec="http://schemas.microsoft.com/office/drawing/2017/decorative" val="1"/>
-              </a:ext>
-            </a:extLst>
-          </p:cNvPr>
-          <p:cNvSpPr>
-            <a:spLocks noGrp="1" noRot="1" noChangeAspect="1" noMove="1" noResize="1" noEditPoints="1" noAdjustHandles="1" noChangeArrowheads="1" noChangeShapeType="1" noTextEdit="1"/>
-          </p:cNvSpPr>
-          <p:nvPr>
-            <p:extLst>
-              <p:ext uri="{386F3935-93C4-4BCD-93E2-E3B085C9AB24}">
-                <p16:designElem xmlns:p16="http://schemas.microsoft.com/office/powerpoint/2015/main" val="1"/>
-              </p:ext>
-            </p:extLst>
-          </p:nvPr>
-        </p:nvSpPr>
-        <p:spPr>
-          <a:xfrm>
-            <a:off x="0" y="0"/>
-            <a:ext cx="12192000" cy="6858000"/>
-          </a:xfrm>
-          <a:prstGeom prst="rect">
-            <a:avLst/>
-          </a:prstGeom>
-          <a:ln w="12700" cap="flat" cmpd="sng" algn="ctr">
-            <a:noFill/>
-            <a:prstDash val="solid"/>
-            <a:miter lim="800000"/>
-          </a:ln>
-          <a:effectLst/>
-          <a:extLst>
-            <a:ext uri="{91240B29-F687-4F45-9708-019B960494DF}">
-              <a14:hiddenLine xmlns:a14="http://schemas.microsoft.com/office/drawing/2010/main" w="12700" cap="flat" cmpd="sng" algn="ctr">
-                <a:solidFill>
-                  <a:schemeClr val="accent1">
-                    <a:shade val="15000"/>
-                  </a:schemeClr>
-                </a:solidFill>
-                <a:prstDash val="solid"/>
-                <a:miter lim="800000"/>
-              </a14:hiddenLine>
-            </a:ext>
-          </a:extLst>
-        </p:spPr>
-        <p:style>
-          <a:lnRef idx="2">
-            <a:schemeClr val="accent1">
-              <a:shade val="15000"/>
-            </a:schemeClr>
-          </a:lnRef>
-          <a:fillRef idx="1">
-            <a:schemeClr val="accent1"/>
-          </a:fillRef>
-          <a:effectRef idx="0">
-            <a:schemeClr val="accent1"/>
-          </a:effectRef>
-          <a:fontRef idx="minor">
-            <a:schemeClr val="lt1"/>
-          </a:fontRef>
-        </p:style>
-        <p:txBody>
-          <a:bodyPr rtlCol="0" anchor="ctr"/>
-          <a:lstStyle/>
-          <a:p>
-            <a:pPr algn="ctr"/>
-            <a:endParaRPr lang="en-US"/>
-          </a:p>
-        </p:txBody>
-      </p:sp>
       <p:sp>
         <p:nvSpPr>
           <p:cNvPr id="2" name="Titre 1">
@@ -4796,7 +5222,7 @@
         </p:nvSpPr>
         <p:spPr>
           <a:xfrm>
-            <a:off x="612648" y="1114923"/>
+            <a:off x="662959" y="375316"/>
             <a:ext cx="4621553" cy="1360728"/>
           </a:xfrm>
         </p:spPr>
@@ -4865,6 +5291,64 @@
               <a:rPr lang="fr-FR" sz="1700" dirty="0"/>
               <a:t>)</a:t>
             </a:r>
+          </a:p>
+        </p:txBody>
+      </p:sp>
+      <p:sp>
+        <p:nvSpPr>
+          <p:cNvPr id="7" name="Espace réservé de la date 6">
+            <a:extLst>
+              <a:ext uri="{FF2B5EF4-FFF2-40B4-BE49-F238E27FC236}">
+                <a16:creationId xmlns:a16="http://schemas.microsoft.com/office/drawing/2014/main" id="{DEC4E65D-9BA7-D78A-F317-1FAD63A38985}"/>
+              </a:ext>
+            </a:extLst>
+          </p:cNvPr>
+          <p:cNvSpPr>
+            <a:spLocks noGrp="1"/>
+          </p:cNvSpPr>
+          <p:nvPr>
+            <p:ph type="dt" sz="half" idx="10"/>
+          </p:nvPr>
+        </p:nvSpPr>
+        <p:spPr/>
+        <p:txBody>
+          <a:bodyPr/>
+          <a:lstStyle/>
+          <a:p>
+            <a:fld id="{2EEEA2C8-6872-4338-9AC5-14FE25F7374D}" type="datetime1">
+              <a:rPr lang="fr-FR" smtClean="0"/>
+              <a:t>17/06/2025</a:t>
+            </a:fld>
+            <a:endParaRPr lang="fr-FR"/>
+          </a:p>
+        </p:txBody>
+      </p:sp>
+      <p:sp>
+        <p:nvSpPr>
+          <p:cNvPr id="8" name="Espace réservé du numéro de diapositive 7">
+            <a:extLst>
+              <a:ext uri="{FF2B5EF4-FFF2-40B4-BE49-F238E27FC236}">
+                <a16:creationId xmlns:a16="http://schemas.microsoft.com/office/drawing/2014/main" id="{29C569B0-A01A-19C9-925F-1901B0BD8AB5}"/>
+              </a:ext>
+            </a:extLst>
+          </p:cNvPr>
+          <p:cNvSpPr>
+            <a:spLocks noGrp="1"/>
+          </p:cNvSpPr>
+          <p:nvPr>
+            <p:ph type="sldNum" sz="quarter" idx="12"/>
+          </p:nvPr>
+        </p:nvSpPr>
+        <p:spPr/>
+        <p:txBody>
+          <a:bodyPr/>
+          <a:lstStyle/>
+          <a:p>
+            <a:fld id="{233695B2-E84D-4D1F-8316-30B3318ACE6A}" type="slidenum">
+              <a:rPr lang="fr-FR" smtClean="0"/>
+              <a:t>2</a:t>
+            </a:fld>
+            <a:endParaRPr lang="fr-FR"/>
           </a:p>
         </p:txBody>
       </p:sp>
@@ -4896,72 +5380,14 @@
         </p:blipFill>
         <p:spPr>
           <a:xfrm>
-            <a:off x="5691261" y="1736044"/>
-            <a:ext cx="5837780" cy="3385911"/>
+            <a:off x="5741572" y="1922110"/>
+            <a:ext cx="5993228" cy="3476071"/>
           </a:xfrm>
           <a:prstGeom prst="rect">
             <a:avLst/>
           </a:prstGeom>
         </p:spPr>
       </p:pic>
-      <p:sp>
-        <p:nvSpPr>
-          <p:cNvPr id="7" name="Espace réservé de la date 6">
-            <a:extLst>
-              <a:ext uri="{FF2B5EF4-FFF2-40B4-BE49-F238E27FC236}">
-                <a16:creationId xmlns:a16="http://schemas.microsoft.com/office/drawing/2014/main" id="{DEC4E65D-9BA7-D78A-F317-1FAD63A38985}"/>
-              </a:ext>
-            </a:extLst>
-          </p:cNvPr>
-          <p:cNvSpPr>
-            <a:spLocks noGrp="1"/>
-          </p:cNvSpPr>
-          <p:nvPr>
-            <p:ph type="dt" sz="half" idx="10"/>
-          </p:nvPr>
-        </p:nvSpPr>
-        <p:spPr/>
-        <p:txBody>
-          <a:bodyPr/>
-          <a:lstStyle/>
-          <a:p>
-            <a:fld id="{2EEEA2C8-6872-4338-9AC5-14FE25F7374D}" type="datetime1">
-              <a:rPr lang="fr-FR" smtClean="0"/>
-              <a:t>17/06/2025</a:t>
-            </a:fld>
-            <a:endParaRPr lang="fr-FR"/>
-          </a:p>
-        </p:txBody>
-      </p:sp>
-      <p:sp>
-        <p:nvSpPr>
-          <p:cNvPr id="8" name="Espace réservé du numéro de diapositive 7">
-            <a:extLst>
-              <a:ext uri="{FF2B5EF4-FFF2-40B4-BE49-F238E27FC236}">
-                <a16:creationId xmlns:a16="http://schemas.microsoft.com/office/drawing/2014/main" id="{29C569B0-A01A-19C9-925F-1901B0BD8AB5}"/>
-              </a:ext>
-            </a:extLst>
-          </p:cNvPr>
-          <p:cNvSpPr>
-            <a:spLocks noGrp="1"/>
-          </p:cNvSpPr>
-          <p:nvPr>
-            <p:ph type="sldNum" sz="quarter" idx="12"/>
-          </p:nvPr>
-        </p:nvSpPr>
-        <p:spPr/>
-        <p:txBody>
-          <a:bodyPr/>
-          <a:lstStyle/>
-          <a:p>
-            <a:fld id="{233695B2-E84D-4D1F-8316-30B3318ACE6A}" type="slidenum">
-              <a:rPr lang="fr-FR" smtClean="0"/>
-              <a:t>2</a:t>
-            </a:fld>
-            <a:endParaRPr lang="fr-FR"/>
-          </a:p>
-        </p:txBody>
-      </p:sp>
     </p:spTree>
     <p:extLst>
       <p:ext uri="{BB962C8B-B14F-4D97-AF65-F5344CB8AC3E}">
@@ -5188,7 +5614,9 @@
         </p:nvSpPr>
         <p:spPr/>
         <p:txBody>
-          <a:bodyPr/>
+          <a:bodyPr>
+            <a:normAutofit/>
+          </a:bodyPr>
           <a:lstStyle/>
           <a:p>
             <a:r>
@@ -5214,10 +5642,15 @@
             <p:ph idx="1"/>
           </p:nvPr>
         </p:nvSpPr>
-        <p:spPr/>
+        <p:spPr>
+          <a:xfrm>
+            <a:off x="581192" y="2047876"/>
+            <a:ext cx="11029616" cy="3810924"/>
+          </a:xfrm>
+        </p:spPr>
         <p:txBody>
           <a:bodyPr>
-            <a:normAutofit fontScale="77500" lnSpcReduction="20000"/>
+            <a:normAutofit/>
           </a:bodyPr>
           <a:lstStyle/>
           <a:p>
@@ -5548,7 +5981,9 @@
         </p:nvSpPr>
         <p:spPr/>
         <p:txBody>
-          <a:bodyPr/>
+          <a:bodyPr>
+            <a:normAutofit/>
+          </a:bodyPr>
           <a:lstStyle/>
           <a:p>
             <a:r>
@@ -5577,7 +6012,7 @@
         <p:spPr/>
         <p:txBody>
           <a:bodyPr>
-            <a:normAutofit fontScale="85000" lnSpcReduction="20000"/>
+            <a:normAutofit/>
           </a:bodyPr>
           <a:lstStyle/>
           <a:p>
@@ -5852,7 +6287,9 @@
         </p:nvSpPr>
         <p:spPr/>
         <p:txBody>
-          <a:bodyPr/>
+          <a:bodyPr>
+            <a:normAutofit/>
+          </a:bodyPr>
           <a:lstStyle/>
           <a:p>
             <a:r>
@@ -5881,7 +6318,7 @@
         <p:spPr/>
         <p:txBody>
           <a:bodyPr>
-            <a:normAutofit fontScale="85000" lnSpcReduction="20000"/>
+            <a:normAutofit fontScale="92500"/>
           </a:bodyPr>
           <a:lstStyle/>
           <a:p>
@@ -6113,7 +6550,7 @@
         <p:spPr/>
         <p:txBody>
           <a:bodyPr>
-            <a:normAutofit lnSpcReduction="10000"/>
+            <a:normAutofit/>
           </a:bodyPr>
           <a:lstStyle/>
           <a:p>
@@ -6274,7 +6711,9 @@
         </p:nvSpPr>
         <p:spPr/>
         <p:txBody>
-          <a:bodyPr/>
+          <a:bodyPr>
+            <a:normAutofit/>
+          </a:bodyPr>
           <a:lstStyle/>
           <a:p>
             <a:r>
@@ -6300,15 +6739,10 @@
             <p:ph idx="1"/>
           </p:nvPr>
         </p:nvSpPr>
-        <p:spPr>
-          <a:xfrm>
-            <a:off x="838200" y="1825625"/>
-            <a:ext cx="10515600" cy="4351338"/>
-          </a:xfrm>
-        </p:spPr>
+        <p:spPr/>
         <p:txBody>
           <a:bodyPr>
-            <a:normAutofit lnSpcReduction="10000"/>
+            <a:normAutofit/>
           </a:bodyPr>
           <a:lstStyle/>
           <a:p>
@@ -6505,7 +6939,9 @@
         </p:nvSpPr>
         <p:spPr/>
         <p:txBody>
-          <a:bodyPr/>
+          <a:bodyPr>
+            <a:normAutofit/>
+          </a:bodyPr>
           <a:lstStyle/>
           <a:p>
             <a:r>
@@ -6531,12 +6967,7 @@
             <p:ph idx="1"/>
           </p:nvPr>
         </p:nvSpPr>
-        <p:spPr>
-          <a:xfrm>
-            <a:off x="838200" y="1825625"/>
-            <a:ext cx="10515600" cy="4351338"/>
-          </a:xfrm>
-        </p:spPr>
+        <p:spPr/>
         <p:txBody>
           <a:bodyPr>
             <a:normAutofit/>
@@ -6712,9 +7143,9 @@
 </file>
 
 <file path=ppt/theme/theme1.xml><?xml version="1.0" encoding="utf-8"?>
-<a:theme xmlns:a="http://schemas.openxmlformats.org/drawingml/2006/main" name="Thème Office">
+<a:theme xmlns:a="http://schemas.openxmlformats.org/drawingml/2006/main" name="Dividende">
   <a:themeElements>
-    <a:clrScheme name="Office">
+    <a:clrScheme name="Dividende">
       <a:dk1>
         <a:sysClr val="windowText" lastClr="000000"/>
       </a:dk1>
@@ -6722,98 +7153,48 @@
         <a:sysClr val="window" lastClr="FFFFFF"/>
       </a:lt1>
       <a:dk2>
-        <a:srgbClr val="0E2841"/>
+        <a:srgbClr val="3D3D3D"/>
       </a:dk2>
       <a:lt2>
-        <a:srgbClr val="E8E8E8"/>
+        <a:srgbClr val="EBEBEB"/>
       </a:lt2>
       <a:accent1>
-        <a:srgbClr val="156082"/>
+        <a:srgbClr val="1A3260"/>
       </a:accent1>
       <a:accent2>
-        <a:srgbClr val="E97132"/>
+        <a:srgbClr val="4590B8"/>
       </a:accent2>
       <a:accent3>
-        <a:srgbClr val="196B24"/>
+        <a:srgbClr val="45CBE8"/>
       </a:accent3>
       <a:accent4>
-        <a:srgbClr val="0F9ED5"/>
+        <a:srgbClr val="969FA7"/>
       </a:accent4>
       <a:accent5>
-        <a:srgbClr val="A02B93"/>
+        <a:srgbClr val="A2C777"/>
       </a:accent5>
       <a:accent6>
-        <a:srgbClr val="4EA72E"/>
+        <a:srgbClr val="42955F"/>
       </a:accent6>
       <a:hlink>
-        <a:srgbClr val="467886"/>
+        <a:srgbClr val="828282"/>
       </a:hlink>
       <a:folHlink>
-        <a:srgbClr val="96607D"/>
+        <a:srgbClr val="A5A5A5"/>
       </a:folHlink>
     </a:clrScheme>
-    <a:fontScheme name="Office">
+    <a:fontScheme name="Dividende">
       <a:majorFont>
-        <a:latin typeface="Aptos Display" panose="02110004020202020204"/>
+        <a:latin typeface="Gill Sans MT" panose="020B0502020104020203"/>
         <a:ea typeface=""/>
         <a:cs typeface=""/>
-        <a:font script="Jpan" typeface="游ゴシック Light"/>
-        <a:font script="Hang" typeface="맑은 고딕"/>
-        <a:font script="Hans" typeface="等线 Light"/>
-        <a:font script="Hant" typeface="新細明體"/>
-        <a:font script="Arab" typeface="Times New Roman"/>
-        <a:font script="Hebr" typeface="Times New Roman"/>
-        <a:font script="Thai" typeface="Angsana New"/>
-        <a:font script="Ethi" typeface="Nyala"/>
-        <a:font script="Beng" typeface="Vrinda"/>
-        <a:font script="Gujr" typeface="Shruti"/>
-        <a:font script="Khmr" typeface="MoolBoran"/>
-        <a:font script="Knda" typeface="Tunga"/>
-        <a:font script="Guru" typeface="Raavi"/>
-        <a:font script="Cans" typeface="Euphemia"/>
-        <a:font script="Cher" typeface="Plantagenet Cherokee"/>
-        <a:font script="Yiii" typeface="Microsoft Yi Baiti"/>
-        <a:font script="Tibt" typeface="Microsoft Himalaya"/>
-        <a:font script="Thaa" typeface="MV Boli"/>
-        <a:font script="Deva" typeface="Mangal"/>
-        <a:font script="Telu" typeface="Gautami"/>
-        <a:font script="Taml" typeface="Latha"/>
-        <a:font script="Syrc" typeface="Estrangelo Edessa"/>
-        <a:font script="Orya" typeface="Kalinga"/>
-        <a:font script="Mlym" typeface="Kartika"/>
-        <a:font script="Laoo" typeface="DokChampa"/>
-        <a:font script="Sinh" typeface="Iskoola Pota"/>
-        <a:font script="Mong" typeface="Mongolian Baiti"/>
-        <a:font script="Viet" typeface="Times New Roman"/>
-        <a:font script="Uigh" typeface="Microsoft Uighur"/>
-        <a:font script="Geor" typeface="Sylfaen"/>
-        <a:font script="Armn" typeface="Arial"/>
-        <a:font script="Bugi" typeface="Leelawadee UI"/>
-        <a:font script="Bopo" typeface="Microsoft JhengHei"/>
-        <a:font script="Java" typeface="Javanese Text"/>
-        <a:font script="Lisu" typeface="Segoe UI"/>
-        <a:font script="Mymr" typeface="Myanmar Text"/>
-        <a:font script="Nkoo" typeface="Ebrima"/>
-        <a:font script="Olck" typeface="Nirmala UI"/>
-        <a:font script="Osma" typeface="Ebrima"/>
-        <a:font script="Phag" typeface="Phagspa"/>
-        <a:font script="Syrn" typeface="Estrangelo Edessa"/>
-        <a:font script="Syrj" typeface="Estrangelo Edessa"/>
-        <a:font script="Syre" typeface="Estrangelo Edessa"/>
-        <a:font script="Sora" typeface="Nirmala UI"/>
-        <a:font script="Tale" typeface="Microsoft Tai Le"/>
-        <a:font script="Talu" typeface="Microsoft New Tai Lue"/>
-        <a:font script="Tfng" typeface="Ebrima"/>
-      </a:majorFont>
-      <a:minorFont>
-        <a:latin typeface="Aptos" panose="02110004020202020204"/>
-        <a:ea typeface=""/>
-        <a:cs typeface=""/>
-        <a:font script="Jpan" typeface="游ゴシック"/>
-        <a:font script="Hang" typeface="맑은 고딕"/>
-        <a:font script="Hans" typeface="等线"/>
-        <a:font script="Hant" typeface="新細明體"/>
-        <a:font script="Arab" typeface="Arial"/>
+        <a:font script="Grek" typeface="Corbel"/>
+        <a:font script="Cyrl" typeface="Corbel"/>
+        <a:font script="Jpan" typeface="HGｺﾞｼｯｸE"/>
+        <a:font script="Hang" typeface="휴먼매직체"/>
+        <a:font script="Hans" typeface="华文中宋"/>
+        <a:font script="Hant" typeface="微軟正黑體"/>
+        <a:font script="Arab" typeface="Majalla UI"/>
         <a:font script="Hebr" typeface="Arial"/>
         <a:font script="Thai" typeface="Cordia New"/>
         <a:font script="Ethi" typeface="Nyala"/>
@@ -6836,29 +7217,49 @@
         <a:font script="Laoo" typeface="DokChampa"/>
         <a:font script="Sinh" typeface="Iskoola Pota"/>
         <a:font script="Mong" typeface="Mongolian Baiti"/>
-        <a:font script="Viet" typeface="Arial"/>
+        <a:font script="Viet" typeface="Tahoma"/>
         <a:font script="Uigh" typeface="Microsoft Uighur"/>
         <a:font script="Geor" typeface="Sylfaen"/>
-        <a:font script="Armn" typeface="Arial"/>
-        <a:font script="Bugi" typeface="Leelawadee UI"/>
-        <a:font script="Bopo" typeface="Microsoft JhengHei"/>
-        <a:font script="Java" typeface="Javanese Text"/>
-        <a:font script="Lisu" typeface="Segoe UI"/>
-        <a:font script="Mymr" typeface="Myanmar Text"/>
-        <a:font script="Nkoo" typeface="Ebrima"/>
-        <a:font script="Olck" typeface="Nirmala UI"/>
-        <a:font script="Osma" typeface="Ebrima"/>
-        <a:font script="Phag" typeface="Phagspa"/>
-        <a:font script="Syrn" typeface="Estrangelo Edessa"/>
-        <a:font script="Syrj" typeface="Estrangelo Edessa"/>
-        <a:font script="Syre" typeface="Estrangelo Edessa"/>
-        <a:font script="Sora" typeface="Nirmala UI"/>
-        <a:font script="Tale" typeface="Microsoft Tai Le"/>
-        <a:font script="Talu" typeface="Microsoft New Tai Lue"/>
-        <a:font script="Tfng" typeface="Ebrima"/>
+      </a:majorFont>
+      <a:minorFont>
+        <a:latin typeface="Gill Sans MT" panose="020B0502020104020203"/>
+        <a:ea typeface=""/>
+        <a:cs typeface=""/>
+        <a:font script="Grek" typeface="Corbel"/>
+        <a:font script="Cyrl" typeface="Corbel"/>
+        <a:font script="Jpan" typeface="HGｺﾞｼｯｸE"/>
+        <a:font script="Hang" typeface="휴먼매직체"/>
+        <a:font script="Hans" typeface="华文中宋"/>
+        <a:font script="Hant" typeface="微軟正黑體"/>
+        <a:font script="Arab" typeface="Majalla UI"/>
+        <a:font script="Hebr" typeface="Arial"/>
+        <a:font script="Thai" typeface="Cordia New"/>
+        <a:font script="Ethi" typeface="Nyala"/>
+        <a:font script="Beng" typeface="Vrinda"/>
+        <a:font script="Gujr" typeface="Shruti"/>
+        <a:font script="Khmr" typeface="DaunPenh"/>
+        <a:font script="Knda" typeface="Tunga"/>
+        <a:font script="Guru" typeface="Raavi"/>
+        <a:font script="Cans" typeface="Euphemia"/>
+        <a:font script="Cher" typeface="Plantagenet Cherokee"/>
+        <a:font script="Yiii" typeface="Microsoft Yi Baiti"/>
+        <a:font script="Tibt" typeface="Microsoft Himalaya"/>
+        <a:font script="Thaa" typeface="MV Boli"/>
+        <a:font script="Deva" typeface="Mangal"/>
+        <a:font script="Telu" typeface="Gautami"/>
+        <a:font script="Taml" typeface="Latha"/>
+        <a:font script="Syrc" typeface="Estrangelo Edessa"/>
+        <a:font script="Orya" typeface="Kalinga"/>
+        <a:font script="Mlym" typeface="Kartika"/>
+        <a:font script="Laoo" typeface="DokChampa"/>
+        <a:font script="Sinh" typeface="Iskoola Pota"/>
+        <a:font script="Mong" typeface="Mongolian Baiti"/>
+        <a:font script="Viet" typeface="Tahoma"/>
+        <a:font script="Uigh" typeface="Microsoft Uighur"/>
+        <a:font script="Geor" typeface="Sylfaen"/>
       </a:minorFont>
     </a:fontScheme>
-    <a:fmtScheme name="Office">
+    <a:fmtScheme name="Dividende">
       <a:fillStyleLst>
         <a:solidFill>
           <a:schemeClr val="phClr"/>
@@ -6867,23 +7268,111 @@
           <a:gsLst>
             <a:gs pos="0">
               <a:schemeClr val="phClr">
-                <a:lumMod val="110000"/>
-                <a:satMod val="105000"/>
-                <a:tint val="67000"/>
-              </a:schemeClr>
-            </a:gs>
-            <a:gs pos="50000">
-              <a:schemeClr val="phClr">
-                <a:lumMod val="105000"/>
-                <a:satMod val="103000"/>
-                <a:tint val="73000"/>
+                <a:tint val="68000"/>
+                <a:alpha val="90000"/>
+                <a:lumMod val="100000"/>
               </a:schemeClr>
             </a:gs>
             <a:gs pos="100000">
               <a:schemeClr val="phClr">
-                <a:lumMod val="105000"/>
-                <a:satMod val="109000"/>
-                <a:tint val="81000"/>
+                <a:tint val="90000"/>
+                <a:lumMod val="95000"/>
+              </a:schemeClr>
+            </a:gs>
+          </a:gsLst>
+          <a:lin ang="5400000" scaled="1"/>
+        </a:gradFill>
+        <a:gradFill rotWithShape="1">
+          <a:gsLst>
+            <a:gs pos="0">
+              <a:schemeClr val="phClr">
+                <a:tint val="98000"/>
+                <a:lumMod val="110000"/>
+              </a:schemeClr>
+            </a:gs>
+            <a:gs pos="84000">
+              <a:schemeClr val="phClr">
+                <a:shade val="90000"/>
+                <a:lumMod val="88000"/>
+              </a:schemeClr>
+            </a:gs>
+          </a:gsLst>
+          <a:lin ang="5400000" scaled="0"/>
+        </a:gradFill>
+      </a:fillStyleLst>
+      <a:lnStyleLst>
+        <a:ln w="12700" cap="rnd" cmpd="sng" algn="ctr">
+          <a:solidFill>
+            <a:schemeClr val="phClr">
+              <a:lumMod val="90000"/>
+            </a:schemeClr>
+          </a:solidFill>
+          <a:prstDash val="solid"/>
+        </a:ln>
+        <a:ln w="22225" cap="rnd" cmpd="sng" algn="ctr">
+          <a:solidFill>
+            <a:schemeClr val="phClr"/>
+          </a:solidFill>
+          <a:prstDash val="solid"/>
+        </a:ln>
+        <a:ln w="25400" cap="rnd" cmpd="sng" algn="ctr">
+          <a:solidFill>
+            <a:schemeClr val="phClr"/>
+          </a:solidFill>
+          <a:prstDash val="solid"/>
+        </a:ln>
+      </a:lnStyleLst>
+      <a:effectStyleLst>
+        <a:effectStyle>
+          <a:effectLst/>
+        </a:effectStyle>
+        <a:effectStyle>
+          <a:effectLst>
+            <a:outerShdw blurRad="38100" dist="25400" dir="5400000" rotWithShape="0">
+              <a:srgbClr val="000000">
+                <a:alpha val="55000"/>
+              </a:srgbClr>
+            </a:outerShdw>
+          </a:effectLst>
+        </a:effectStyle>
+        <a:effectStyle>
+          <a:effectLst>
+            <a:outerShdw blurRad="88900" dist="38100" dir="5040000" rotWithShape="0">
+              <a:srgbClr val="000000">
+                <a:alpha val="60000"/>
+              </a:srgbClr>
+            </a:outerShdw>
+          </a:effectLst>
+          <a:scene3d>
+            <a:camera prst="orthographicFront">
+              <a:rot lat="0" lon="0" rev="0"/>
+            </a:camera>
+            <a:lightRig rig="threePt" dir="tl">
+              <a:rot lat="0" lon="0" rev="1200000"/>
+            </a:lightRig>
+          </a:scene3d>
+          <a:sp3d>
+            <a:bevelT w="38100" h="50800"/>
+          </a:sp3d>
+        </a:effectStyle>
+      </a:effectStyleLst>
+      <a:bgFillStyleLst>
+        <a:solidFill>
+          <a:schemeClr val="phClr"/>
+        </a:solidFill>
+        <a:gradFill rotWithShape="1">
+          <a:gsLst>
+            <a:gs pos="0">
+              <a:schemeClr val="phClr">
+                <a:tint val="90000"/>
+                <a:lumMod val="110000"/>
+              </a:schemeClr>
+            </a:gs>
+            <a:gs pos="88000">
+              <a:schemeClr val="phClr">
+                <a:shade val="94000"/>
+                <a:satMod val="110000"/>
+                <a:lumMod val="88000"/>
               </a:schemeClr>
             </a:gs>
           </a:gsLst>
@@ -6893,134 +7382,30 @@
           <a:gsLst>
             <a:gs pos="0">
               <a:schemeClr val="phClr">
-                <a:satMod val="103000"/>
-                <a:lumMod val="102000"/>
-                <a:tint val="94000"/>
-              </a:schemeClr>
-            </a:gs>
-            <a:gs pos="50000">
-              <a:schemeClr val="phClr">
-                <a:satMod val="110000"/>
-                <a:lumMod val="100000"/>
-                <a:shade val="100000"/>
+                <a:tint val="90000"/>
+                <a:lumMod val="110000"/>
               </a:schemeClr>
             </a:gs>
             <a:gs pos="100000">
               <a:schemeClr val="phClr">
-                <a:lumMod val="99000"/>
-                <a:satMod val="120000"/>
-                <a:shade val="78000"/>
+                <a:shade val="98000"/>
+                <a:satMod val="110000"/>
+                <a:lumMod val="86000"/>
               </a:schemeClr>
             </a:gs>
           </a:gsLst>
-          <a:lin ang="5400000" scaled="0"/>
-        </a:gradFill>
-      </a:fillStyleLst>
-      <a:lnStyleLst>
-        <a:ln w="12700" cap="flat" cmpd="sng" algn="ctr">
-          <a:solidFill>
-            <a:schemeClr val="phClr"/>
-          </a:solidFill>
-          <a:prstDash val="solid"/>
-          <a:miter lim="800000"/>
-        </a:ln>
-        <a:ln w="19050" cap="flat" cmpd="sng" algn="ctr">
-          <a:solidFill>
-            <a:schemeClr val="phClr"/>
-          </a:solidFill>
-          <a:prstDash val="solid"/>
-          <a:miter lim="800000"/>
-        </a:ln>
-        <a:ln w="25400" cap="flat" cmpd="sng" algn="ctr">
-          <a:solidFill>
-            <a:schemeClr val="phClr"/>
-          </a:solidFill>
-          <a:prstDash val="solid"/>
-          <a:miter lim="800000"/>
-        </a:ln>
-      </a:lnStyleLst>
-      <a:effectStyleLst>
-        <a:effectStyle>
-          <a:effectLst/>
-        </a:effectStyle>
-        <a:effectStyle>
-          <a:effectLst/>
-        </a:effectStyle>
-        <a:effectStyle>
-          <a:effectLst>
-            <a:outerShdw blurRad="57150" dist="19050" dir="5400000" algn="ctr" rotWithShape="0">
-              <a:srgbClr val="000000">
-                <a:alpha val="63000"/>
-              </a:srgbClr>
-            </a:outerShdw>
-          </a:effectLst>
-        </a:effectStyle>
-      </a:effectStyleLst>
-      <a:bgFillStyleLst>
-        <a:solidFill>
-          <a:schemeClr val="phClr"/>
-        </a:solidFill>
-        <a:solidFill>
-          <a:schemeClr val="phClr">
-            <a:tint val="95000"/>
-            <a:satMod val="170000"/>
-          </a:schemeClr>
-        </a:solidFill>
-        <a:gradFill rotWithShape="1">
-          <a:gsLst>
-            <a:gs pos="0">
-              <a:schemeClr val="phClr">
-                <a:tint val="93000"/>
-                <a:satMod val="150000"/>
-                <a:shade val="98000"/>
-                <a:lumMod val="102000"/>
-              </a:schemeClr>
-            </a:gs>
-            <a:gs pos="50000">
-              <a:schemeClr val="phClr">
-                <a:tint val="98000"/>
-                <a:satMod val="130000"/>
-                <a:shade val="90000"/>
-                <a:lumMod val="103000"/>
-              </a:schemeClr>
-            </a:gs>
-            <a:gs pos="100000">
-              <a:schemeClr val="phClr">
-                <a:shade val="63000"/>
-                <a:satMod val="120000"/>
-              </a:schemeClr>
-            </a:gs>
-          </a:gsLst>
-          <a:lin ang="5400000" scaled="0"/>
+          <a:path path="circle">
+            <a:fillToRect l="50000" t="50000" r="100000" b="100000"/>
+          </a:path>
         </a:gradFill>
       </a:bgFillStyleLst>
     </a:fmtScheme>
   </a:themeElements>
-  <a:objectDefaults>
-    <a:lnDef>
-      <a:spPr/>
-      <a:bodyPr/>
-      <a:lstStyle/>
-      <a:style>
-        <a:lnRef idx="2">
-          <a:schemeClr val="accent1"/>
-        </a:lnRef>
-        <a:fillRef idx="0">
-          <a:schemeClr val="accent1"/>
-        </a:fillRef>
-        <a:effectRef idx="1">
-          <a:schemeClr val="accent1"/>
-        </a:effectRef>
-        <a:fontRef idx="minor">
-          <a:schemeClr val="tx1"/>
-        </a:fontRef>
-      </a:style>
-    </a:lnDef>
-  </a:objectDefaults>
+  <a:objectDefaults/>
   <a:extraClrSchemeLst/>
   <a:extLst>
     <a:ext uri="{05A4C25C-085E-4340-85A3-A5531E510DB2}">
-      <thm15:themeFamily xmlns:thm15="http://schemas.microsoft.com/office/thememl/2012/main" name="Office Theme" id="{2E142A2C-CD16-42D6-873A-C26D2A0506FA}" vid="{1BDDFF52-6CD6-40A5-AB3C-68EB2F1E4D0A}"/>
+      <thm15:themeFamily xmlns:thm15="http://schemas.microsoft.com/office/thememl/2012/main" name="Dividend" id="{9697A71B-4AB7-4A1A-BD5B-BB2D22835B57}" vid="{66F1C100-1D2B-4BEA-AD01-C4F230B3B965}"/>
     </a:ext>
   </a:extLst>
 </a:theme>
